--- a/files/Block6-1_Sharing-Deposit.pptx
+++ b/files/Block6-1_Sharing-Deposit.pptx
@@ -5,57 +5,56 @@
     <p:sldMasterId id="2147483673" r:id="rId1"/>
   </p:sldMasterIdLst>
   <p:notesMasterIdLst>
-    <p:notesMasterId r:id="rId36"/>
+    <p:notesMasterId r:id="rId35"/>
   </p:notesMasterIdLst>
   <p:sldIdLst>
     <p:sldId id="256" r:id="rId2"/>
-    <p:sldId id="489" r:id="rId3"/>
-    <p:sldId id="477" r:id="rId4"/>
-    <p:sldId id="478" r:id="rId5"/>
-    <p:sldId id="260" r:id="rId6"/>
-    <p:sldId id="392" r:id="rId7"/>
-    <p:sldId id="451" r:id="rId8"/>
-    <p:sldId id="452" r:id="rId9"/>
-    <p:sldId id="453" r:id="rId10"/>
-    <p:sldId id="456" r:id="rId11"/>
-    <p:sldId id="457" r:id="rId12"/>
-    <p:sldId id="458" r:id="rId13"/>
-    <p:sldId id="459" r:id="rId14"/>
-    <p:sldId id="460" r:id="rId15"/>
-    <p:sldId id="461" r:id="rId16"/>
-    <p:sldId id="462" r:id="rId17"/>
-    <p:sldId id="463" r:id="rId18"/>
-    <p:sldId id="482" r:id="rId19"/>
-    <p:sldId id="483" r:id="rId20"/>
-    <p:sldId id="464" r:id="rId21"/>
-    <p:sldId id="465" r:id="rId22"/>
-    <p:sldId id="466" r:id="rId23"/>
-    <p:sldId id="467" r:id="rId24"/>
-    <p:sldId id="468" r:id="rId25"/>
-    <p:sldId id="469" r:id="rId26"/>
-    <p:sldId id="485" r:id="rId27"/>
-    <p:sldId id="486" r:id="rId28"/>
-    <p:sldId id="487" r:id="rId29"/>
+    <p:sldId id="477" r:id="rId3"/>
+    <p:sldId id="478" r:id="rId4"/>
+    <p:sldId id="260" r:id="rId5"/>
+    <p:sldId id="392" r:id="rId6"/>
+    <p:sldId id="451" r:id="rId7"/>
+    <p:sldId id="452" r:id="rId8"/>
+    <p:sldId id="453" r:id="rId9"/>
+    <p:sldId id="456" r:id="rId10"/>
+    <p:sldId id="457" r:id="rId11"/>
+    <p:sldId id="458" r:id="rId12"/>
+    <p:sldId id="459" r:id="rId13"/>
+    <p:sldId id="460" r:id="rId14"/>
+    <p:sldId id="461" r:id="rId15"/>
+    <p:sldId id="462" r:id="rId16"/>
+    <p:sldId id="463" r:id="rId17"/>
+    <p:sldId id="482" r:id="rId18"/>
+    <p:sldId id="483" r:id="rId19"/>
+    <p:sldId id="464" r:id="rId20"/>
+    <p:sldId id="465" r:id="rId21"/>
+    <p:sldId id="466" r:id="rId22"/>
+    <p:sldId id="467" r:id="rId23"/>
+    <p:sldId id="468" r:id="rId24"/>
+    <p:sldId id="469" r:id="rId25"/>
+    <p:sldId id="485" r:id="rId26"/>
+    <p:sldId id="486" r:id="rId27"/>
+    <p:sldId id="487" r:id="rId28"/>
+    <p:sldId id="489" r:id="rId29"/>
     <p:sldId id="470" r:id="rId30"/>
     <p:sldId id="475" r:id="rId31"/>
     <p:sldId id="476" r:id="rId32"/>
     <p:sldId id="471" r:id="rId33"/>
-    <p:sldId id="479" r:id="rId34"/>
-    <p:sldId id="488" r:id="rId35"/>
+    <p:sldId id="488" r:id="rId34"/>
   </p:sldIdLst>
   <p:sldSz cx="9144000" cy="5143500" type="screen16x9"/>
   <p:notesSz cx="6858000" cy="9144000"/>
   <p:embeddedFontLst>
     <p:embeddedFont>
-      <p:font typeface="Nunito" pitchFamily="2" charset="0"/>
-      <p:regular r:id="rId37"/>
-      <p:bold r:id="rId38"/>
-      <p:italic r:id="rId39"/>
-      <p:boldItalic r:id="rId40"/>
+      <p:font typeface="Nunito" pitchFamily="2" charset="77"/>
+      <p:regular r:id="rId36"/>
+      <p:bold r:id="rId37"/>
+      <p:italic r:id="rId38"/>
+      <p:boldItalic r:id="rId39"/>
     </p:embeddedFont>
     <p:embeddedFont>
-      <p:font typeface="Questrial" pitchFamily="2" charset="0"/>
-      <p:regular r:id="rId41"/>
+      <p:font typeface="Questrial" pitchFamily="2" charset="77"/>
+      <p:regular r:id="rId40"/>
     </p:embeddedFont>
   </p:embeddedFontLst>
   <p:defaultTextStyle>
@@ -945,133 +944,6 @@
         <p:cNvPr id="1" name="Shape 154">
           <a:extLst>
             <a:ext uri="{FF2B5EF4-FFF2-40B4-BE49-F238E27FC236}">
-              <a16:creationId xmlns:a16="http://schemas.microsoft.com/office/drawing/2014/main" id="{E246CF12-F1B1-F4F7-DB94-BF32AB4FD4B2}"/>
-            </a:ext>
-          </a:extLst>
-        </p:cNvPr>
-        <p:cNvGrpSpPr/>
-        <p:nvPr/>
-      </p:nvGrpSpPr>
-      <p:grpSpPr>
-        <a:xfrm>
-          <a:off x="0" y="0"/>
-          <a:ext cx="0" cy="0"/>
-          <a:chOff x="0" y="0"/>
-          <a:chExt cx="0" cy="0"/>
-        </a:xfrm>
-      </p:grpSpPr>
-      <p:sp>
-        <p:nvSpPr>
-          <p:cNvPr id="155" name="Google Shape;155;ge1d838b627_4_100:notes">
-            <a:extLst>
-              <a:ext uri="{FF2B5EF4-FFF2-40B4-BE49-F238E27FC236}">
-                <a16:creationId xmlns:a16="http://schemas.microsoft.com/office/drawing/2014/main" id="{24D06A73-7985-2162-7502-19EA5C033217}"/>
-              </a:ext>
-            </a:extLst>
-          </p:cNvPr>
-          <p:cNvSpPr>
-            <a:spLocks noGrp="1" noRot="1" noChangeAspect="1"/>
-          </p:cNvSpPr>
-          <p:nvPr>
-            <p:ph type="sldImg" idx="2"/>
-          </p:nvPr>
-        </p:nvSpPr>
-        <p:spPr>
-          <a:xfrm>
-            <a:off x="381000" y="685800"/>
-            <a:ext cx="6096000" cy="3429000"/>
-          </a:xfrm>
-          <a:custGeom>
-            <a:avLst/>
-            <a:gdLst/>
-            <a:ahLst/>
-            <a:cxnLst/>
-            <a:rect l="l" t="t" r="r" b="b"/>
-            <a:pathLst>
-              <a:path w="120000" h="120000" extrusionOk="0">
-                <a:moveTo>
-                  <a:pt x="0" y="0"/>
-                </a:moveTo>
-                <a:lnTo>
-                  <a:pt x="120000" y="0"/>
-                </a:lnTo>
-                <a:lnTo>
-                  <a:pt x="120000" y="120000"/>
-                </a:lnTo>
-                <a:lnTo>
-                  <a:pt x="0" y="120000"/>
-                </a:lnTo>
-                <a:close/>
-              </a:path>
-            </a:pathLst>
-          </a:custGeom>
-        </p:spPr>
-      </p:sp>
-      <p:sp>
-        <p:nvSpPr>
-          <p:cNvPr id="156" name="Google Shape;156;ge1d838b627_4_100:notes">
-            <a:extLst>
-              <a:ext uri="{FF2B5EF4-FFF2-40B4-BE49-F238E27FC236}">
-                <a16:creationId xmlns:a16="http://schemas.microsoft.com/office/drawing/2014/main" id="{2A5D59B7-0561-F9EA-53D0-80FB9FCF33C0}"/>
-              </a:ext>
-            </a:extLst>
-          </p:cNvPr>
-          <p:cNvSpPr txBox="1">
-            <a:spLocks noGrp="1"/>
-          </p:cNvSpPr>
-          <p:nvPr>
-            <p:ph type="body" idx="1"/>
-          </p:nvPr>
-        </p:nvSpPr>
-        <p:spPr>
-          <a:xfrm>
-            <a:off x="685800" y="4343400"/>
-            <a:ext cx="5486400" cy="4114800"/>
-          </a:xfrm>
-          <a:prstGeom prst="rect">
-            <a:avLst/>
-          </a:prstGeom>
-        </p:spPr>
-        <p:txBody>
-          <a:bodyPr spcFirstLastPara="1" wrap="square" lIns="91425" tIns="91425" rIns="91425" bIns="91425" anchor="t" anchorCtr="0">
-            <a:noAutofit/>
-          </a:bodyPr>
-          <a:lstStyle/>
-          <a:p>
-            <a:pPr marL="0" lvl="0" indent="0" algn="l" rtl="0">
-              <a:spcBef>
-                <a:spcPts val="0"/>
-              </a:spcBef>
-              <a:spcAft>
-                <a:spcPts val="0"/>
-              </a:spcAft>
-              <a:buNone/>
-            </a:pPr>
-            <a:endParaRPr/>
-          </a:p>
-        </p:txBody>
-      </p:sp>
-    </p:spTree>
-    <p:extLst>
-      <p:ext uri="{BB962C8B-B14F-4D97-AF65-F5344CB8AC3E}">
-        <p14:creationId xmlns:p14="http://schemas.microsoft.com/office/powerpoint/2010/main" val="3482692414"/>
-      </p:ext>
-    </p:extLst>
-  </p:cSld>
-  <p:clrMapOvr>
-    <a:masterClrMapping/>
-  </p:clrMapOvr>
-</p:notes>
-</file>
-
-<file path=ppt/notesSlides/notesSlide11.xml><?xml version="1.0" encoding="utf-8"?>
-<p:notes xmlns:a="http://schemas.openxmlformats.org/drawingml/2006/main" xmlns:r="http://schemas.openxmlformats.org/officeDocument/2006/relationships" xmlns:p="http://schemas.openxmlformats.org/presentationml/2006/main" showMasterSp="0" showMasterPhAnim="0">
-  <p:cSld>
-    <p:spTree>
-      <p:nvGrpSpPr>
-        <p:cNvPr id="1" name="Shape 154">
-          <a:extLst>
-            <a:ext uri="{FF2B5EF4-FFF2-40B4-BE49-F238E27FC236}">
               <a16:creationId xmlns:a16="http://schemas.microsoft.com/office/drawing/2014/main" id="{8D2AF4DA-57B8-0DBB-7BC4-36D62F64A0FA}"/>
             </a:ext>
           </a:extLst>
@@ -1191,7 +1063,7 @@
 </p:notes>
 </file>
 
-<file path=ppt/notesSlides/notesSlide12.xml><?xml version="1.0" encoding="utf-8"?>
+<file path=ppt/notesSlides/notesSlide11.xml><?xml version="1.0" encoding="utf-8"?>
 <p:notes xmlns:a="http://schemas.openxmlformats.org/drawingml/2006/main" xmlns:r="http://schemas.openxmlformats.org/officeDocument/2006/relationships" xmlns:p="http://schemas.openxmlformats.org/presentationml/2006/main" showMasterSp="0" showMasterPhAnim="0">
   <p:cSld>
     <p:spTree>
@@ -1322,7 +1194,7 @@
 </p:notes>
 </file>
 
-<file path=ppt/notesSlides/notesSlide13.xml><?xml version="1.0" encoding="utf-8"?>
+<file path=ppt/notesSlides/notesSlide12.xml><?xml version="1.0" encoding="utf-8"?>
 <p:notes xmlns:a="http://schemas.openxmlformats.org/drawingml/2006/main" xmlns:r="http://schemas.openxmlformats.org/officeDocument/2006/relationships" xmlns:p="http://schemas.openxmlformats.org/presentationml/2006/main" showMasterSp="0" showMasterPhAnim="0">
   <p:cSld>
     <p:spTree>
@@ -1449,7 +1321,7 @@
 </p:notes>
 </file>
 
-<file path=ppt/notesSlides/notesSlide14.xml><?xml version="1.0" encoding="utf-8"?>
+<file path=ppt/notesSlides/notesSlide13.xml><?xml version="1.0" encoding="utf-8"?>
 <p:notes xmlns:a="http://schemas.openxmlformats.org/drawingml/2006/main" xmlns:r="http://schemas.openxmlformats.org/officeDocument/2006/relationships" xmlns:p="http://schemas.openxmlformats.org/presentationml/2006/main" showMasterSp="0" showMasterPhAnim="0">
   <p:cSld>
     <p:spTree>
@@ -1576,7 +1448,7 @@
 </p:notes>
 </file>
 
-<file path=ppt/notesSlides/notesSlide15.xml><?xml version="1.0" encoding="utf-8"?>
+<file path=ppt/notesSlides/notesSlide14.xml><?xml version="1.0" encoding="utf-8"?>
 <p:notes xmlns:a="http://schemas.openxmlformats.org/drawingml/2006/main" xmlns:r="http://schemas.openxmlformats.org/officeDocument/2006/relationships" xmlns:p="http://schemas.openxmlformats.org/presentationml/2006/main" showMasterSp="0" showMasterPhAnim="0">
   <p:cSld>
     <p:spTree>
@@ -1703,7 +1575,7 @@
 </p:notes>
 </file>
 
-<file path=ppt/notesSlides/notesSlide16.xml><?xml version="1.0" encoding="utf-8"?>
+<file path=ppt/notesSlides/notesSlide15.xml><?xml version="1.0" encoding="utf-8"?>
 <p:notes xmlns:a="http://schemas.openxmlformats.org/drawingml/2006/main" xmlns:r="http://schemas.openxmlformats.org/officeDocument/2006/relationships" xmlns:p="http://schemas.openxmlformats.org/presentationml/2006/main" showMasterSp="0" showMasterPhAnim="0">
   <p:cSld>
     <p:spTree>
@@ -1830,7 +1702,7 @@
 </p:notes>
 </file>
 
-<file path=ppt/notesSlides/notesSlide17.xml><?xml version="1.0" encoding="utf-8"?>
+<file path=ppt/notesSlides/notesSlide16.xml><?xml version="1.0" encoding="utf-8"?>
 <p:notes xmlns:a="http://schemas.openxmlformats.org/drawingml/2006/main" xmlns:r="http://schemas.openxmlformats.org/officeDocument/2006/relationships" xmlns:p="http://schemas.openxmlformats.org/presentationml/2006/main" showMasterSp="0" showMasterPhAnim="0">
   <p:cSld>
     <p:spTree>
@@ -1957,7 +1829,7 @@
 </p:notes>
 </file>
 
-<file path=ppt/notesSlides/notesSlide18.xml><?xml version="1.0" encoding="utf-8"?>
+<file path=ppt/notesSlides/notesSlide17.xml><?xml version="1.0" encoding="utf-8"?>
 <p:notes xmlns:a="http://schemas.openxmlformats.org/drawingml/2006/main" xmlns:r="http://schemas.openxmlformats.org/officeDocument/2006/relationships" xmlns:p="http://schemas.openxmlformats.org/presentationml/2006/main" showMasterSp="0" showMasterPhAnim="0">
   <p:cSld>
     <p:spTree>
@@ -2084,7 +1956,7 @@
 </p:notes>
 </file>
 
-<file path=ppt/notesSlides/notesSlide19.xml><?xml version="1.0" encoding="utf-8"?>
+<file path=ppt/notesSlides/notesSlide18.xml><?xml version="1.0" encoding="utf-8"?>
 <p:notes xmlns:a="http://schemas.openxmlformats.org/drawingml/2006/main" xmlns:r="http://schemas.openxmlformats.org/officeDocument/2006/relationships" xmlns:p="http://schemas.openxmlformats.org/presentationml/2006/main" showMasterSp="0" showMasterPhAnim="0">
   <p:cSld>
     <p:spTree>
@@ -2211,134 +2083,7 @@
 </p:notes>
 </file>
 
-<file path=ppt/notesSlides/notesSlide2.xml><?xml version="1.0" encoding="utf-8"?>
-<p:notes xmlns:a="http://schemas.openxmlformats.org/drawingml/2006/main" xmlns:r="http://schemas.openxmlformats.org/officeDocument/2006/relationships" xmlns:p="http://schemas.openxmlformats.org/presentationml/2006/main" showMasterSp="0" showMasterPhAnim="0">
-  <p:cSld>
-    <p:spTree>
-      <p:nvGrpSpPr>
-        <p:cNvPr id="1" name="Shape 154">
-          <a:extLst>
-            <a:ext uri="{FF2B5EF4-FFF2-40B4-BE49-F238E27FC236}">
-              <a16:creationId xmlns:a16="http://schemas.microsoft.com/office/drawing/2014/main" id="{16B8C9F8-15ED-273D-176B-3EB00C44B1C2}"/>
-            </a:ext>
-          </a:extLst>
-        </p:cNvPr>
-        <p:cNvGrpSpPr/>
-        <p:nvPr/>
-      </p:nvGrpSpPr>
-      <p:grpSpPr>
-        <a:xfrm>
-          <a:off x="0" y="0"/>
-          <a:ext cx="0" cy="0"/>
-          <a:chOff x="0" y="0"/>
-          <a:chExt cx="0" cy="0"/>
-        </a:xfrm>
-      </p:grpSpPr>
-      <p:sp>
-        <p:nvSpPr>
-          <p:cNvPr id="155" name="Google Shape;155;ge1d838b627_4_100:notes">
-            <a:extLst>
-              <a:ext uri="{FF2B5EF4-FFF2-40B4-BE49-F238E27FC236}">
-                <a16:creationId xmlns:a16="http://schemas.microsoft.com/office/drawing/2014/main" id="{E81A97F7-1F32-4440-B697-669AFB96BD3E}"/>
-              </a:ext>
-            </a:extLst>
-          </p:cNvPr>
-          <p:cNvSpPr>
-            <a:spLocks noGrp="1" noRot="1" noChangeAspect="1"/>
-          </p:cNvSpPr>
-          <p:nvPr>
-            <p:ph type="sldImg" idx="2"/>
-          </p:nvPr>
-        </p:nvSpPr>
-        <p:spPr>
-          <a:xfrm>
-            <a:off x="381000" y="685800"/>
-            <a:ext cx="6096000" cy="3429000"/>
-          </a:xfrm>
-          <a:custGeom>
-            <a:avLst/>
-            <a:gdLst/>
-            <a:ahLst/>
-            <a:cxnLst/>
-            <a:rect l="l" t="t" r="r" b="b"/>
-            <a:pathLst>
-              <a:path w="120000" h="120000" extrusionOk="0">
-                <a:moveTo>
-                  <a:pt x="0" y="0"/>
-                </a:moveTo>
-                <a:lnTo>
-                  <a:pt x="120000" y="0"/>
-                </a:lnTo>
-                <a:lnTo>
-                  <a:pt x="120000" y="120000"/>
-                </a:lnTo>
-                <a:lnTo>
-                  <a:pt x="0" y="120000"/>
-                </a:lnTo>
-                <a:close/>
-              </a:path>
-            </a:pathLst>
-          </a:custGeom>
-        </p:spPr>
-      </p:sp>
-      <p:sp>
-        <p:nvSpPr>
-          <p:cNvPr id="156" name="Google Shape;156;ge1d838b627_4_100:notes">
-            <a:extLst>
-              <a:ext uri="{FF2B5EF4-FFF2-40B4-BE49-F238E27FC236}">
-                <a16:creationId xmlns:a16="http://schemas.microsoft.com/office/drawing/2014/main" id="{D6AC1CA9-BF04-4AAF-7EEB-B63DFA7B90F5}"/>
-              </a:ext>
-            </a:extLst>
-          </p:cNvPr>
-          <p:cNvSpPr txBox="1">
-            <a:spLocks noGrp="1"/>
-          </p:cNvSpPr>
-          <p:nvPr>
-            <p:ph type="body" idx="1"/>
-          </p:nvPr>
-        </p:nvSpPr>
-        <p:spPr>
-          <a:xfrm>
-            <a:off x="685800" y="4343400"/>
-            <a:ext cx="5486400" cy="4114800"/>
-          </a:xfrm>
-          <a:prstGeom prst="rect">
-            <a:avLst/>
-          </a:prstGeom>
-        </p:spPr>
-        <p:txBody>
-          <a:bodyPr spcFirstLastPara="1" wrap="square" lIns="91425" tIns="91425" rIns="91425" bIns="91425" anchor="t" anchorCtr="0">
-            <a:noAutofit/>
-          </a:bodyPr>
-          <a:lstStyle/>
-          <a:p>
-            <a:pPr marL="0" lvl="0" indent="0" algn="l" rtl="0">
-              <a:spcBef>
-                <a:spcPts val="0"/>
-              </a:spcBef>
-              <a:spcAft>
-                <a:spcPts val="0"/>
-              </a:spcAft>
-              <a:buNone/>
-            </a:pPr>
-            <a:endParaRPr/>
-          </a:p>
-        </p:txBody>
-      </p:sp>
-    </p:spTree>
-    <p:extLst>
-      <p:ext uri="{BB962C8B-B14F-4D97-AF65-F5344CB8AC3E}">
-        <p14:creationId xmlns:p14="http://schemas.microsoft.com/office/powerpoint/2010/main" val="1688146258"/>
-      </p:ext>
-    </p:extLst>
-  </p:cSld>
-  <p:clrMapOvr>
-    <a:masterClrMapping/>
-  </p:clrMapOvr>
-</p:notes>
-</file>
-
-<file path=ppt/notesSlides/notesSlide20.xml><?xml version="1.0" encoding="utf-8"?>
+<file path=ppt/notesSlides/notesSlide19.xml><?xml version="1.0" encoding="utf-8"?>
 <p:notes xmlns:a="http://schemas.openxmlformats.org/drawingml/2006/main" xmlns:r="http://schemas.openxmlformats.org/officeDocument/2006/relationships" xmlns:p="http://schemas.openxmlformats.org/presentationml/2006/main" showMasterSp="0" showMasterPhAnim="0">
   <p:cSld>
     <p:spTree>
@@ -2465,7 +2210,134 @@
 </p:notes>
 </file>
 
-<file path=ppt/notesSlides/notesSlide21.xml><?xml version="1.0" encoding="utf-8"?>
+<file path=ppt/notesSlides/notesSlide2.xml><?xml version="1.0" encoding="utf-8"?>
+<p:notes xmlns:a="http://schemas.openxmlformats.org/drawingml/2006/main" xmlns:r="http://schemas.openxmlformats.org/officeDocument/2006/relationships" xmlns:p="http://schemas.openxmlformats.org/presentationml/2006/main" showMasterSp="0" showMasterPhAnim="0">
+  <p:cSld>
+    <p:spTree>
+      <p:nvGrpSpPr>
+        <p:cNvPr id="1" name="Shape 154">
+          <a:extLst>
+            <a:ext uri="{FF2B5EF4-FFF2-40B4-BE49-F238E27FC236}">
+              <a16:creationId xmlns:a16="http://schemas.microsoft.com/office/drawing/2014/main" id="{624647AA-61C1-56D8-5B2B-DED29D5500B4}"/>
+            </a:ext>
+          </a:extLst>
+        </p:cNvPr>
+        <p:cNvGrpSpPr/>
+        <p:nvPr/>
+      </p:nvGrpSpPr>
+      <p:grpSpPr>
+        <a:xfrm>
+          <a:off x="0" y="0"/>
+          <a:ext cx="0" cy="0"/>
+          <a:chOff x="0" y="0"/>
+          <a:chExt cx="0" cy="0"/>
+        </a:xfrm>
+      </p:grpSpPr>
+      <p:sp>
+        <p:nvSpPr>
+          <p:cNvPr id="155" name="Google Shape;155;ge1d838b627_4_100:notes">
+            <a:extLst>
+              <a:ext uri="{FF2B5EF4-FFF2-40B4-BE49-F238E27FC236}">
+                <a16:creationId xmlns:a16="http://schemas.microsoft.com/office/drawing/2014/main" id="{AED78B72-87F2-5287-30A9-73F8A79C5E4C}"/>
+              </a:ext>
+            </a:extLst>
+          </p:cNvPr>
+          <p:cNvSpPr>
+            <a:spLocks noGrp="1" noRot="1" noChangeAspect="1"/>
+          </p:cNvSpPr>
+          <p:nvPr>
+            <p:ph type="sldImg" idx="2"/>
+          </p:nvPr>
+        </p:nvSpPr>
+        <p:spPr>
+          <a:xfrm>
+            <a:off x="381000" y="685800"/>
+            <a:ext cx="6096000" cy="3429000"/>
+          </a:xfrm>
+          <a:custGeom>
+            <a:avLst/>
+            <a:gdLst/>
+            <a:ahLst/>
+            <a:cxnLst/>
+            <a:rect l="l" t="t" r="r" b="b"/>
+            <a:pathLst>
+              <a:path w="120000" h="120000" extrusionOk="0">
+                <a:moveTo>
+                  <a:pt x="0" y="0"/>
+                </a:moveTo>
+                <a:lnTo>
+                  <a:pt x="120000" y="0"/>
+                </a:lnTo>
+                <a:lnTo>
+                  <a:pt x="120000" y="120000"/>
+                </a:lnTo>
+                <a:lnTo>
+                  <a:pt x="0" y="120000"/>
+                </a:lnTo>
+                <a:close/>
+              </a:path>
+            </a:pathLst>
+          </a:custGeom>
+        </p:spPr>
+      </p:sp>
+      <p:sp>
+        <p:nvSpPr>
+          <p:cNvPr id="156" name="Google Shape;156;ge1d838b627_4_100:notes">
+            <a:extLst>
+              <a:ext uri="{FF2B5EF4-FFF2-40B4-BE49-F238E27FC236}">
+                <a16:creationId xmlns:a16="http://schemas.microsoft.com/office/drawing/2014/main" id="{AEC5E8AA-7AA0-8B61-0BE0-87D7B4065B8E}"/>
+              </a:ext>
+            </a:extLst>
+          </p:cNvPr>
+          <p:cNvSpPr txBox="1">
+            <a:spLocks noGrp="1"/>
+          </p:cNvSpPr>
+          <p:nvPr>
+            <p:ph type="body" idx="1"/>
+          </p:nvPr>
+        </p:nvSpPr>
+        <p:spPr>
+          <a:xfrm>
+            <a:off x="685800" y="4343400"/>
+            <a:ext cx="5486400" cy="4114800"/>
+          </a:xfrm>
+          <a:prstGeom prst="rect">
+            <a:avLst/>
+          </a:prstGeom>
+        </p:spPr>
+        <p:txBody>
+          <a:bodyPr spcFirstLastPara="1" wrap="square" lIns="91425" tIns="91425" rIns="91425" bIns="91425" anchor="t" anchorCtr="0">
+            <a:noAutofit/>
+          </a:bodyPr>
+          <a:lstStyle/>
+          <a:p>
+            <a:pPr marL="0" lvl="0" indent="0" algn="l" rtl="0">
+              <a:spcBef>
+                <a:spcPts val="0"/>
+              </a:spcBef>
+              <a:spcAft>
+                <a:spcPts val="0"/>
+              </a:spcAft>
+              <a:buNone/>
+            </a:pPr>
+            <a:endParaRPr/>
+          </a:p>
+        </p:txBody>
+      </p:sp>
+    </p:spTree>
+    <p:extLst>
+      <p:ext uri="{BB962C8B-B14F-4D97-AF65-F5344CB8AC3E}">
+        <p14:creationId xmlns:p14="http://schemas.microsoft.com/office/powerpoint/2010/main" val="931093007"/>
+      </p:ext>
+    </p:extLst>
+  </p:cSld>
+  <p:clrMapOvr>
+    <a:masterClrMapping/>
+  </p:clrMapOvr>
+</p:notes>
+</file>
+
+<file path=ppt/notesSlides/notesSlide20.xml><?xml version="1.0" encoding="utf-8"?>
 <p:notes xmlns:a="http://schemas.openxmlformats.org/drawingml/2006/main" xmlns:r="http://schemas.openxmlformats.org/officeDocument/2006/relationships" xmlns:p="http://schemas.openxmlformats.org/presentationml/2006/main" showMasterSp="0" showMasterPhAnim="0">
   <p:cSld>
     <p:spTree>
@@ -2592,7 +2464,7 @@
 </p:notes>
 </file>
 
-<file path=ppt/notesSlides/notesSlide22.xml><?xml version="1.0" encoding="utf-8"?>
+<file path=ppt/notesSlides/notesSlide21.xml><?xml version="1.0" encoding="utf-8"?>
 <p:notes xmlns:a="http://schemas.openxmlformats.org/drawingml/2006/main" xmlns:r="http://schemas.openxmlformats.org/officeDocument/2006/relationships" xmlns:p="http://schemas.openxmlformats.org/presentationml/2006/main" showMasterSp="0" showMasterPhAnim="0">
   <p:cSld>
     <p:spTree>
@@ -2719,7 +2591,7 @@
 </p:notes>
 </file>
 
-<file path=ppt/notesSlides/notesSlide23.xml><?xml version="1.0" encoding="utf-8"?>
+<file path=ppt/notesSlides/notesSlide22.xml><?xml version="1.0" encoding="utf-8"?>
 <p:notes xmlns:a="http://schemas.openxmlformats.org/drawingml/2006/main" xmlns:r="http://schemas.openxmlformats.org/officeDocument/2006/relationships" xmlns:p="http://schemas.openxmlformats.org/presentationml/2006/main" showMasterSp="0" showMasterPhAnim="0">
   <p:cSld>
     <p:spTree>
@@ -2846,7 +2718,7 @@
 </p:notes>
 </file>
 
-<file path=ppt/notesSlides/notesSlide24.xml><?xml version="1.0" encoding="utf-8"?>
+<file path=ppt/notesSlides/notesSlide23.xml><?xml version="1.0" encoding="utf-8"?>
 <p:notes xmlns:a="http://schemas.openxmlformats.org/drawingml/2006/main" xmlns:r="http://schemas.openxmlformats.org/officeDocument/2006/relationships" xmlns:p="http://schemas.openxmlformats.org/presentationml/2006/main" showMasterSp="0" showMasterPhAnim="0">
   <p:cSld>
     <p:spTree>
@@ -2973,7 +2845,7 @@
 </p:notes>
 </file>
 
-<file path=ppt/notesSlides/notesSlide25.xml><?xml version="1.0" encoding="utf-8"?>
+<file path=ppt/notesSlides/notesSlide24.xml><?xml version="1.0" encoding="utf-8"?>
 <p:notes xmlns:a="http://schemas.openxmlformats.org/drawingml/2006/main" xmlns:r="http://schemas.openxmlformats.org/officeDocument/2006/relationships" xmlns:p="http://schemas.openxmlformats.org/presentationml/2006/main" showMasterSp="0" showMasterPhAnim="0">
   <p:cSld>
     <p:spTree>
@@ -3100,7 +2972,7 @@
 </p:notes>
 </file>
 
-<file path=ppt/notesSlides/notesSlide26.xml><?xml version="1.0" encoding="utf-8"?>
+<file path=ppt/notesSlides/notesSlide25.xml><?xml version="1.0" encoding="utf-8"?>
 <p:notes xmlns:a="http://schemas.openxmlformats.org/drawingml/2006/main" xmlns:r="http://schemas.openxmlformats.org/officeDocument/2006/relationships" xmlns:p="http://schemas.openxmlformats.org/presentationml/2006/main" showMasterSp="0" showMasterPhAnim="0">
   <p:cSld>
     <p:spTree>
@@ -3227,7 +3099,7 @@
 </p:notes>
 </file>
 
-<file path=ppt/notesSlides/notesSlide27.xml><?xml version="1.0" encoding="utf-8"?>
+<file path=ppt/notesSlides/notesSlide26.xml><?xml version="1.0" encoding="utf-8"?>
 <p:notes xmlns:a="http://schemas.openxmlformats.org/drawingml/2006/main" xmlns:r="http://schemas.openxmlformats.org/officeDocument/2006/relationships" xmlns:p="http://schemas.openxmlformats.org/presentationml/2006/main" showMasterSp="0" showMasterPhAnim="0">
   <p:cSld>
     <p:spTree>
@@ -3354,7 +3226,7 @@
 </p:notes>
 </file>
 
-<file path=ppt/notesSlides/notesSlide28.xml><?xml version="1.0" encoding="utf-8"?>
+<file path=ppt/notesSlides/notesSlide27.xml><?xml version="1.0" encoding="utf-8"?>
 <p:notes xmlns:a="http://schemas.openxmlformats.org/drawingml/2006/main" xmlns:r="http://schemas.openxmlformats.org/officeDocument/2006/relationships" xmlns:p="http://schemas.openxmlformats.org/presentationml/2006/main" showMasterSp="0" showMasterPhAnim="0">
   <p:cSld>
     <p:spTree>
@@ -3472,6 +3344,133 @@
     <p:extLst>
       <p:ext uri="{BB962C8B-B14F-4D97-AF65-F5344CB8AC3E}">
         <p14:creationId xmlns:p14="http://schemas.microsoft.com/office/powerpoint/2010/main" val="72534386"/>
+      </p:ext>
+    </p:extLst>
+  </p:cSld>
+  <p:clrMapOvr>
+    <a:masterClrMapping/>
+  </p:clrMapOvr>
+</p:notes>
+</file>
+
+<file path=ppt/notesSlides/notesSlide28.xml><?xml version="1.0" encoding="utf-8"?>
+<p:notes xmlns:a="http://schemas.openxmlformats.org/drawingml/2006/main" xmlns:r="http://schemas.openxmlformats.org/officeDocument/2006/relationships" xmlns:p="http://schemas.openxmlformats.org/presentationml/2006/main" showMasterSp="0" showMasterPhAnim="0">
+  <p:cSld>
+    <p:spTree>
+      <p:nvGrpSpPr>
+        <p:cNvPr id="1" name="Shape 154">
+          <a:extLst>
+            <a:ext uri="{FF2B5EF4-FFF2-40B4-BE49-F238E27FC236}">
+              <a16:creationId xmlns:a16="http://schemas.microsoft.com/office/drawing/2014/main" id="{1DDC14DC-06A1-B552-75E0-54A201D8CBB5}"/>
+            </a:ext>
+          </a:extLst>
+        </p:cNvPr>
+        <p:cNvGrpSpPr/>
+        <p:nvPr/>
+      </p:nvGrpSpPr>
+      <p:grpSpPr>
+        <a:xfrm>
+          <a:off x="0" y="0"/>
+          <a:ext cx="0" cy="0"/>
+          <a:chOff x="0" y="0"/>
+          <a:chExt cx="0" cy="0"/>
+        </a:xfrm>
+      </p:grpSpPr>
+      <p:sp>
+        <p:nvSpPr>
+          <p:cNvPr id="155" name="Google Shape;155;ge1d838b627_4_100:notes">
+            <a:extLst>
+              <a:ext uri="{FF2B5EF4-FFF2-40B4-BE49-F238E27FC236}">
+                <a16:creationId xmlns:a16="http://schemas.microsoft.com/office/drawing/2014/main" id="{0462A6B6-1890-A538-3719-C21CC173FF46}"/>
+              </a:ext>
+            </a:extLst>
+          </p:cNvPr>
+          <p:cNvSpPr>
+            <a:spLocks noGrp="1" noRot="1" noChangeAspect="1"/>
+          </p:cNvSpPr>
+          <p:nvPr>
+            <p:ph type="sldImg" idx="2"/>
+          </p:nvPr>
+        </p:nvSpPr>
+        <p:spPr>
+          <a:xfrm>
+            <a:off x="381000" y="685800"/>
+            <a:ext cx="6096000" cy="3429000"/>
+          </a:xfrm>
+          <a:custGeom>
+            <a:avLst/>
+            <a:gdLst/>
+            <a:ahLst/>
+            <a:cxnLst/>
+            <a:rect l="l" t="t" r="r" b="b"/>
+            <a:pathLst>
+              <a:path w="120000" h="120000" extrusionOk="0">
+                <a:moveTo>
+                  <a:pt x="0" y="0"/>
+                </a:moveTo>
+                <a:lnTo>
+                  <a:pt x="120000" y="0"/>
+                </a:lnTo>
+                <a:lnTo>
+                  <a:pt x="120000" y="120000"/>
+                </a:lnTo>
+                <a:lnTo>
+                  <a:pt x="0" y="120000"/>
+                </a:lnTo>
+                <a:close/>
+              </a:path>
+            </a:pathLst>
+          </a:custGeom>
+        </p:spPr>
+      </p:sp>
+      <p:sp>
+        <p:nvSpPr>
+          <p:cNvPr id="156" name="Google Shape;156;ge1d838b627_4_100:notes">
+            <a:extLst>
+              <a:ext uri="{FF2B5EF4-FFF2-40B4-BE49-F238E27FC236}">
+                <a16:creationId xmlns:a16="http://schemas.microsoft.com/office/drawing/2014/main" id="{DE880551-566C-7FF3-1CBE-8953CB6689CB}"/>
+              </a:ext>
+            </a:extLst>
+          </p:cNvPr>
+          <p:cNvSpPr txBox="1">
+            <a:spLocks noGrp="1"/>
+          </p:cNvSpPr>
+          <p:nvPr>
+            <p:ph type="body" idx="1"/>
+          </p:nvPr>
+        </p:nvSpPr>
+        <p:spPr>
+          <a:xfrm>
+            <a:off x="685800" y="4343400"/>
+            <a:ext cx="5486400" cy="4114800"/>
+          </a:xfrm>
+          <a:prstGeom prst="rect">
+            <a:avLst/>
+          </a:prstGeom>
+        </p:spPr>
+        <p:txBody>
+          <a:bodyPr spcFirstLastPara="1" wrap="square" lIns="91425" tIns="91425" rIns="91425" bIns="91425" anchor="t" anchorCtr="0">
+            <a:noAutofit/>
+          </a:bodyPr>
+          <a:lstStyle/>
+          <a:p>
+            <a:pPr marL="0" lvl="0" indent="0" algn="l" rtl="0">
+              <a:spcBef>
+                <a:spcPts val="0"/>
+              </a:spcBef>
+              <a:spcAft>
+                <a:spcPts val="0"/>
+              </a:spcAft>
+              <a:buNone/>
+            </a:pPr>
+            <a:endParaRPr/>
+          </a:p>
+        </p:txBody>
+      </p:sp>
+    </p:spTree>
+    <p:extLst>
+      <p:ext uri="{BB962C8B-B14F-4D97-AF65-F5344CB8AC3E}">
+        <p14:creationId xmlns:p14="http://schemas.microsoft.com/office/powerpoint/2010/main" val="3087381940"/>
       </p:ext>
     </p:extLst>
   </p:cSld>
@@ -3616,7 +3615,7 @@
         <p:cNvPr id="1" name="Shape 154">
           <a:extLst>
             <a:ext uri="{FF2B5EF4-FFF2-40B4-BE49-F238E27FC236}">
-              <a16:creationId xmlns:a16="http://schemas.microsoft.com/office/drawing/2014/main" id="{624647AA-61C1-56D8-5B2B-DED29D5500B4}"/>
+              <a16:creationId xmlns:a16="http://schemas.microsoft.com/office/drawing/2014/main" id="{7751ECC9-9DCF-17E2-CCB6-BA9D50A876B7}"/>
             </a:ext>
           </a:extLst>
         </p:cNvPr>
@@ -3636,7 +3635,7 @@
           <p:cNvPr id="155" name="Google Shape;155;ge1d838b627_4_100:notes">
             <a:extLst>
               <a:ext uri="{FF2B5EF4-FFF2-40B4-BE49-F238E27FC236}">
-                <a16:creationId xmlns:a16="http://schemas.microsoft.com/office/drawing/2014/main" id="{AED78B72-87F2-5287-30A9-73F8A79C5E4C}"/>
+                <a16:creationId xmlns:a16="http://schemas.microsoft.com/office/drawing/2014/main" id="{B29779DC-B9CD-E3BE-5D40-15A8B5B2FCEC}"/>
               </a:ext>
             </a:extLst>
           </p:cNvPr>
@@ -3683,7 +3682,7 @@
           <p:cNvPr id="156" name="Google Shape;156;ge1d838b627_4_100:notes">
             <a:extLst>
               <a:ext uri="{FF2B5EF4-FFF2-40B4-BE49-F238E27FC236}">
-                <a16:creationId xmlns:a16="http://schemas.microsoft.com/office/drawing/2014/main" id="{AEC5E8AA-7AA0-8B61-0BE0-87D7B4065B8E}"/>
+                <a16:creationId xmlns:a16="http://schemas.microsoft.com/office/drawing/2014/main" id="{F8E3C789-ACDD-8C95-9810-2488DDF5FBC4}"/>
               </a:ext>
             </a:extLst>
           </p:cNvPr>
@@ -3725,7 +3724,7 @@
     </p:spTree>
     <p:extLst>
       <p:ext uri="{BB962C8B-B14F-4D97-AF65-F5344CB8AC3E}">
-        <p14:creationId xmlns:p14="http://schemas.microsoft.com/office/powerpoint/2010/main" val="931093007"/>
+        <p14:creationId xmlns:p14="http://schemas.microsoft.com/office/powerpoint/2010/main" val="323360195"/>
       </p:ext>
     </p:extLst>
   </p:cSld>
@@ -4124,133 +4123,6 @@
         <p:cNvPr id="1" name="Shape 154">
           <a:extLst>
             <a:ext uri="{FF2B5EF4-FFF2-40B4-BE49-F238E27FC236}">
-              <a16:creationId xmlns:a16="http://schemas.microsoft.com/office/drawing/2014/main" id="{065625ED-44F4-FEFC-AFD3-6FF368771D96}"/>
-            </a:ext>
-          </a:extLst>
-        </p:cNvPr>
-        <p:cNvGrpSpPr/>
-        <p:nvPr/>
-      </p:nvGrpSpPr>
-      <p:grpSpPr>
-        <a:xfrm>
-          <a:off x="0" y="0"/>
-          <a:ext cx="0" cy="0"/>
-          <a:chOff x="0" y="0"/>
-          <a:chExt cx="0" cy="0"/>
-        </a:xfrm>
-      </p:grpSpPr>
-      <p:sp>
-        <p:nvSpPr>
-          <p:cNvPr id="155" name="Google Shape;155;ge1d838b627_4_100:notes">
-            <a:extLst>
-              <a:ext uri="{FF2B5EF4-FFF2-40B4-BE49-F238E27FC236}">
-                <a16:creationId xmlns:a16="http://schemas.microsoft.com/office/drawing/2014/main" id="{87BFDDD1-C357-1EDA-771D-84E3578B7259}"/>
-              </a:ext>
-            </a:extLst>
-          </p:cNvPr>
-          <p:cNvSpPr>
-            <a:spLocks noGrp="1" noRot="1" noChangeAspect="1"/>
-          </p:cNvSpPr>
-          <p:nvPr>
-            <p:ph type="sldImg" idx="2"/>
-          </p:nvPr>
-        </p:nvSpPr>
-        <p:spPr>
-          <a:xfrm>
-            <a:off x="381000" y="685800"/>
-            <a:ext cx="6096000" cy="3429000"/>
-          </a:xfrm>
-          <a:custGeom>
-            <a:avLst/>
-            <a:gdLst/>
-            <a:ahLst/>
-            <a:cxnLst/>
-            <a:rect l="l" t="t" r="r" b="b"/>
-            <a:pathLst>
-              <a:path w="120000" h="120000" extrusionOk="0">
-                <a:moveTo>
-                  <a:pt x="0" y="0"/>
-                </a:moveTo>
-                <a:lnTo>
-                  <a:pt x="120000" y="0"/>
-                </a:lnTo>
-                <a:lnTo>
-                  <a:pt x="120000" y="120000"/>
-                </a:lnTo>
-                <a:lnTo>
-                  <a:pt x="0" y="120000"/>
-                </a:lnTo>
-                <a:close/>
-              </a:path>
-            </a:pathLst>
-          </a:custGeom>
-        </p:spPr>
-      </p:sp>
-      <p:sp>
-        <p:nvSpPr>
-          <p:cNvPr id="156" name="Google Shape;156;ge1d838b627_4_100:notes">
-            <a:extLst>
-              <a:ext uri="{FF2B5EF4-FFF2-40B4-BE49-F238E27FC236}">
-                <a16:creationId xmlns:a16="http://schemas.microsoft.com/office/drawing/2014/main" id="{9749AB8A-4C3C-0961-EEAB-D88A380F8C73}"/>
-              </a:ext>
-            </a:extLst>
-          </p:cNvPr>
-          <p:cNvSpPr txBox="1">
-            <a:spLocks noGrp="1"/>
-          </p:cNvSpPr>
-          <p:nvPr>
-            <p:ph type="body" idx="1"/>
-          </p:nvPr>
-        </p:nvSpPr>
-        <p:spPr>
-          <a:xfrm>
-            <a:off x="685800" y="4343400"/>
-            <a:ext cx="5486400" cy="4114800"/>
-          </a:xfrm>
-          <a:prstGeom prst="rect">
-            <a:avLst/>
-          </a:prstGeom>
-        </p:spPr>
-        <p:txBody>
-          <a:bodyPr spcFirstLastPara="1" wrap="square" lIns="91425" tIns="91425" rIns="91425" bIns="91425" anchor="t" anchorCtr="0">
-            <a:noAutofit/>
-          </a:bodyPr>
-          <a:lstStyle/>
-          <a:p>
-            <a:pPr marL="0" lvl="0" indent="0" algn="l" rtl="0">
-              <a:spcBef>
-                <a:spcPts val="0"/>
-              </a:spcBef>
-              <a:spcAft>
-                <a:spcPts val="0"/>
-              </a:spcAft>
-              <a:buNone/>
-            </a:pPr>
-            <a:endParaRPr/>
-          </a:p>
-        </p:txBody>
-      </p:sp>
-    </p:spTree>
-    <p:extLst>
-      <p:ext uri="{BB962C8B-B14F-4D97-AF65-F5344CB8AC3E}">
-        <p14:creationId xmlns:p14="http://schemas.microsoft.com/office/powerpoint/2010/main" val="3520498941"/>
-      </p:ext>
-    </p:extLst>
-  </p:cSld>
-  <p:clrMapOvr>
-    <a:masterClrMapping/>
-  </p:clrMapOvr>
-</p:notes>
-</file>
-
-<file path=ppt/notesSlides/notesSlide34.xml><?xml version="1.0" encoding="utf-8"?>
-<p:notes xmlns:a="http://schemas.openxmlformats.org/drawingml/2006/main" xmlns:r="http://schemas.openxmlformats.org/officeDocument/2006/relationships" xmlns:p="http://schemas.openxmlformats.org/presentationml/2006/main" showMasterSp="0" showMasterPhAnim="0">
-  <p:cSld>
-    <p:spTree>
-      <p:nvGrpSpPr>
-        <p:cNvPr id="1" name="Shape 154">
-          <a:extLst>
-            <a:ext uri="{FF2B5EF4-FFF2-40B4-BE49-F238E27FC236}">
               <a16:creationId xmlns:a16="http://schemas.microsoft.com/office/drawing/2014/main" id="{D1C592F3-7230-36D7-74AA-A9F287936514}"/>
             </a:ext>
           </a:extLst>
@@ -4375,133 +4247,6 @@
   <p:cSld>
     <p:spTree>
       <p:nvGrpSpPr>
-        <p:cNvPr id="1" name="Shape 154">
-          <a:extLst>
-            <a:ext uri="{FF2B5EF4-FFF2-40B4-BE49-F238E27FC236}">
-              <a16:creationId xmlns:a16="http://schemas.microsoft.com/office/drawing/2014/main" id="{7751ECC9-9DCF-17E2-CCB6-BA9D50A876B7}"/>
-            </a:ext>
-          </a:extLst>
-        </p:cNvPr>
-        <p:cNvGrpSpPr/>
-        <p:nvPr/>
-      </p:nvGrpSpPr>
-      <p:grpSpPr>
-        <a:xfrm>
-          <a:off x="0" y="0"/>
-          <a:ext cx="0" cy="0"/>
-          <a:chOff x="0" y="0"/>
-          <a:chExt cx="0" cy="0"/>
-        </a:xfrm>
-      </p:grpSpPr>
-      <p:sp>
-        <p:nvSpPr>
-          <p:cNvPr id="155" name="Google Shape;155;ge1d838b627_4_100:notes">
-            <a:extLst>
-              <a:ext uri="{FF2B5EF4-FFF2-40B4-BE49-F238E27FC236}">
-                <a16:creationId xmlns:a16="http://schemas.microsoft.com/office/drawing/2014/main" id="{B29779DC-B9CD-E3BE-5D40-15A8B5B2FCEC}"/>
-              </a:ext>
-            </a:extLst>
-          </p:cNvPr>
-          <p:cNvSpPr>
-            <a:spLocks noGrp="1" noRot="1" noChangeAspect="1"/>
-          </p:cNvSpPr>
-          <p:nvPr>
-            <p:ph type="sldImg" idx="2"/>
-          </p:nvPr>
-        </p:nvSpPr>
-        <p:spPr>
-          <a:xfrm>
-            <a:off x="381000" y="685800"/>
-            <a:ext cx="6096000" cy="3429000"/>
-          </a:xfrm>
-          <a:custGeom>
-            <a:avLst/>
-            <a:gdLst/>
-            <a:ahLst/>
-            <a:cxnLst/>
-            <a:rect l="l" t="t" r="r" b="b"/>
-            <a:pathLst>
-              <a:path w="120000" h="120000" extrusionOk="0">
-                <a:moveTo>
-                  <a:pt x="0" y="0"/>
-                </a:moveTo>
-                <a:lnTo>
-                  <a:pt x="120000" y="0"/>
-                </a:lnTo>
-                <a:lnTo>
-                  <a:pt x="120000" y="120000"/>
-                </a:lnTo>
-                <a:lnTo>
-                  <a:pt x="0" y="120000"/>
-                </a:lnTo>
-                <a:close/>
-              </a:path>
-            </a:pathLst>
-          </a:custGeom>
-        </p:spPr>
-      </p:sp>
-      <p:sp>
-        <p:nvSpPr>
-          <p:cNvPr id="156" name="Google Shape;156;ge1d838b627_4_100:notes">
-            <a:extLst>
-              <a:ext uri="{FF2B5EF4-FFF2-40B4-BE49-F238E27FC236}">
-                <a16:creationId xmlns:a16="http://schemas.microsoft.com/office/drawing/2014/main" id="{F8E3C789-ACDD-8C95-9810-2488DDF5FBC4}"/>
-              </a:ext>
-            </a:extLst>
-          </p:cNvPr>
-          <p:cNvSpPr txBox="1">
-            <a:spLocks noGrp="1"/>
-          </p:cNvSpPr>
-          <p:nvPr>
-            <p:ph type="body" idx="1"/>
-          </p:nvPr>
-        </p:nvSpPr>
-        <p:spPr>
-          <a:xfrm>
-            <a:off x="685800" y="4343400"/>
-            <a:ext cx="5486400" cy="4114800"/>
-          </a:xfrm>
-          <a:prstGeom prst="rect">
-            <a:avLst/>
-          </a:prstGeom>
-        </p:spPr>
-        <p:txBody>
-          <a:bodyPr spcFirstLastPara="1" wrap="square" lIns="91425" tIns="91425" rIns="91425" bIns="91425" anchor="t" anchorCtr="0">
-            <a:noAutofit/>
-          </a:bodyPr>
-          <a:lstStyle/>
-          <a:p>
-            <a:pPr marL="0" lvl="0" indent="0" algn="l" rtl="0">
-              <a:spcBef>
-                <a:spcPts val="0"/>
-              </a:spcBef>
-              <a:spcAft>
-                <a:spcPts val="0"/>
-              </a:spcAft>
-              <a:buNone/>
-            </a:pPr>
-            <a:endParaRPr/>
-          </a:p>
-        </p:txBody>
-      </p:sp>
-    </p:spTree>
-    <p:extLst>
-      <p:ext uri="{BB962C8B-B14F-4D97-AF65-F5344CB8AC3E}">
-        <p14:creationId xmlns:p14="http://schemas.microsoft.com/office/powerpoint/2010/main" val="323360195"/>
-      </p:ext>
-    </p:extLst>
-  </p:cSld>
-  <p:clrMapOvr>
-    <a:masterClrMapping/>
-  </p:clrMapOvr>
-</p:notes>
-</file>
-
-<file path=ppt/notesSlides/notesSlide5.xml><?xml version="1.0" encoding="utf-8"?>
-<p:notes xmlns:a="http://schemas.openxmlformats.org/drawingml/2006/main" xmlns:r="http://schemas.openxmlformats.org/officeDocument/2006/relationships" xmlns:p="http://schemas.openxmlformats.org/presentationml/2006/main" showMasterSp="0" showMasterPhAnim="0">
-  <p:cSld>
-    <p:spTree>
-      <p:nvGrpSpPr>
         <p:cNvPr id="1" name="Shape 190"/>
         <p:cNvGrpSpPr/>
         <p:nvPr/>
@@ -4601,7 +4346,7 @@
 </p:notes>
 </file>
 
-<file path=ppt/notesSlides/notesSlide6.xml><?xml version="1.0" encoding="utf-8"?>
+<file path=ppt/notesSlides/notesSlide5.xml><?xml version="1.0" encoding="utf-8"?>
 <p:notes xmlns:a="http://schemas.openxmlformats.org/drawingml/2006/main" xmlns:r="http://schemas.openxmlformats.org/officeDocument/2006/relationships" xmlns:p="http://schemas.openxmlformats.org/presentationml/2006/main" showMasterSp="0" showMasterPhAnim="0">
   <p:cSld>
     <p:spTree>
@@ -4728,7 +4473,7 @@
 </p:notes>
 </file>
 
-<file path=ppt/notesSlides/notesSlide7.xml><?xml version="1.0" encoding="utf-8"?>
+<file path=ppt/notesSlides/notesSlide6.xml><?xml version="1.0" encoding="utf-8"?>
 <p:notes xmlns:a="http://schemas.openxmlformats.org/drawingml/2006/main" xmlns:r="http://schemas.openxmlformats.org/officeDocument/2006/relationships" xmlns:p="http://schemas.openxmlformats.org/presentationml/2006/main" showMasterSp="0" showMasterPhAnim="0">
   <p:cSld>
     <p:spTree>
@@ -4855,7 +4600,7 @@
 </p:notes>
 </file>
 
-<file path=ppt/notesSlides/notesSlide8.xml><?xml version="1.0" encoding="utf-8"?>
+<file path=ppt/notesSlides/notesSlide7.xml><?xml version="1.0" encoding="utf-8"?>
 <p:notes xmlns:a="http://schemas.openxmlformats.org/drawingml/2006/main" xmlns:r="http://schemas.openxmlformats.org/officeDocument/2006/relationships" xmlns:p="http://schemas.openxmlformats.org/presentationml/2006/main" showMasterSp="0" showMasterPhAnim="0">
   <p:cSld>
     <p:spTree>
@@ -4982,7 +4727,7 @@
 </p:notes>
 </file>
 
-<file path=ppt/notesSlides/notesSlide9.xml><?xml version="1.0" encoding="utf-8"?>
+<file path=ppt/notesSlides/notesSlide8.xml><?xml version="1.0" encoding="utf-8"?>
 <p:notes xmlns:a="http://schemas.openxmlformats.org/drawingml/2006/main" xmlns:r="http://schemas.openxmlformats.org/officeDocument/2006/relationships" xmlns:p="http://schemas.openxmlformats.org/presentationml/2006/main" showMasterSp="0" showMasterPhAnim="0">
   <p:cSld>
     <p:spTree>
@@ -5100,6 +4845,133 @@
     <p:extLst>
       <p:ext uri="{BB962C8B-B14F-4D97-AF65-F5344CB8AC3E}">
         <p14:creationId xmlns:p14="http://schemas.microsoft.com/office/powerpoint/2010/main" val="3223474673"/>
+      </p:ext>
+    </p:extLst>
+  </p:cSld>
+  <p:clrMapOvr>
+    <a:masterClrMapping/>
+  </p:clrMapOvr>
+</p:notes>
+</file>
+
+<file path=ppt/notesSlides/notesSlide9.xml><?xml version="1.0" encoding="utf-8"?>
+<p:notes xmlns:a="http://schemas.openxmlformats.org/drawingml/2006/main" xmlns:r="http://schemas.openxmlformats.org/officeDocument/2006/relationships" xmlns:p="http://schemas.openxmlformats.org/presentationml/2006/main" showMasterSp="0" showMasterPhAnim="0">
+  <p:cSld>
+    <p:spTree>
+      <p:nvGrpSpPr>
+        <p:cNvPr id="1" name="Shape 154">
+          <a:extLst>
+            <a:ext uri="{FF2B5EF4-FFF2-40B4-BE49-F238E27FC236}">
+              <a16:creationId xmlns:a16="http://schemas.microsoft.com/office/drawing/2014/main" id="{E246CF12-F1B1-F4F7-DB94-BF32AB4FD4B2}"/>
+            </a:ext>
+          </a:extLst>
+        </p:cNvPr>
+        <p:cNvGrpSpPr/>
+        <p:nvPr/>
+      </p:nvGrpSpPr>
+      <p:grpSpPr>
+        <a:xfrm>
+          <a:off x="0" y="0"/>
+          <a:ext cx="0" cy="0"/>
+          <a:chOff x="0" y="0"/>
+          <a:chExt cx="0" cy="0"/>
+        </a:xfrm>
+      </p:grpSpPr>
+      <p:sp>
+        <p:nvSpPr>
+          <p:cNvPr id="155" name="Google Shape;155;ge1d838b627_4_100:notes">
+            <a:extLst>
+              <a:ext uri="{FF2B5EF4-FFF2-40B4-BE49-F238E27FC236}">
+                <a16:creationId xmlns:a16="http://schemas.microsoft.com/office/drawing/2014/main" id="{24D06A73-7985-2162-7502-19EA5C033217}"/>
+              </a:ext>
+            </a:extLst>
+          </p:cNvPr>
+          <p:cNvSpPr>
+            <a:spLocks noGrp="1" noRot="1" noChangeAspect="1"/>
+          </p:cNvSpPr>
+          <p:nvPr>
+            <p:ph type="sldImg" idx="2"/>
+          </p:nvPr>
+        </p:nvSpPr>
+        <p:spPr>
+          <a:xfrm>
+            <a:off x="381000" y="685800"/>
+            <a:ext cx="6096000" cy="3429000"/>
+          </a:xfrm>
+          <a:custGeom>
+            <a:avLst/>
+            <a:gdLst/>
+            <a:ahLst/>
+            <a:cxnLst/>
+            <a:rect l="l" t="t" r="r" b="b"/>
+            <a:pathLst>
+              <a:path w="120000" h="120000" extrusionOk="0">
+                <a:moveTo>
+                  <a:pt x="0" y="0"/>
+                </a:moveTo>
+                <a:lnTo>
+                  <a:pt x="120000" y="0"/>
+                </a:lnTo>
+                <a:lnTo>
+                  <a:pt x="120000" y="120000"/>
+                </a:lnTo>
+                <a:lnTo>
+                  <a:pt x="0" y="120000"/>
+                </a:lnTo>
+                <a:close/>
+              </a:path>
+            </a:pathLst>
+          </a:custGeom>
+        </p:spPr>
+      </p:sp>
+      <p:sp>
+        <p:nvSpPr>
+          <p:cNvPr id="156" name="Google Shape;156;ge1d838b627_4_100:notes">
+            <a:extLst>
+              <a:ext uri="{FF2B5EF4-FFF2-40B4-BE49-F238E27FC236}">
+                <a16:creationId xmlns:a16="http://schemas.microsoft.com/office/drawing/2014/main" id="{2A5D59B7-0561-F9EA-53D0-80FB9FCF33C0}"/>
+              </a:ext>
+            </a:extLst>
+          </p:cNvPr>
+          <p:cNvSpPr txBox="1">
+            <a:spLocks noGrp="1"/>
+          </p:cNvSpPr>
+          <p:nvPr>
+            <p:ph type="body" idx="1"/>
+          </p:nvPr>
+        </p:nvSpPr>
+        <p:spPr>
+          <a:xfrm>
+            <a:off x="685800" y="4343400"/>
+            <a:ext cx="5486400" cy="4114800"/>
+          </a:xfrm>
+          <a:prstGeom prst="rect">
+            <a:avLst/>
+          </a:prstGeom>
+        </p:spPr>
+        <p:txBody>
+          <a:bodyPr spcFirstLastPara="1" wrap="square" lIns="91425" tIns="91425" rIns="91425" bIns="91425" anchor="t" anchorCtr="0">
+            <a:noAutofit/>
+          </a:bodyPr>
+          <a:lstStyle/>
+          <a:p>
+            <a:pPr marL="0" lvl="0" indent="0" algn="l" rtl="0">
+              <a:spcBef>
+                <a:spcPts val="0"/>
+              </a:spcBef>
+              <a:spcAft>
+                <a:spcPts val="0"/>
+              </a:spcAft>
+              <a:buNone/>
+            </a:pPr>
+            <a:endParaRPr/>
+          </a:p>
+        </p:txBody>
+      </p:sp>
+    </p:spTree>
+    <p:extLst>
+      <p:ext uri="{BB962C8B-B14F-4D97-AF65-F5344CB8AC3E}">
+        <p14:creationId xmlns:p14="http://schemas.microsoft.com/office/powerpoint/2010/main" val="3482692414"/>
       </p:ext>
     </p:extLst>
   </p:cSld>
@@ -8693,393 +8565,6 @@
         <p:cNvPr id="1" name="Shape 157">
           <a:extLst>
             <a:ext uri="{FF2B5EF4-FFF2-40B4-BE49-F238E27FC236}">
-              <a16:creationId xmlns:a16="http://schemas.microsoft.com/office/drawing/2014/main" id="{807926AB-1213-4495-38AF-0389D8036F75}"/>
-            </a:ext>
-          </a:extLst>
-        </p:cNvPr>
-        <p:cNvGrpSpPr/>
-        <p:nvPr/>
-      </p:nvGrpSpPr>
-      <p:grpSpPr>
-        <a:xfrm>
-          <a:off x="0" y="0"/>
-          <a:ext cx="0" cy="0"/>
-          <a:chOff x="0" y="0"/>
-          <a:chExt cx="0" cy="0"/>
-        </a:xfrm>
-      </p:grpSpPr>
-      <p:sp>
-        <p:nvSpPr>
-          <p:cNvPr id="158" name="Google Shape;158;p30">
-            <a:extLst>
-              <a:ext uri="{FF2B5EF4-FFF2-40B4-BE49-F238E27FC236}">
-                <a16:creationId xmlns:a16="http://schemas.microsoft.com/office/drawing/2014/main" id="{40E70D85-3177-4578-9182-EE4036901D23}"/>
-              </a:ext>
-            </a:extLst>
-          </p:cNvPr>
-          <p:cNvSpPr txBox="1">
-            <a:spLocks noGrp="1"/>
-          </p:cNvSpPr>
-          <p:nvPr>
-            <p:ph type="title" idx="6"/>
-          </p:nvPr>
-        </p:nvSpPr>
-        <p:spPr>
-          <a:xfrm>
-            <a:off x="710750" y="387250"/>
-            <a:ext cx="6467290" cy="776400"/>
-          </a:xfrm>
-          <a:prstGeom prst="rect">
-            <a:avLst/>
-          </a:prstGeom>
-        </p:spPr>
-        <p:txBody>
-          <a:bodyPr spcFirstLastPara="1" wrap="square" lIns="91425" tIns="91425" rIns="91425" bIns="91425" anchor="t" anchorCtr="0">
-            <a:noAutofit/>
-          </a:bodyPr>
-          <a:lstStyle/>
-          <a:p>
-            <a:pPr marL="0" lvl="0" indent="0" algn="l" rtl="0">
-              <a:spcBef>
-                <a:spcPts val="0"/>
-              </a:spcBef>
-              <a:spcAft>
-                <a:spcPts val="0"/>
-              </a:spcAft>
-              <a:buNone/>
-            </a:pPr>
-            <a:r>
-              <a:rPr lang="es" b="0"/>
-              <a:t>What should you share?</a:t>
-            </a:r>
-            <a:endParaRPr b="0"/>
-          </a:p>
-        </p:txBody>
-      </p:sp>
-      <p:sp>
-        <p:nvSpPr>
-          <p:cNvPr id="162" name="Google Shape;162;p30">
-            <a:extLst>
-              <a:ext uri="{FF2B5EF4-FFF2-40B4-BE49-F238E27FC236}">
-                <a16:creationId xmlns:a16="http://schemas.microsoft.com/office/drawing/2014/main" id="{60943A8E-F68A-86F8-B055-56915ED1BB35}"/>
-              </a:ext>
-            </a:extLst>
-          </p:cNvPr>
-          <p:cNvSpPr txBox="1">
-            <a:spLocks noGrp="1"/>
-          </p:cNvSpPr>
-          <p:nvPr>
-            <p:ph type="subTitle" idx="3"/>
-          </p:nvPr>
-        </p:nvSpPr>
-        <p:spPr>
-          <a:xfrm>
-            <a:off x="710750" y="1491096"/>
-            <a:ext cx="7853701" cy="2161308"/>
-          </a:xfrm>
-          <a:prstGeom prst="rect">
-            <a:avLst/>
-          </a:prstGeom>
-        </p:spPr>
-        <p:txBody>
-          <a:bodyPr spcFirstLastPara="1" wrap="square" lIns="91425" tIns="91425" rIns="91425" bIns="91425" anchor="t" anchorCtr="0">
-            <a:noAutofit/>
-          </a:bodyPr>
-          <a:lstStyle/>
-          <a:p>
-            <a:pPr marL="285750" lvl="0" indent="-285750" algn="l" rtl="0">
-              <a:spcBef>
-                <a:spcPts val="0"/>
-              </a:spcBef>
-              <a:spcAft>
-                <a:spcPts val="0"/>
-              </a:spcAft>
-              <a:buFont typeface="Arial" panose="020B0604020202020204" pitchFamily="34" charset="0"/>
-              <a:buChar char="•"/>
-            </a:pPr>
-            <a:r>
-              <a:rPr lang="en-US" sz="1600" b="1"/>
-              <a:t>**Data</a:t>
-            </a:r>
-          </a:p>
-          <a:p>
-            <a:pPr marL="742950" lvl="1" indent="-285750" algn="l">
-              <a:buFont typeface="Arial" panose="020B0604020202020204" pitchFamily="34" charset="0"/>
-              <a:buChar char="•"/>
-            </a:pPr>
-            <a:r>
-              <a:rPr lang="en-US" sz="1600"/>
-              <a:t>Raw data (directly obtained from instruction, simulation, survey, etc.)</a:t>
-            </a:r>
-          </a:p>
-          <a:p>
-            <a:pPr marL="742950" lvl="1" indent="-285750" algn="l">
-              <a:buFont typeface="Arial" panose="020B0604020202020204" pitchFamily="34" charset="0"/>
-              <a:buChar char="•"/>
-            </a:pPr>
-            <a:r>
-              <a:rPr lang="en-US" sz="1600"/>
-              <a:t>Processed data (cleaned or manipulated as a step prior to analysis)</a:t>
-            </a:r>
-          </a:p>
-          <a:p>
-            <a:pPr marL="742950" lvl="1" indent="-285750" algn="l">
-              <a:buFont typeface="Arial" panose="020B0604020202020204" pitchFamily="34" charset="0"/>
-              <a:buChar char="•"/>
-            </a:pPr>
-            <a:r>
-              <a:rPr lang="en-US" sz="1600"/>
-              <a:t>Analyzed or summary data (results of analysis of the processed data)</a:t>
-            </a:r>
-          </a:p>
-          <a:p>
-            <a:pPr marL="742950" lvl="1" indent="-285750" algn="l">
-              <a:buFont typeface="Arial" panose="020B0604020202020204" pitchFamily="34" charset="0"/>
-              <a:buChar char="•"/>
-            </a:pPr>
-            <a:r>
-              <a:rPr lang="en-US" sz="1600"/>
-              <a:t>Other?</a:t>
-            </a:r>
-          </a:p>
-          <a:p>
-            <a:pPr marL="285750" indent="-285750">
-              <a:buFont typeface="Arial" panose="020B0604020202020204" pitchFamily="34" charset="0"/>
-              <a:buChar char="•"/>
-            </a:pPr>
-            <a:endParaRPr lang="en-US"/>
-          </a:p>
-          <a:p>
-            <a:pPr marL="457200" lvl="1" indent="0" algn="l"/>
-            <a:endParaRPr lang="en-US"/>
-          </a:p>
-          <a:p>
-            <a:pPr marL="0" indent="0"/>
-            <a:endParaRPr lang="en-US"/>
-          </a:p>
-          <a:p>
-            <a:pPr marL="285750" lvl="0" indent="-285750" algn="l" rtl="0">
-              <a:spcBef>
-                <a:spcPts val="0"/>
-              </a:spcBef>
-              <a:spcAft>
-                <a:spcPts val="0"/>
-              </a:spcAft>
-              <a:buFont typeface="Arial" panose="020B0604020202020204" pitchFamily="34" charset="0"/>
-              <a:buChar char="•"/>
-            </a:pPr>
-            <a:endParaRPr lang="en-US"/>
-          </a:p>
-          <a:p>
-            <a:pPr marL="285750" lvl="0" indent="-285750" algn="l" rtl="0">
-              <a:spcBef>
-                <a:spcPts val="0"/>
-              </a:spcBef>
-              <a:spcAft>
-                <a:spcPts val="0"/>
-              </a:spcAft>
-              <a:buFont typeface="Arial" panose="020B0604020202020204" pitchFamily="34" charset="0"/>
-              <a:buChar char="•"/>
-            </a:pPr>
-            <a:endParaRPr lang="en-US"/>
-          </a:p>
-          <a:p>
-            <a:pPr marL="285750" lvl="0" indent="-285750" algn="l" rtl="0">
-              <a:spcBef>
-                <a:spcPts val="0"/>
-              </a:spcBef>
-              <a:spcAft>
-                <a:spcPts val="0"/>
-              </a:spcAft>
-              <a:buFont typeface="Arial" panose="020B0604020202020204" pitchFamily="34" charset="0"/>
-              <a:buChar char="•"/>
-            </a:pPr>
-            <a:endParaRPr lang="en-US"/>
-          </a:p>
-          <a:p>
-            <a:pPr marL="285750" lvl="0" indent="-285750" algn="l" rtl="0">
-              <a:spcBef>
-                <a:spcPts val="0"/>
-              </a:spcBef>
-              <a:spcAft>
-                <a:spcPts val="0"/>
-              </a:spcAft>
-              <a:buFont typeface="Arial" panose="020B0604020202020204" pitchFamily="34" charset="0"/>
-              <a:buChar char="•"/>
-            </a:pPr>
-            <a:endParaRPr lang="en-US"/>
-          </a:p>
-          <a:p>
-            <a:pPr marL="285750" lvl="0" indent="-285750" algn="l" rtl="0">
-              <a:spcBef>
-                <a:spcPts val="0"/>
-              </a:spcBef>
-              <a:spcAft>
-                <a:spcPts val="0"/>
-              </a:spcAft>
-              <a:buFont typeface="Arial" panose="020B0604020202020204" pitchFamily="34" charset="0"/>
-              <a:buChar char="•"/>
-            </a:pPr>
-            <a:endParaRPr lang="en-US"/>
-          </a:p>
-          <a:p>
-            <a:pPr marL="285750" lvl="0" indent="-285750" algn="l" rtl="0">
-              <a:spcBef>
-                <a:spcPts val="0"/>
-              </a:spcBef>
-              <a:spcAft>
-                <a:spcPts val="0"/>
-              </a:spcAft>
-              <a:buFont typeface="Arial" panose="020B0604020202020204" pitchFamily="34" charset="0"/>
-              <a:buChar char="•"/>
-            </a:pPr>
-            <a:endParaRPr lang="en-US"/>
-          </a:p>
-          <a:p>
-            <a:pPr marL="285750" lvl="0" indent="-285750" algn="l" rtl="0">
-              <a:lnSpc>
-                <a:spcPct val="150000"/>
-              </a:lnSpc>
-              <a:spcBef>
-                <a:spcPts val="0"/>
-              </a:spcBef>
-              <a:spcAft>
-                <a:spcPts val="0"/>
-              </a:spcAft>
-              <a:buFont typeface="Arial" panose="020B0604020202020204" pitchFamily="34" charset="0"/>
-              <a:buChar char="•"/>
-            </a:pPr>
-            <a:endParaRPr lang="en-CA" sz="1600"/>
-          </a:p>
-          <a:p>
-            <a:pPr marL="285750" lvl="0" indent="-285750" algn="l" rtl="0">
-              <a:lnSpc>
-                <a:spcPct val="150000"/>
-              </a:lnSpc>
-              <a:spcBef>
-                <a:spcPts val="0"/>
-              </a:spcBef>
-              <a:spcAft>
-                <a:spcPts val="0"/>
-              </a:spcAft>
-              <a:buFont typeface="Arial" panose="020B0604020202020204" pitchFamily="34" charset="0"/>
-              <a:buChar char="•"/>
-            </a:pPr>
-            <a:endParaRPr lang="en-CA" sz="1600"/>
-          </a:p>
-          <a:p>
-            <a:pPr marL="0" lvl="0" indent="0" algn="l" rtl="0">
-              <a:spcBef>
-                <a:spcPts val="0"/>
-              </a:spcBef>
-              <a:spcAft>
-                <a:spcPts val="0"/>
-              </a:spcAft>
-            </a:pPr>
-            <a:endParaRPr lang="en-CA" sz="1600"/>
-          </a:p>
-          <a:p>
-            <a:pPr marL="285750" lvl="0" indent="-285750" algn="l" rtl="0">
-              <a:spcBef>
-                <a:spcPts val="0"/>
-              </a:spcBef>
-              <a:spcAft>
-                <a:spcPts val="0"/>
-              </a:spcAft>
-              <a:buFont typeface="Arial" panose="020B0604020202020204" pitchFamily="34" charset="0"/>
-              <a:buChar char="•"/>
-            </a:pPr>
-            <a:endParaRPr lang="es"/>
-          </a:p>
-          <a:p>
-            <a:pPr marL="742950" lvl="1" indent="-285750" algn="l">
-              <a:buFont typeface="Arial" panose="020B0604020202020204" pitchFamily="34" charset="0"/>
-              <a:buChar char="•"/>
-            </a:pPr>
-            <a:endParaRPr lang="es"/>
-          </a:p>
-          <a:p>
-            <a:pPr marL="285750" lvl="0" indent="-285750" algn="l" rtl="0">
-              <a:spcBef>
-                <a:spcPts val="0"/>
-              </a:spcBef>
-              <a:spcAft>
-                <a:spcPts val="0"/>
-              </a:spcAft>
-              <a:buFont typeface="Arial" panose="020B0604020202020204" pitchFamily="34" charset="0"/>
-              <a:buChar char="•"/>
-            </a:pPr>
-            <a:endParaRPr/>
-          </a:p>
-          <a:p>
-            <a:pPr marL="0" lvl="0" indent="0" algn="l" rtl="0">
-              <a:spcBef>
-                <a:spcPts val="0"/>
-              </a:spcBef>
-              <a:spcAft>
-                <a:spcPts val="0"/>
-              </a:spcAft>
-              <a:buNone/>
-            </a:pPr>
-            <a:endParaRPr/>
-          </a:p>
-        </p:txBody>
-      </p:sp>
-      <p:cxnSp>
-        <p:nvCxnSpPr>
-          <p:cNvPr id="166" name="Google Shape;166;p30">
-            <a:extLst>
-              <a:ext uri="{FF2B5EF4-FFF2-40B4-BE49-F238E27FC236}">
-                <a16:creationId xmlns:a16="http://schemas.microsoft.com/office/drawing/2014/main" id="{6F25F2EE-1589-EF3A-3253-AAC3159D003C}"/>
-              </a:ext>
-            </a:extLst>
-          </p:cNvPr>
-          <p:cNvCxnSpPr>
-            <a:cxnSpLocks/>
-          </p:cNvCxnSpPr>
-          <p:nvPr/>
-        </p:nvCxnSpPr>
-        <p:spPr>
-          <a:xfrm>
-            <a:off x="812499" y="1045726"/>
-            <a:ext cx="6365541" cy="0"/>
-          </a:xfrm>
-          <a:prstGeom prst="straightConnector1">
-            <a:avLst/>
-          </a:prstGeom>
-          <a:noFill/>
-          <a:ln w="19050" cap="flat" cmpd="sng">
-            <a:solidFill>
-              <a:schemeClr val="dk1"/>
-            </a:solidFill>
-            <a:prstDash val="solid"/>
-            <a:round/>
-            <a:headEnd type="none" w="med" len="med"/>
-            <a:tailEnd type="none" w="med" len="med"/>
-          </a:ln>
-        </p:spPr>
-      </p:cxnSp>
-    </p:spTree>
-    <p:extLst>
-      <p:ext uri="{BB962C8B-B14F-4D97-AF65-F5344CB8AC3E}">
-        <p14:creationId xmlns:p14="http://schemas.microsoft.com/office/powerpoint/2010/main" val="3766412717"/>
-      </p:ext>
-    </p:extLst>
-  </p:cSld>
-  <p:clrMapOvr>
-    <a:masterClrMapping/>
-  </p:clrMapOvr>
-</p:sld>
-</file>
-
-<file path=ppt/slides/slide11.xml><?xml version="1.0" encoding="utf-8"?>
-<p:sld xmlns:a="http://schemas.openxmlformats.org/drawingml/2006/main" xmlns:r="http://schemas.openxmlformats.org/officeDocument/2006/relationships" xmlns:p="http://schemas.openxmlformats.org/presentationml/2006/main">
-  <p:cSld>
-    <p:spTree>
-      <p:nvGrpSpPr>
-        <p:cNvPr id="1" name="Shape 157">
-          <a:extLst>
-            <a:ext uri="{FF2B5EF4-FFF2-40B4-BE49-F238E27FC236}">
               <a16:creationId xmlns:a16="http://schemas.microsoft.com/office/drawing/2014/main" id="{AE92B434-C1A0-B583-E08C-283FCDCCD6B5}"/>
             </a:ext>
           </a:extLst>
@@ -9551,7 +9036,7 @@
 </p:sld>
 </file>
 
-<file path=ppt/slides/slide12.xml><?xml version="1.0" encoding="utf-8"?>
+<file path=ppt/slides/slide11.xml><?xml version="1.0" encoding="utf-8"?>
 <p:sld xmlns:a="http://schemas.openxmlformats.org/drawingml/2006/main" xmlns:r="http://schemas.openxmlformats.org/officeDocument/2006/relationships" xmlns:p="http://schemas.openxmlformats.org/presentationml/2006/main">
   <p:cSld>
     <p:spTree>
@@ -9898,7 +9383,7 @@
 </p:sld>
 </file>
 
-<file path=ppt/slides/slide13.xml><?xml version="1.0" encoding="utf-8"?>
+<file path=ppt/slides/slide12.xml><?xml version="1.0" encoding="utf-8"?>
 <p:sld xmlns:a="http://schemas.openxmlformats.org/drawingml/2006/main" xmlns:r="http://schemas.openxmlformats.org/officeDocument/2006/relationships" xmlns:p="http://schemas.openxmlformats.org/presentationml/2006/main">
   <p:cSld>
     <p:spTree>
@@ -10314,7 +9799,7 @@
 </p:sld>
 </file>
 
-<file path=ppt/slides/slide14.xml><?xml version="1.0" encoding="utf-8"?>
+<file path=ppt/slides/slide13.xml><?xml version="1.0" encoding="utf-8"?>
 <p:sld xmlns:a="http://schemas.openxmlformats.org/drawingml/2006/main" xmlns:r="http://schemas.openxmlformats.org/officeDocument/2006/relationships" xmlns:p="http://schemas.openxmlformats.org/presentationml/2006/main">
   <p:cSld>
     <p:spTree>
@@ -10693,7 +10178,7 @@
 </p:sld>
 </file>
 
-<file path=ppt/slides/slide15.xml><?xml version="1.0" encoding="utf-8"?>
+<file path=ppt/slides/slide14.xml><?xml version="1.0" encoding="utf-8"?>
 <p:sld xmlns:a="http://schemas.openxmlformats.org/drawingml/2006/main" xmlns:r="http://schemas.openxmlformats.org/officeDocument/2006/relationships" xmlns:p="http://schemas.openxmlformats.org/presentationml/2006/main">
   <p:cSld>
     <p:spTree>
@@ -11083,7 +10568,7 @@
 </p:sld>
 </file>
 
-<file path=ppt/slides/slide16.xml><?xml version="1.0" encoding="utf-8"?>
+<file path=ppt/slides/slide15.xml><?xml version="1.0" encoding="utf-8"?>
 <p:sld xmlns:a="http://schemas.openxmlformats.org/drawingml/2006/main" xmlns:r="http://schemas.openxmlformats.org/officeDocument/2006/relationships" xmlns:p="http://schemas.openxmlformats.org/presentationml/2006/main">
   <p:cSld>
     <p:spTree>
@@ -11471,7 +10956,7 @@
 </p:sld>
 </file>
 
-<file path=ppt/slides/slide17.xml><?xml version="1.0" encoding="utf-8"?>
+<file path=ppt/slides/slide16.xml><?xml version="1.0" encoding="utf-8"?>
 <p:sld xmlns:a="http://schemas.openxmlformats.org/drawingml/2006/main" xmlns:r="http://schemas.openxmlformats.org/officeDocument/2006/relationships" xmlns:p="http://schemas.openxmlformats.org/presentationml/2006/main">
   <p:cSld>
     <p:spTree>
@@ -11825,7 +11310,7 @@
 </p:sld>
 </file>
 
-<file path=ppt/slides/slide18.xml><?xml version="1.0" encoding="utf-8"?>
+<file path=ppt/slides/slide17.xml><?xml version="1.0" encoding="utf-8"?>
 <p:sld xmlns:a="http://schemas.openxmlformats.org/drawingml/2006/main" xmlns:r="http://schemas.openxmlformats.org/officeDocument/2006/relationships" xmlns:p="http://schemas.openxmlformats.org/presentationml/2006/main">
   <p:cSld>
     <p:spTree>
@@ -12028,7 +11513,7 @@
 </p:sld>
 </file>
 
-<file path=ppt/slides/slide19.xml><?xml version="1.0" encoding="utf-8"?>
+<file path=ppt/slides/slide18.xml><?xml version="1.0" encoding="utf-8"?>
 <p:sld xmlns:a="http://schemas.openxmlformats.org/drawingml/2006/main" xmlns:r="http://schemas.openxmlformats.org/officeDocument/2006/relationships" xmlns:p="http://schemas.openxmlformats.org/presentationml/2006/main">
   <p:cSld>
     <p:spTree>
@@ -12402,383 +11887,7 @@
 </p:sld>
 </file>
 
-<file path=ppt/slides/slide2.xml><?xml version="1.0" encoding="utf-8"?>
-<p:sld xmlns:a="http://schemas.openxmlformats.org/drawingml/2006/main" xmlns:r="http://schemas.openxmlformats.org/officeDocument/2006/relationships" xmlns:p="http://schemas.openxmlformats.org/presentationml/2006/main">
-  <p:cSld>
-    <p:spTree>
-      <p:nvGrpSpPr>
-        <p:cNvPr id="1" name="Shape 157">
-          <a:extLst>
-            <a:ext uri="{FF2B5EF4-FFF2-40B4-BE49-F238E27FC236}">
-              <a16:creationId xmlns:a16="http://schemas.microsoft.com/office/drawing/2014/main" id="{F1BF8D05-37C0-FDAB-A7A0-A882AE884A01}"/>
-            </a:ext>
-          </a:extLst>
-        </p:cNvPr>
-        <p:cNvGrpSpPr/>
-        <p:nvPr/>
-      </p:nvGrpSpPr>
-      <p:grpSpPr>
-        <a:xfrm>
-          <a:off x="0" y="0"/>
-          <a:ext cx="0" cy="0"/>
-          <a:chOff x="0" y="0"/>
-          <a:chExt cx="0" cy="0"/>
-        </a:xfrm>
-      </p:grpSpPr>
-      <p:sp>
-        <p:nvSpPr>
-          <p:cNvPr id="158" name="Google Shape;158;p30">
-            <a:extLst>
-              <a:ext uri="{FF2B5EF4-FFF2-40B4-BE49-F238E27FC236}">
-                <a16:creationId xmlns:a16="http://schemas.microsoft.com/office/drawing/2014/main" id="{5A7F9170-0A58-42AA-240E-D5CFE2875F3F}"/>
-              </a:ext>
-            </a:extLst>
-          </p:cNvPr>
-          <p:cNvSpPr txBox="1">
-            <a:spLocks noGrp="1"/>
-          </p:cNvSpPr>
-          <p:nvPr>
-            <p:ph type="title" idx="6"/>
-          </p:nvPr>
-        </p:nvSpPr>
-        <p:spPr>
-          <a:xfrm>
-            <a:off x="710750" y="387250"/>
-            <a:ext cx="6467290" cy="776400"/>
-          </a:xfrm>
-          <a:prstGeom prst="rect">
-            <a:avLst/>
-          </a:prstGeom>
-        </p:spPr>
-        <p:txBody>
-          <a:bodyPr spcFirstLastPara="1" wrap="square" lIns="91425" tIns="91425" rIns="91425" bIns="91425" anchor="t" anchorCtr="0">
-            <a:noAutofit/>
-          </a:bodyPr>
-          <a:lstStyle/>
-          <a:p>
-            <a:pPr marL="0" lvl="0" indent="0" algn="l" rtl="0">
-              <a:spcBef>
-                <a:spcPts val="0"/>
-              </a:spcBef>
-              <a:spcAft>
-                <a:spcPts val="0"/>
-              </a:spcAft>
-              <a:buNone/>
-            </a:pPr>
-            <a:r>
-              <a:rPr lang="es" b="0"/>
-              <a:t>Why would you share data?</a:t>
-            </a:r>
-            <a:endParaRPr b="0"/>
-          </a:p>
-        </p:txBody>
-      </p:sp>
-      <p:sp>
-        <p:nvSpPr>
-          <p:cNvPr id="162" name="Google Shape;162;p30">
-            <a:extLst>
-              <a:ext uri="{FF2B5EF4-FFF2-40B4-BE49-F238E27FC236}">
-                <a16:creationId xmlns:a16="http://schemas.microsoft.com/office/drawing/2014/main" id="{F05F43F2-0B49-7EF9-B151-150214A0EA27}"/>
-              </a:ext>
-            </a:extLst>
-          </p:cNvPr>
-          <p:cNvSpPr txBox="1">
-            <a:spLocks noGrp="1"/>
-          </p:cNvSpPr>
-          <p:nvPr>
-            <p:ph type="subTitle" idx="3"/>
-          </p:nvPr>
-        </p:nvSpPr>
-        <p:spPr>
-          <a:xfrm>
-            <a:off x="710750" y="1491096"/>
-            <a:ext cx="7853701" cy="2161308"/>
-          </a:xfrm>
-          <a:prstGeom prst="rect">
-            <a:avLst/>
-          </a:prstGeom>
-        </p:spPr>
-        <p:txBody>
-          <a:bodyPr spcFirstLastPara="1" wrap="square" lIns="91425" tIns="91425" rIns="91425" bIns="91425" anchor="t" anchorCtr="0">
-            <a:noAutofit/>
-          </a:bodyPr>
-          <a:lstStyle/>
-          <a:p>
-            <a:pPr marL="285750" lvl="0" indent="-285750">
-              <a:lnSpc>
-                <a:spcPct val="150000"/>
-              </a:lnSpc>
-              <a:buFont typeface="Arial" panose="020B0604020202020204" pitchFamily="34" charset="0"/>
-              <a:buChar char="•"/>
-            </a:pPr>
-            <a:r>
-              <a:rPr lang="en-CA" sz="1600" dirty="0"/>
-              <a:t>Discussion of data sharing considerations</a:t>
-            </a:r>
-            <a:endParaRPr lang="en-US" sz="1600" dirty="0"/>
-          </a:p>
-          <a:p>
-            <a:pPr marL="285750" lvl="0" indent="-285750" algn="l" rtl="0">
-              <a:spcBef>
-                <a:spcPts val="0"/>
-              </a:spcBef>
-              <a:spcAft>
-                <a:spcPts val="0"/>
-              </a:spcAft>
-              <a:buFont typeface="Arial" panose="020B0604020202020204" pitchFamily="34" charset="0"/>
-              <a:buChar char="•"/>
-            </a:pPr>
-            <a:r>
-              <a:rPr lang="en-US" sz="1600" dirty="0"/>
-              <a:t>Overview of data repositories</a:t>
-            </a:r>
-          </a:p>
-          <a:p>
-            <a:pPr marL="742950" lvl="1" indent="-285750" algn="l">
-              <a:buFont typeface="Arial" panose="020B0604020202020204" pitchFamily="34" charset="0"/>
-              <a:buChar char="•"/>
-            </a:pPr>
-            <a:r>
-              <a:rPr lang="en-US" sz="1600" dirty="0"/>
-              <a:t>UVic Borealis</a:t>
-            </a:r>
-          </a:p>
-          <a:p>
-            <a:pPr marL="742950" lvl="1" indent="-285750" algn="l">
-              <a:buFont typeface="Arial" panose="020B0604020202020204" pitchFamily="34" charset="0"/>
-              <a:buChar char="•"/>
-            </a:pPr>
-            <a:r>
-              <a:rPr lang="en-US" sz="1600" dirty="0"/>
-              <a:t>FRDR</a:t>
-            </a:r>
-          </a:p>
-          <a:p>
-            <a:pPr marL="285750" indent="-285750">
-              <a:buFont typeface="Arial" panose="020B0604020202020204" pitchFamily="34" charset="0"/>
-              <a:buChar char="•"/>
-            </a:pPr>
-            <a:r>
-              <a:rPr lang="en-US" sz="1600" dirty="0"/>
-              <a:t>Data licenses</a:t>
-            </a:r>
-          </a:p>
-          <a:p>
-            <a:pPr marL="285750" lvl="0" indent="-285750" algn="l" rtl="0">
-              <a:spcBef>
-                <a:spcPts val="0"/>
-              </a:spcBef>
-              <a:spcAft>
-                <a:spcPts val="0"/>
-              </a:spcAft>
-              <a:buFont typeface="Arial" panose="020B0604020202020204" pitchFamily="34" charset="0"/>
-              <a:buChar char="•"/>
-            </a:pPr>
-            <a:endParaRPr lang="en-US" dirty="0"/>
-          </a:p>
-          <a:p>
-            <a:pPr marL="285750" lvl="0" indent="-285750" algn="l" rtl="0">
-              <a:spcBef>
-                <a:spcPts val="0"/>
-              </a:spcBef>
-              <a:spcAft>
-                <a:spcPts val="0"/>
-              </a:spcAft>
-              <a:buFont typeface="Arial" panose="020B0604020202020204" pitchFamily="34" charset="0"/>
-              <a:buChar char="•"/>
-            </a:pPr>
-            <a:endParaRPr lang="en-US" dirty="0"/>
-          </a:p>
-          <a:p>
-            <a:pPr marL="285750" lvl="0" indent="-285750" algn="l" rtl="0">
-              <a:spcBef>
-                <a:spcPts val="0"/>
-              </a:spcBef>
-              <a:spcAft>
-                <a:spcPts val="0"/>
-              </a:spcAft>
-              <a:buFont typeface="Arial" panose="020B0604020202020204" pitchFamily="34" charset="0"/>
-              <a:buChar char="•"/>
-            </a:pPr>
-            <a:endParaRPr lang="en-US" dirty="0"/>
-          </a:p>
-          <a:p>
-            <a:pPr marL="285750" lvl="0" indent="-285750" algn="l" rtl="0">
-              <a:spcBef>
-                <a:spcPts val="0"/>
-              </a:spcBef>
-              <a:spcAft>
-                <a:spcPts val="0"/>
-              </a:spcAft>
-              <a:buFont typeface="Arial" panose="020B0604020202020204" pitchFamily="34" charset="0"/>
-              <a:buChar char="•"/>
-            </a:pPr>
-            <a:endParaRPr lang="en-US" dirty="0"/>
-          </a:p>
-          <a:p>
-            <a:pPr marL="285750" lvl="0" indent="-285750" algn="l" rtl="0">
-              <a:spcBef>
-                <a:spcPts val="0"/>
-              </a:spcBef>
-              <a:spcAft>
-                <a:spcPts val="0"/>
-              </a:spcAft>
-              <a:buFont typeface="Arial" panose="020B0604020202020204" pitchFamily="34" charset="0"/>
-              <a:buChar char="•"/>
-            </a:pPr>
-            <a:endParaRPr lang="en-US" dirty="0"/>
-          </a:p>
-          <a:p>
-            <a:pPr marL="285750" lvl="0" indent="-285750" algn="l" rtl="0">
-              <a:spcBef>
-                <a:spcPts val="0"/>
-              </a:spcBef>
-              <a:spcAft>
-                <a:spcPts val="0"/>
-              </a:spcAft>
-              <a:buFont typeface="Arial" panose="020B0604020202020204" pitchFamily="34" charset="0"/>
-              <a:buChar char="•"/>
-            </a:pPr>
-            <a:endParaRPr lang="en-US" dirty="0"/>
-          </a:p>
-          <a:p>
-            <a:pPr marL="285750" lvl="0" indent="-285750" algn="l" rtl="0">
-              <a:lnSpc>
-                <a:spcPct val="150000"/>
-              </a:lnSpc>
-              <a:spcBef>
-                <a:spcPts val="0"/>
-              </a:spcBef>
-              <a:spcAft>
-                <a:spcPts val="0"/>
-              </a:spcAft>
-              <a:buFont typeface="Arial" panose="020B0604020202020204" pitchFamily="34" charset="0"/>
-              <a:buChar char="•"/>
-            </a:pPr>
-            <a:endParaRPr lang="en-CA" sz="1600" dirty="0"/>
-          </a:p>
-          <a:p>
-            <a:pPr marL="285750" lvl="0" indent="-285750" algn="l" rtl="0">
-              <a:lnSpc>
-                <a:spcPct val="150000"/>
-              </a:lnSpc>
-              <a:spcBef>
-                <a:spcPts val="0"/>
-              </a:spcBef>
-              <a:spcAft>
-                <a:spcPts val="0"/>
-              </a:spcAft>
-              <a:buFont typeface="Arial" panose="020B0604020202020204" pitchFamily="34" charset="0"/>
-              <a:buChar char="•"/>
-            </a:pPr>
-            <a:endParaRPr lang="en-CA" sz="1600" dirty="0"/>
-          </a:p>
-          <a:p>
-            <a:pPr marL="0" lvl="0" indent="0" algn="l" rtl="0">
-              <a:spcBef>
-                <a:spcPts val="0"/>
-              </a:spcBef>
-              <a:spcAft>
-                <a:spcPts val="0"/>
-              </a:spcAft>
-            </a:pPr>
-            <a:endParaRPr lang="en-CA" sz="1600" dirty="0"/>
-          </a:p>
-          <a:p>
-            <a:pPr marL="285750" lvl="0" indent="-285750" algn="l" rtl="0">
-              <a:spcBef>
-                <a:spcPts val="0"/>
-              </a:spcBef>
-              <a:spcAft>
-                <a:spcPts val="0"/>
-              </a:spcAft>
-              <a:buFont typeface="Arial" panose="020B0604020202020204" pitchFamily="34" charset="0"/>
-              <a:buChar char="•"/>
-            </a:pPr>
-            <a:endParaRPr lang="es" dirty="0"/>
-          </a:p>
-          <a:p>
-            <a:pPr marL="742950" lvl="1" indent="-285750" algn="l">
-              <a:buFont typeface="Arial" panose="020B0604020202020204" pitchFamily="34" charset="0"/>
-              <a:buChar char="•"/>
-            </a:pPr>
-            <a:endParaRPr lang="es" dirty="0"/>
-          </a:p>
-          <a:p>
-            <a:pPr marL="285750" lvl="0" indent="-285750" algn="l" rtl="0">
-              <a:spcBef>
-                <a:spcPts val="0"/>
-              </a:spcBef>
-              <a:spcAft>
-                <a:spcPts val="0"/>
-              </a:spcAft>
-              <a:buFont typeface="Arial" panose="020B0604020202020204" pitchFamily="34" charset="0"/>
-              <a:buChar char="•"/>
-            </a:pPr>
-            <a:endParaRPr dirty="0"/>
-          </a:p>
-          <a:p>
-            <a:pPr marL="0" lvl="0" indent="0" algn="l" rtl="0">
-              <a:spcBef>
-                <a:spcPts val="0"/>
-              </a:spcBef>
-              <a:spcAft>
-                <a:spcPts val="0"/>
-              </a:spcAft>
-              <a:buNone/>
-            </a:pPr>
-            <a:endParaRPr dirty="0"/>
-          </a:p>
-        </p:txBody>
-      </p:sp>
-      <p:cxnSp>
-        <p:nvCxnSpPr>
-          <p:cNvPr id="166" name="Google Shape;166;p30">
-            <a:extLst>
-              <a:ext uri="{FF2B5EF4-FFF2-40B4-BE49-F238E27FC236}">
-                <a16:creationId xmlns:a16="http://schemas.microsoft.com/office/drawing/2014/main" id="{B1072550-7C2B-48E6-729B-B131BEDD778B}"/>
-              </a:ext>
-            </a:extLst>
-          </p:cNvPr>
-          <p:cNvCxnSpPr>
-            <a:cxnSpLocks/>
-          </p:cNvCxnSpPr>
-          <p:nvPr/>
-        </p:nvCxnSpPr>
-        <p:spPr>
-          <a:xfrm>
-            <a:off x="812499" y="1045726"/>
-            <a:ext cx="6365541" cy="0"/>
-          </a:xfrm>
-          <a:prstGeom prst="straightConnector1">
-            <a:avLst/>
-          </a:prstGeom>
-          <a:noFill/>
-          <a:ln w="19050" cap="flat" cmpd="sng">
-            <a:solidFill>
-              <a:schemeClr val="dk1"/>
-            </a:solidFill>
-            <a:prstDash val="solid"/>
-            <a:round/>
-            <a:headEnd type="none" w="med" len="med"/>
-            <a:tailEnd type="none" w="med" len="med"/>
-          </a:ln>
-        </p:spPr>
-      </p:cxnSp>
-    </p:spTree>
-    <p:extLst>
-      <p:ext uri="{BB962C8B-B14F-4D97-AF65-F5344CB8AC3E}">
-        <p14:creationId xmlns:p14="http://schemas.microsoft.com/office/powerpoint/2010/main" val="585428318"/>
-      </p:ext>
-    </p:extLst>
-  </p:cSld>
-  <p:clrMapOvr>
-    <a:masterClrMapping/>
-  </p:clrMapOvr>
-</p:sld>
-</file>
-
-<file path=ppt/slides/slide20.xml><?xml version="1.0" encoding="utf-8"?>
+<file path=ppt/slides/slide19.xml><?xml version="1.0" encoding="utf-8"?>
 <p:sld xmlns:a="http://schemas.openxmlformats.org/drawingml/2006/main" xmlns:r="http://schemas.openxmlformats.org/officeDocument/2006/relationships" xmlns:p="http://schemas.openxmlformats.org/presentationml/2006/main">
   <p:cSld>
     <p:spTree>
@@ -12994,7 +12103,172 @@
 </p:sld>
 </file>
 
-<file path=ppt/slides/slide21.xml><?xml version="1.0" encoding="utf-8"?>
+<file path=ppt/slides/slide2.xml><?xml version="1.0" encoding="utf-8"?>
+<p:sld xmlns:a="http://schemas.openxmlformats.org/drawingml/2006/main" xmlns:r="http://schemas.openxmlformats.org/officeDocument/2006/relationships" xmlns:p="http://schemas.openxmlformats.org/presentationml/2006/main">
+  <p:cSld>
+    <p:spTree>
+      <p:nvGrpSpPr>
+        <p:cNvPr id="1" name="Shape 157">
+          <a:extLst>
+            <a:ext uri="{FF2B5EF4-FFF2-40B4-BE49-F238E27FC236}">
+              <a16:creationId xmlns:a16="http://schemas.microsoft.com/office/drawing/2014/main" id="{86D8C380-6592-0A4F-77D0-DE8E83B28DEE}"/>
+            </a:ext>
+          </a:extLst>
+        </p:cNvPr>
+        <p:cNvGrpSpPr/>
+        <p:nvPr/>
+      </p:nvGrpSpPr>
+      <p:grpSpPr>
+        <a:xfrm>
+          <a:off x="0" y="0"/>
+          <a:ext cx="0" cy="0"/>
+          <a:chOff x="0" y="0"/>
+          <a:chExt cx="0" cy="0"/>
+        </a:xfrm>
+      </p:grpSpPr>
+      <p:sp>
+        <p:nvSpPr>
+          <p:cNvPr id="158" name="Google Shape;158;p30">
+            <a:extLst>
+              <a:ext uri="{FF2B5EF4-FFF2-40B4-BE49-F238E27FC236}">
+                <a16:creationId xmlns:a16="http://schemas.microsoft.com/office/drawing/2014/main" id="{EBF9C5C2-ADB4-26D5-8E39-17FB522F7E37}"/>
+              </a:ext>
+            </a:extLst>
+          </p:cNvPr>
+          <p:cNvSpPr txBox="1">
+            <a:spLocks noGrp="1"/>
+          </p:cNvSpPr>
+          <p:nvPr>
+            <p:ph type="title" idx="6"/>
+          </p:nvPr>
+        </p:nvSpPr>
+        <p:spPr>
+          <a:xfrm>
+            <a:off x="710749" y="387250"/>
+            <a:ext cx="6570707" cy="776400"/>
+          </a:xfrm>
+          <a:prstGeom prst="rect">
+            <a:avLst/>
+          </a:prstGeom>
+        </p:spPr>
+        <p:txBody>
+          <a:bodyPr spcFirstLastPara="1" wrap="square" lIns="91425" tIns="91425" rIns="91425" bIns="91425" anchor="t" anchorCtr="0">
+            <a:noAutofit/>
+          </a:bodyPr>
+          <a:lstStyle/>
+          <a:p>
+            <a:pPr marL="0" lvl="0" indent="0" algn="l" rtl="0">
+              <a:spcBef>
+                <a:spcPts val="0"/>
+              </a:spcBef>
+              <a:spcAft>
+                <a:spcPts val="0"/>
+              </a:spcAft>
+              <a:buNone/>
+            </a:pPr>
+            <a:r>
+              <a:rPr lang="es"/>
+              <a:t>Research Data Lifecycle</a:t>
+            </a:r>
+            <a:endParaRPr b="0"/>
+          </a:p>
+        </p:txBody>
+      </p:sp>
+      <p:cxnSp>
+        <p:nvCxnSpPr>
+          <p:cNvPr id="166" name="Google Shape;166;p30">
+            <a:extLst>
+              <a:ext uri="{FF2B5EF4-FFF2-40B4-BE49-F238E27FC236}">
+                <a16:creationId xmlns:a16="http://schemas.microsoft.com/office/drawing/2014/main" id="{69906751-57C1-6A97-6C94-D057F88807F6}"/>
+              </a:ext>
+            </a:extLst>
+          </p:cNvPr>
+          <p:cNvCxnSpPr>
+            <a:cxnSpLocks/>
+          </p:cNvCxnSpPr>
+          <p:nvPr/>
+        </p:nvCxnSpPr>
+        <p:spPr>
+          <a:xfrm>
+            <a:off x="812499" y="1045726"/>
+            <a:ext cx="5352911" cy="0"/>
+          </a:xfrm>
+          <a:prstGeom prst="straightConnector1">
+            <a:avLst/>
+          </a:prstGeom>
+          <a:noFill/>
+          <a:ln w="19050" cap="flat" cmpd="sng">
+            <a:solidFill>
+              <a:schemeClr val="dk1"/>
+            </a:solidFill>
+            <a:prstDash val="solid"/>
+            <a:round/>
+            <a:headEnd type="none" w="med" len="med"/>
+            <a:tailEnd type="none" w="med" len="med"/>
+          </a:ln>
+        </p:spPr>
+      </p:cxnSp>
+      <p:pic>
+        <p:nvPicPr>
+          <p:cNvPr id="5" name="Picture 4">
+            <a:extLst>
+              <a:ext uri="{FF2B5EF4-FFF2-40B4-BE49-F238E27FC236}">
+                <a16:creationId xmlns:a16="http://schemas.microsoft.com/office/drawing/2014/main" id="{DBDADB75-D0FA-7A83-F030-B8F72B289A24}"/>
+              </a:ext>
+            </a:extLst>
+          </p:cNvPr>
+          <p:cNvPicPr>
+            <a:picLocks noChangeAspect="1" noChangeArrowheads="1"/>
+          </p:cNvPicPr>
+          <p:nvPr/>
+        </p:nvPicPr>
+        <p:blipFill>
+          <a:blip r:embed="rId3">
+            <a:extLst>
+              <a:ext uri="{28A0092B-C50C-407E-A947-70E740481C1C}">
+                <a14:useLocalDpi xmlns:a14="http://schemas.microsoft.com/office/drawing/2010/main" val="0"/>
+              </a:ext>
+            </a:extLst>
+          </a:blip>
+          <a:srcRect/>
+          <a:stretch>
+            <a:fillRect/>
+          </a:stretch>
+        </p:blipFill>
+        <p:spPr bwMode="auto">
+          <a:xfrm>
+            <a:off x="2116041" y="1301878"/>
+            <a:ext cx="5165416" cy="3454372"/>
+          </a:xfrm>
+          <a:prstGeom prst="rect">
+            <a:avLst/>
+          </a:prstGeom>
+          <a:noFill/>
+          <a:extLst>
+            <a:ext uri="{909E8E84-426E-40DD-AFC4-6F175D3DCCD1}">
+              <a14:hiddenFill xmlns:a14="http://schemas.microsoft.com/office/drawing/2010/main">
+                <a:solidFill>
+                  <a:srgbClr val="FFFFFF"/>
+                </a:solidFill>
+              </a14:hiddenFill>
+            </a:ext>
+          </a:extLst>
+        </p:spPr>
+      </p:pic>
+    </p:spTree>
+    <p:extLst>
+      <p:ext uri="{BB962C8B-B14F-4D97-AF65-F5344CB8AC3E}">
+        <p14:creationId xmlns:p14="http://schemas.microsoft.com/office/powerpoint/2010/main" val="2271550962"/>
+      </p:ext>
+    </p:extLst>
+  </p:cSld>
+  <p:clrMapOvr>
+    <a:masterClrMapping/>
+  </p:clrMapOvr>
+</p:sld>
+</file>
+
+<file path=ppt/slides/slide20.xml><?xml version="1.0" encoding="utf-8"?>
 <p:sld xmlns:a="http://schemas.openxmlformats.org/drawingml/2006/main" xmlns:r="http://schemas.openxmlformats.org/officeDocument/2006/relationships" xmlns:p="http://schemas.openxmlformats.org/presentationml/2006/main">
   <p:cSld>
     <p:spTree>
@@ -13353,7 +12627,7 @@
 </p:sld>
 </file>
 
-<file path=ppt/slides/slide22.xml><?xml version="1.0" encoding="utf-8"?>
+<file path=ppt/slides/slide21.xml><?xml version="1.0" encoding="utf-8"?>
 <p:sld xmlns:a="http://schemas.openxmlformats.org/drawingml/2006/main" xmlns:r="http://schemas.openxmlformats.org/officeDocument/2006/relationships" xmlns:p="http://schemas.openxmlformats.org/presentationml/2006/main">
   <p:cSld>
     <p:spTree>
@@ -13775,7 +13049,7 @@
 </p:sld>
 </file>
 
-<file path=ppt/slides/slide23.xml><?xml version="1.0" encoding="utf-8"?>
+<file path=ppt/slides/slide22.xml><?xml version="1.0" encoding="utf-8"?>
 <p:sld xmlns:a="http://schemas.openxmlformats.org/drawingml/2006/main" xmlns:r="http://schemas.openxmlformats.org/officeDocument/2006/relationships" xmlns:p="http://schemas.openxmlformats.org/presentationml/2006/main">
   <p:cSld>
     <p:spTree>
@@ -14280,7 +13554,7 @@
 </p:sld>
 </file>
 
-<file path=ppt/slides/slide24.xml><?xml version="1.0" encoding="utf-8"?>
+<file path=ppt/slides/slide23.xml><?xml version="1.0" encoding="utf-8"?>
 <p:sld xmlns:a="http://schemas.openxmlformats.org/drawingml/2006/main" xmlns:r="http://schemas.openxmlformats.org/officeDocument/2006/relationships" xmlns:p="http://schemas.openxmlformats.org/presentationml/2006/main">
   <p:cSld>
     <p:spTree>
@@ -14718,7 +13992,7 @@
 </p:sld>
 </file>
 
-<file path=ppt/slides/slide25.xml><?xml version="1.0" encoding="utf-8"?>
+<file path=ppt/slides/slide24.xml><?xml version="1.0" encoding="utf-8"?>
 <p:sld xmlns:a="http://schemas.openxmlformats.org/drawingml/2006/main" xmlns:r="http://schemas.openxmlformats.org/officeDocument/2006/relationships" xmlns:p="http://schemas.openxmlformats.org/presentationml/2006/main">
   <p:cSld>
     <p:spTree>
@@ -14890,7 +14164,7 @@
             </a:pPr>
             <a:r>
               <a:rPr lang="en-US" sz="1600" dirty="0"/>
-              <a:t>Data stores on the Ontario Library Research Cloud</a:t>
+              <a:t>Data stored on the Ontario Library Research Cloud</a:t>
             </a:r>
           </a:p>
           <a:p>
@@ -15232,7 +14506,7 @@
 </p:sld>
 </file>
 
-<file path=ppt/slides/slide26.xml><?xml version="1.0" encoding="utf-8"?>
+<file path=ppt/slides/slide25.xml><?xml version="1.0" encoding="utf-8"?>
 <p:sld xmlns:a="http://schemas.openxmlformats.org/drawingml/2006/main" xmlns:r="http://schemas.openxmlformats.org/officeDocument/2006/relationships" xmlns:p="http://schemas.openxmlformats.org/presentationml/2006/main">
   <p:cSld>
     <p:spTree>
@@ -15687,7 +14961,7 @@
 </p:sld>
 </file>
 
-<file path=ppt/slides/slide27.xml><?xml version="1.0" encoding="utf-8"?>
+<file path=ppt/slides/slide26.xml><?xml version="1.0" encoding="utf-8"?>
 <p:sld xmlns:a="http://schemas.openxmlformats.org/drawingml/2006/main" xmlns:r="http://schemas.openxmlformats.org/officeDocument/2006/relationships" xmlns:p="http://schemas.openxmlformats.org/presentationml/2006/main">
   <p:cSld>
     <p:spTree>
@@ -16186,7 +15460,7 @@
 </p:sld>
 </file>
 
-<file path=ppt/slides/slide28.xml><?xml version="1.0" encoding="utf-8"?>
+<file path=ppt/slides/slide27.xml><?xml version="1.0" encoding="utf-8"?>
 <p:sld xmlns:a="http://schemas.openxmlformats.org/drawingml/2006/main" xmlns:r="http://schemas.openxmlformats.org/officeDocument/2006/relationships" xmlns:p="http://schemas.openxmlformats.org/presentationml/2006/main">
   <p:cSld>
     <p:spTree>
@@ -16709,6 +15983,387 @@
     <p:extLst>
       <p:ext uri="{BB962C8B-B14F-4D97-AF65-F5344CB8AC3E}">
         <p14:creationId xmlns:p14="http://schemas.microsoft.com/office/powerpoint/2010/main" val="3041032504"/>
+      </p:ext>
+    </p:extLst>
+  </p:cSld>
+  <p:clrMapOvr>
+    <a:masterClrMapping/>
+  </p:clrMapOvr>
+</p:sld>
+</file>
+
+<file path=ppt/slides/slide28.xml><?xml version="1.0" encoding="utf-8"?>
+<p:sld xmlns:a="http://schemas.openxmlformats.org/drawingml/2006/main" xmlns:r="http://schemas.openxmlformats.org/officeDocument/2006/relationships" xmlns:p="http://schemas.openxmlformats.org/presentationml/2006/main">
+  <p:cSld>
+    <p:spTree>
+      <p:nvGrpSpPr>
+        <p:cNvPr id="1" name="Shape 157">
+          <a:extLst>
+            <a:ext uri="{FF2B5EF4-FFF2-40B4-BE49-F238E27FC236}">
+              <a16:creationId xmlns:a16="http://schemas.microsoft.com/office/drawing/2014/main" id="{99D0BCC6-C8BC-3F65-4A6B-61BD07CD7A7E}"/>
+            </a:ext>
+          </a:extLst>
+        </p:cNvPr>
+        <p:cNvGrpSpPr/>
+        <p:nvPr/>
+      </p:nvGrpSpPr>
+      <p:grpSpPr>
+        <a:xfrm>
+          <a:off x="0" y="0"/>
+          <a:ext cx="0" cy="0"/>
+          <a:chOff x="0" y="0"/>
+          <a:chExt cx="0" cy="0"/>
+        </a:xfrm>
+      </p:grpSpPr>
+      <p:sp>
+        <p:nvSpPr>
+          <p:cNvPr id="158" name="Google Shape;158;p30">
+            <a:extLst>
+              <a:ext uri="{FF2B5EF4-FFF2-40B4-BE49-F238E27FC236}">
+                <a16:creationId xmlns:a16="http://schemas.microsoft.com/office/drawing/2014/main" id="{53BACE09-6017-21BF-804A-37926FEEEB15}"/>
+              </a:ext>
+            </a:extLst>
+          </p:cNvPr>
+          <p:cNvSpPr txBox="1">
+            <a:spLocks noGrp="1"/>
+          </p:cNvSpPr>
+          <p:nvPr>
+            <p:ph type="title" idx="6"/>
+          </p:nvPr>
+        </p:nvSpPr>
+        <p:spPr>
+          <a:xfrm>
+            <a:off x="710749" y="387250"/>
+            <a:ext cx="8315555" cy="776400"/>
+          </a:xfrm>
+          <a:prstGeom prst="rect">
+            <a:avLst/>
+          </a:prstGeom>
+        </p:spPr>
+        <p:txBody>
+          <a:bodyPr spcFirstLastPara="1" wrap="square" lIns="91425" tIns="91425" rIns="91425" bIns="91425" anchor="t" anchorCtr="0">
+            <a:noAutofit/>
+          </a:bodyPr>
+          <a:lstStyle/>
+          <a:p>
+            <a:pPr marL="0" lvl="0" indent="0" algn="l" rtl="0">
+              <a:spcBef>
+                <a:spcPts val="0"/>
+              </a:spcBef>
+              <a:spcAft>
+                <a:spcPts val="0"/>
+              </a:spcAft>
+              <a:buNone/>
+            </a:pPr>
+            <a:r>
+              <a:rPr lang="en-US" sz="3200" dirty="0"/>
+              <a:t>UVic’s Data Review Checklist</a:t>
+            </a:r>
+            <a:endParaRPr sz="3200" dirty="0"/>
+          </a:p>
+        </p:txBody>
+      </p:sp>
+      <p:sp>
+        <p:nvSpPr>
+          <p:cNvPr id="162" name="Google Shape;162;p30">
+            <a:extLst>
+              <a:ext uri="{FF2B5EF4-FFF2-40B4-BE49-F238E27FC236}">
+                <a16:creationId xmlns:a16="http://schemas.microsoft.com/office/drawing/2014/main" id="{A30BB0E4-D90A-65E6-13DF-516AF2656537}"/>
+              </a:ext>
+            </a:extLst>
+          </p:cNvPr>
+          <p:cNvSpPr txBox="1">
+            <a:spLocks noGrp="1"/>
+          </p:cNvSpPr>
+          <p:nvPr>
+            <p:ph type="subTitle" idx="3"/>
+          </p:nvPr>
+        </p:nvSpPr>
+        <p:spPr>
+          <a:xfrm>
+            <a:off x="710750" y="1491096"/>
+            <a:ext cx="7853701" cy="2709712"/>
+          </a:xfrm>
+          <a:prstGeom prst="rect">
+            <a:avLst/>
+          </a:prstGeom>
+        </p:spPr>
+        <p:txBody>
+          <a:bodyPr spcFirstLastPara="1" wrap="square" lIns="91425" tIns="91425" rIns="91425" bIns="91425" anchor="t" anchorCtr="0">
+            <a:noAutofit/>
+          </a:bodyPr>
+          <a:lstStyle/>
+          <a:p>
+            <a:pPr marL="0" indent="0"/>
+            <a:endParaRPr lang="en-US" sz="1600" dirty="0"/>
+          </a:p>
+          <a:p>
+            <a:pPr marL="285750" lvl="0" indent="-285750" algn="l" rtl="0">
+              <a:spcBef>
+                <a:spcPts val="0"/>
+              </a:spcBef>
+              <a:spcAft>
+                <a:spcPts val="0"/>
+              </a:spcAft>
+              <a:buFont typeface="Arial" panose="020B0604020202020204" pitchFamily="34" charset="0"/>
+              <a:buChar char="•"/>
+            </a:pPr>
+            <a:endParaRPr lang="en-US" sz="1600" dirty="0"/>
+          </a:p>
+          <a:p>
+            <a:pPr marL="285750" lvl="0" indent="-285750" algn="l" rtl="0">
+              <a:spcBef>
+                <a:spcPts val="0"/>
+              </a:spcBef>
+              <a:spcAft>
+                <a:spcPts val="0"/>
+              </a:spcAft>
+              <a:buFont typeface="Arial" panose="020B0604020202020204" pitchFamily="34" charset="0"/>
+              <a:buChar char="•"/>
+            </a:pPr>
+            <a:endParaRPr lang="en-US" sz="1600" dirty="0"/>
+          </a:p>
+          <a:p>
+            <a:pPr marL="285750" lvl="0" indent="-285750" algn="l" rtl="0">
+              <a:spcBef>
+                <a:spcPts val="0"/>
+              </a:spcBef>
+              <a:spcAft>
+                <a:spcPts val="0"/>
+              </a:spcAft>
+              <a:buFont typeface="Arial" panose="020B0604020202020204" pitchFamily="34" charset="0"/>
+              <a:buChar char="•"/>
+            </a:pPr>
+            <a:endParaRPr lang="en-US" sz="1600" dirty="0"/>
+          </a:p>
+          <a:p>
+            <a:pPr marL="742950" lvl="1" indent="-285750" algn="l">
+              <a:buFont typeface="Arial" panose="020B0604020202020204" pitchFamily="34" charset="0"/>
+              <a:buChar char="•"/>
+            </a:pPr>
+            <a:endParaRPr lang="en-US" sz="1600" dirty="0"/>
+          </a:p>
+          <a:p>
+            <a:pPr marL="285750" indent="-285750">
+              <a:buFont typeface="Arial" panose="020B0604020202020204" pitchFamily="34" charset="0"/>
+              <a:buChar char="•"/>
+            </a:pPr>
+            <a:endParaRPr lang="en-US" dirty="0"/>
+          </a:p>
+          <a:p>
+            <a:pPr marL="457200" lvl="1" indent="0" algn="l"/>
+            <a:endParaRPr lang="en-US" dirty="0"/>
+          </a:p>
+          <a:p>
+            <a:pPr marL="0" indent="0"/>
+            <a:endParaRPr lang="en-US" dirty="0"/>
+          </a:p>
+          <a:p>
+            <a:pPr marL="285750" lvl="0" indent="-285750" algn="l" rtl="0">
+              <a:spcBef>
+                <a:spcPts val="0"/>
+              </a:spcBef>
+              <a:spcAft>
+                <a:spcPts val="0"/>
+              </a:spcAft>
+              <a:buFont typeface="Arial" panose="020B0604020202020204" pitchFamily="34" charset="0"/>
+              <a:buChar char="•"/>
+            </a:pPr>
+            <a:endParaRPr lang="en-US" dirty="0"/>
+          </a:p>
+          <a:p>
+            <a:pPr marL="285750" lvl="0" indent="-285750" algn="l" rtl="0">
+              <a:spcBef>
+                <a:spcPts val="0"/>
+              </a:spcBef>
+              <a:spcAft>
+                <a:spcPts val="0"/>
+              </a:spcAft>
+              <a:buFont typeface="Arial" panose="020B0604020202020204" pitchFamily="34" charset="0"/>
+              <a:buChar char="•"/>
+            </a:pPr>
+            <a:endParaRPr lang="en-US" dirty="0"/>
+          </a:p>
+          <a:p>
+            <a:pPr marL="285750" lvl="0" indent="-285750" algn="l" rtl="0">
+              <a:spcBef>
+                <a:spcPts val="0"/>
+              </a:spcBef>
+              <a:spcAft>
+                <a:spcPts val="0"/>
+              </a:spcAft>
+              <a:buFont typeface="Arial" panose="020B0604020202020204" pitchFamily="34" charset="0"/>
+              <a:buChar char="•"/>
+            </a:pPr>
+            <a:endParaRPr lang="en-US" dirty="0"/>
+          </a:p>
+          <a:p>
+            <a:pPr marL="285750" lvl="0" indent="-285750" algn="l" rtl="0">
+              <a:spcBef>
+                <a:spcPts val="0"/>
+              </a:spcBef>
+              <a:spcAft>
+                <a:spcPts val="0"/>
+              </a:spcAft>
+              <a:buFont typeface="Arial" panose="020B0604020202020204" pitchFamily="34" charset="0"/>
+              <a:buChar char="•"/>
+            </a:pPr>
+            <a:endParaRPr lang="en-US" dirty="0"/>
+          </a:p>
+          <a:p>
+            <a:pPr marL="285750" lvl="0" indent="-285750" algn="l" rtl="0">
+              <a:spcBef>
+                <a:spcPts val="0"/>
+              </a:spcBef>
+              <a:spcAft>
+                <a:spcPts val="0"/>
+              </a:spcAft>
+              <a:buFont typeface="Arial" panose="020B0604020202020204" pitchFamily="34" charset="0"/>
+              <a:buChar char="•"/>
+            </a:pPr>
+            <a:endParaRPr lang="en-US" dirty="0"/>
+          </a:p>
+          <a:p>
+            <a:pPr marL="285750" lvl="0" indent="-285750" algn="l" rtl="0">
+              <a:spcBef>
+                <a:spcPts val="0"/>
+              </a:spcBef>
+              <a:spcAft>
+                <a:spcPts val="0"/>
+              </a:spcAft>
+              <a:buFont typeface="Arial" panose="020B0604020202020204" pitchFamily="34" charset="0"/>
+              <a:buChar char="•"/>
+            </a:pPr>
+            <a:endParaRPr lang="en-US" dirty="0"/>
+          </a:p>
+          <a:p>
+            <a:pPr marL="285750" lvl="0" indent="-285750" algn="l" rtl="0">
+              <a:lnSpc>
+                <a:spcPct val="150000"/>
+              </a:lnSpc>
+              <a:spcBef>
+                <a:spcPts val="0"/>
+              </a:spcBef>
+              <a:spcAft>
+                <a:spcPts val="0"/>
+              </a:spcAft>
+              <a:buFont typeface="Arial" panose="020B0604020202020204" pitchFamily="34" charset="0"/>
+              <a:buChar char="•"/>
+            </a:pPr>
+            <a:endParaRPr lang="en-CA" sz="1600" dirty="0"/>
+          </a:p>
+          <a:p>
+            <a:pPr marL="285750" lvl="0" indent="-285750" algn="l" rtl="0">
+              <a:lnSpc>
+                <a:spcPct val="150000"/>
+              </a:lnSpc>
+              <a:spcBef>
+                <a:spcPts val="0"/>
+              </a:spcBef>
+              <a:spcAft>
+                <a:spcPts val="0"/>
+              </a:spcAft>
+              <a:buFont typeface="Arial" panose="020B0604020202020204" pitchFamily="34" charset="0"/>
+              <a:buChar char="•"/>
+            </a:pPr>
+            <a:endParaRPr lang="en-CA" sz="1600" dirty="0"/>
+          </a:p>
+          <a:p>
+            <a:pPr marL="0" lvl="0" indent="0" algn="l" rtl="0">
+              <a:spcBef>
+                <a:spcPts val="0"/>
+              </a:spcBef>
+              <a:spcAft>
+                <a:spcPts val="0"/>
+              </a:spcAft>
+            </a:pPr>
+            <a:endParaRPr lang="en-CA" sz="1600" dirty="0"/>
+          </a:p>
+          <a:p>
+            <a:pPr marL="285750" lvl="0" indent="-285750" algn="l" rtl="0">
+              <a:spcBef>
+                <a:spcPts val="0"/>
+              </a:spcBef>
+              <a:spcAft>
+                <a:spcPts val="0"/>
+              </a:spcAft>
+              <a:buFont typeface="Arial" panose="020B0604020202020204" pitchFamily="34" charset="0"/>
+              <a:buChar char="•"/>
+            </a:pPr>
+            <a:endParaRPr lang="es" dirty="0"/>
+          </a:p>
+          <a:p>
+            <a:pPr marL="742950" lvl="1" indent="-285750" algn="l">
+              <a:buFont typeface="Arial" panose="020B0604020202020204" pitchFamily="34" charset="0"/>
+              <a:buChar char="•"/>
+            </a:pPr>
+            <a:endParaRPr lang="es" dirty="0"/>
+          </a:p>
+          <a:p>
+            <a:pPr marL="285750" lvl="0" indent="-285750" algn="l" rtl="0">
+              <a:spcBef>
+                <a:spcPts val="0"/>
+              </a:spcBef>
+              <a:spcAft>
+                <a:spcPts val="0"/>
+              </a:spcAft>
+              <a:buFont typeface="Arial" panose="020B0604020202020204" pitchFamily="34" charset="0"/>
+              <a:buChar char="•"/>
+            </a:pPr>
+            <a:endParaRPr dirty="0"/>
+          </a:p>
+          <a:p>
+            <a:pPr marL="0" lvl="0" indent="0" algn="l" rtl="0">
+              <a:spcBef>
+                <a:spcPts val="0"/>
+              </a:spcBef>
+              <a:spcAft>
+                <a:spcPts val="0"/>
+              </a:spcAft>
+              <a:buNone/>
+            </a:pPr>
+            <a:endParaRPr dirty="0"/>
+          </a:p>
+        </p:txBody>
+      </p:sp>
+      <p:cxnSp>
+        <p:nvCxnSpPr>
+          <p:cNvPr id="166" name="Google Shape;166;p30">
+            <a:extLst>
+              <a:ext uri="{FF2B5EF4-FFF2-40B4-BE49-F238E27FC236}">
+                <a16:creationId xmlns:a16="http://schemas.microsoft.com/office/drawing/2014/main" id="{3129B309-75CF-7595-CF6B-81F8753EB82E}"/>
+              </a:ext>
+            </a:extLst>
+          </p:cNvPr>
+          <p:cNvCxnSpPr>
+            <a:cxnSpLocks/>
+          </p:cNvCxnSpPr>
+          <p:nvPr/>
+        </p:nvCxnSpPr>
+        <p:spPr>
+          <a:xfrm>
+            <a:off x="812499" y="1045726"/>
+            <a:ext cx="7290352" cy="0"/>
+          </a:xfrm>
+          <a:prstGeom prst="straightConnector1">
+            <a:avLst/>
+          </a:prstGeom>
+          <a:noFill/>
+          <a:ln w="19050" cap="flat" cmpd="sng">
+            <a:solidFill>
+              <a:schemeClr val="dk1"/>
+            </a:solidFill>
+            <a:prstDash val="solid"/>
+            <a:round/>
+            <a:headEnd type="none" w="med" len="med"/>
+            <a:tailEnd type="none" w="med" len="med"/>
+          </a:ln>
+        </p:spPr>
+      </p:cxnSp>
+    </p:spTree>
+    <p:extLst>
+      <p:ext uri="{BB962C8B-B14F-4D97-AF65-F5344CB8AC3E}">
+        <p14:creationId xmlns:p14="http://schemas.microsoft.com/office/powerpoint/2010/main" val="950849329"/>
       </p:ext>
     </p:extLst>
   </p:cSld>
@@ -17281,1532 +16936,6 @@
 </file>
 
 <file path=ppt/slides/slide3.xml><?xml version="1.0" encoding="utf-8"?>
-<p:sld xmlns:a="http://schemas.openxmlformats.org/drawingml/2006/main" xmlns:r="http://schemas.openxmlformats.org/officeDocument/2006/relationships" xmlns:p="http://schemas.openxmlformats.org/presentationml/2006/main">
-  <p:cSld>
-    <p:spTree>
-      <p:nvGrpSpPr>
-        <p:cNvPr id="1" name="Shape 157">
-          <a:extLst>
-            <a:ext uri="{FF2B5EF4-FFF2-40B4-BE49-F238E27FC236}">
-              <a16:creationId xmlns:a16="http://schemas.microsoft.com/office/drawing/2014/main" id="{86D8C380-6592-0A4F-77D0-DE8E83B28DEE}"/>
-            </a:ext>
-          </a:extLst>
-        </p:cNvPr>
-        <p:cNvGrpSpPr/>
-        <p:nvPr/>
-      </p:nvGrpSpPr>
-      <p:grpSpPr>
-        <a:xfrm>
-          <a:off x="0" y="0"/>
-          <a:ext cx="0" cy="0"/>
-          <a:chOff x="0" y="0"/>
-          <a:chExt cx="0" cy="0"/>
-        </a:xfrm>
-      </p:grpSpPr>
-      <p:sp>
-        <p:nvSpPr>
-          <p:cNvPr id="158" name="Google Shape;158;p30">
-            <a:extLst>
-              <a:ext uri="{FF2B5EF4-FFF2-40B4-BE49-F238E27FC236}">
-                <a16:creationId xmlns:a16="http://schemas.microsoft.com/office/drawing/2014/main" id="{EBF9C5C2-ADB4-26D5-8E39-17FB522F7E37}"/>
-              </a:ext>
-            </a:extLst>
-          </p:cNvPr>
-          <p:cNvSpPr txBox="1">
-            <a:spLocks noGrp="1"/>
-          </p:cNvSpPr>
-          <p:nvPr>
-            <p:ph type="title" idx="6"/>
-          </p:nvPr>
-        </p:nvSpPr>
-        <p:spPr>
-          <a:xfrm>
-            <a:off x="710749" y="387250"/>
-            <a:ext cx="6570707" cy="776400"/>
-          </a:xfrm>
-          <a:prstGeom prst="rect">
-            <a:avLst/>
-          </a:prstGeom>
-        </p:spPr>
-        <p:txBody>
-          <a:bodyPr spcFirstLastPara="1" wrap="square" lIns="91425" tIns="91425" rIns="91425" bIns="91425" anchor="t" anchorCtr="0">
-            <a:noAutofit/>
-          </a:bodyPr>
-          <a:lstStyle/>
-          <a:p>
-            <a:pPr marL="0" lvl="0" indent="0" algn="l" rtl="0">
-              <a:spcBef>
-                <a:spcPts val="0"/>
-              </a:spcBef>
-              <a:spcAft>
-                <a:spcPts val="0"/>
-              </a:spcAft>
-              <a:buNone/>
-            </a:pPr>
-            <a:r>
-              <a:rPr lang="es"/>
-              <a:t>Research Data Lifecycle</a:t>
-            </a:r>
-            <a:endParaRPr b="0"/>
-          </a:p>
-        </p:txBody>
-      </p:sp>
-      <p:cxnSp>
-        <p:nvCxnSpPr>
-          <p:cNvPr id="166" name="Google Shape;166;p30">
-            <a:extLst>
-              <a:ext uri="{FF2B5EF4-FFF2-40B4-BE49-F238E27FC236}">
-                <a16:creationId xmlns:a16="http://schemas.microsoft.com/office/drawing/2014/main" id="{69906751-57C1-6A97-6C94-D057F88807F6}"/>
-              </a:ext>
-            </a:extLst>
-          </p:cNvPr>
-          <p:cNvCxnSpPr>
-            <a:cxnSpLocks/>
-          </p:cNvCxnSpPr>
-          <p:nvPr/>
-        </p:nvCxnSpPr>
-        <p:spPr>
-          <a:xfrm>
-            <a:off x="812499" y="1045726"/>
-            <a:ext cx="5352911" cy="0"/>
-          </a:xfrm>
-          <a:prstGeom prst="straightConnector1">
-            <a:avLst/>
-          </a:prstGeom>
-          <a:noFill/>
-          <a:ln w="19050" cap="flat" cmpd="sng">
-            <a:solidFill>
-              <a:schemeClr val="dk1"/>
-            </a:solidFill>
-            <a:prstDash val="solid"/>
-            <a:round/>
-            <a:headEnd type="none" w="med" len="med"/>
-            <a:tailEnd type="none" w="med" len="med"/>
-          </a:ln>
-        </p:spPr>
-      </p:cxnSp>
-      <p:pic>
-        <p:nvPicPr>
-          <p:cNvPr id="5" name="Picture 4">
-            <a:extLst>
-              <a:ext uri="{FF2B5EF4-FFF2-40B4-BE49-F238E27FC236}">
-                <a16:creationId xmlns:a16="http://schemas.microsoft.com/office/drawing/2014/main" id="{DBDADB75-D0FA-7A83-F030-B8F72B289A24}"/>
-              </a:ext>
-            </a:extLst>
-          </p:cNvPr>
-          <p:cNvPicPr>
-            <a:picLocks noChangeAspect="1" noChangeArrowheads="1"/>
-          </p:cNvPicPr>
-          <p:nvPr/>
-        </p:nvPicPr>
-        <p:blipFill>
-          <a:blip r:embed="rId3">
-            <a:extLst>
-              <a:ext uri="{28A0092B-C50C-407E-A947-70E740481C1C}">
-                <a14:useLocalDpi xmlns:a14="http://schemas.microsoft.com/office/drawing/2010/main" val="0"/>
-              </a:ext>
-            </a:extLst>
-          </a:blip>
-          <a:srcRect/>
-          <a:stretch>
-            <a:fillRect/>
-          </a:stretch>
-        </p:blipFill>
-        <p:spPr bwMode="auto">
-          <a:xfrm>
-            <a:off x="2116041" y="1301878"/>
-            <a:ext cx="5165416" cy="3454372"/>
-          </a:xfrm>
-          <a:prstGeom prst="rect">
-            <a:avLst/>
-          </a:prstGeom>
-          <a:noFill/>
-          <a:extLst>
-            <a:ext uri="{909E8E84-426E-40DD-AFC4-6F175D3DCCD1}">
-              <a14:hiddenFill xmlns:a14="http://schemas.microsoft.com/office/drawing/2010/main">
-                <a:solidFill>
-                  <a:srgbClr val="FFFFFF"/>
-                </a:solidFill>
-              </a14:hiddenFill>
-            </a:ext>
-          </a:extLst>
-        </p:spPr>
-      </p:pic>
-    </p:spTree>
-    <p:extLst>
-      <p:ext uri="{BB962C8B-B14F-4D97-AF65-F5344CB8AC3E}">
-        <p14:creationId xmlns:p14="http://schemas.microsoft.com/office/powerpoint/2010/main" val="2271550962"/>
-      </p:ext>
-    </p:extLst>
-  </p:cSld>
-  <p:clrMapOvr>
-    <a:masterClrMapping/>
-  </p:clrMapOvr>
-</p:sld>
-</file>
-
-<file path=ppt/slides/slide30.xml><?xml version="1.0" encoding="utf-8"?>
-<p:sld xmlns:a="http://schemas.openxmlformats.org/drawingml/2006/main" xmlns:r="http://schemas.openxmlformats.org/officeDocument/2006/relationships" xmlns:p="http://schemas.openxmlformats.org/presentationml/2006/main">
-  <p:cSld>
-    <p:spTree>
-      <p:nvGrpSpPr>
-        <p:cNvPr id="1" name="Shape 157">
-          <a:extLst>
-            <a:ext uri="{FF2B5EF4-FFF2-40B4-BE49-F238E27FC236}">
-              <a16:creationId xmlns:a16="http://schemas.microsoft.com/office/drawing/2014/main" id="{A14435A3-FF94-D5B4-B515-F3C3230C8CAC}"/>
-            </a:ext>
-          </a:extLst>
-        </p:cNvPr>
-        <p:cNvGrpSpPr/>
-        <p:nvPr/>
-      </p:nvGrpSpPr>
-      <p:grpSpPr>
-        <a:xfrm>
-          <a:off x="0" y="0"/>
-          <a:ext cx="0" cy="0"/>
-          <a:chOff x="0" y="0"/>
-          <a:chExt cx="0" cy="0"/>
-        </a:xfrm>
-      </p:grpSpPr>
-      <p:sp>
-        <p:nvSpPr>
-          <p:cNvPr id="158" name="Google Shape;158;p30">
-            <a:extLst>
-              <a:ext uri="{FF2B5EF4-FFF2-40B4-BE49-F238E27FC236}">
-                <a16:creationId xmlns:a16="http://schemas.microsoft.com/office/drawing/2014/main" id="{95B79DFB-E752-21C4-AED8-B86EE18F0EE5}"/>
-              </a:ext>
-            </a:extLst>
-          </p:cNvPr>
-          <p:cNvSpPr txBox="1">
-            <a:spLocks noGrp="1"/>
-          </p:cNvSpPr>
-          <p:nvPr>
-            <p:ph type="title" idx="6"/>
-          </p:nvPr>
-        </p:nvSpPr>
-        <p:spPr>
-          <a:xfrm>
-            <a:off x="710749" y="387250"/>
-            <a:ext cx="8315555" cy="776400"/>
-          </a:xfrm>
-          <a:prstGeom prst="rect">
-            <a:avLst/>
-          </a:prstGeom>
-        </p:spPr>
-        <p:txBody>
-          <a:bodyPr spcFirstLastPara="1" wrap="square" lIns="91425" tIns="91425" rIns="91425" bIns="91425" anchor="t" anchorCtr="0">
-            <a:noAutofit/>
-          </a:bodyPr>
-          <a:lstStyle/>
-          <a:p>
-            <a:pPr marL="0" lvl="0" indent="0" algn="l" rtl="0">
-              <a:spcBef>
-                <a:spcPts val="0"/>
-              </a:spcBef>
-              <a:spcAft>
-                <a:spcPts val="0"/>
-              </a:spcAft>
-              <a:buNone/>
-            </a:pPr>
-            <a:r>
-              <a:rPr lang="es" sz="3200" b="0"/>
-              <a:t>Other Data Repositories</a:t>
-            </a:r>
-            <a:endParaRPr sz="3200" b="0"/>
-          </a:p>
-        </p:txBody>
-      </p:sp>
-      <p:sp>
-        <p:nvSpPr>
-          <p:cNvPr id="162" name="Google Shape;162;p30">
-            <a:extLst>
-              <a:ext uri="{FF2B5EF4-FFF2-40B4-BE49-F238E27FC236}">
-                <a16:creationId xmlns:a16="http://schemas.microsoft.com/office/drawing/2014/main" id="{CD600100-ADD4-C39A-BAD1-94271A019A8F}"/>
-              </a:ext>
-            </a:extLst>
-          </p:cNvPr>
-          <p:cNvSpPr txBox="1">
-            <a:spLocks noGrp="1"/>
-          </p:cNvSpPr>
-          <p:nvPr>
-            <p:ph type="subTitle" idx="3"/>
-          </p:nvPr>
-        </p:nvSpPr>
-        <p:spPr>
-          <a:xfrm>
-            <a:off x="710750" y="1491096"/>
-            <a:ext cx="7853701" cy="2709712"/>
-          </a:xfrm>
-          <a:prstGeom prst="rect">
-            <a:avLst/>
-          </a:prstGeom>
-        </p:spPr>
-        <p:txBody>
-          <a:bodyPr spcFirstLastPara="1" wrap="square" lIns="91425" tIns="91425" rIns="91425" bIns="91425" anchor="t" anchorCtr="0">
-            <a:noAutofit/>
-          </a:bodyPr>
-          <a:lstStyle/>
-          <a:p>
-            <a:pPr marL="0" lvl="0" indent="0"/>
-            <a:r>
-              <a:rPr lang="en-US" sz="2800" b="1"/>
-              <a:t>https://www.re3data.org/</a:t>
-            </a:r>
-            <a:endParaRPr lang="en-US" sz="1600"/>
-          </a:p>
-          <a:p>
-            <a:pPr marL="285750" lvl="0" indent="-285750" algn="l" rtl="0">
-              <a:spcBef>
-                <a:spcPts val="0"/>
-              </a:spcBef>
-              <a:spcAft>
-                <a:spcPts val="0"/>
-              </a:spcAft>
-              <a:buFont typeface="Arial" panose="020B0604020202020204" pitchFamily="34" charset="0"/>
-              <a:buChar char="•"/>
-            </a:pPr>
-            <a:endParaRPr lang="en-US" sz="1600"/>
-          </a:p>
-          <a:p>
-            <a:pPr marL="742950" lvl="1" indent="-285750" algn="l">
-              <a:buFont typeface="Arial" panose="020B0604020202020204" pitchFamily="34" charset="0"/>
-              <a:buChar char="•"/>
-            </a:pPr>
-            <a:endParaRPr lang="en-US" sz="1600"/>
-          </a:p>
-          <a:p>
-            <a:pPr marL="285750" indent="-285750">
-              <a:buFont typeface="Arial" panose="020B0604020202020204" pitchFamily="34" charset="0"/>
-              <a:buChar char="•"/>
-            </a:pPr>
-            <a:endParaRPr lang="en-US"/>
-          </a:p>
-          <a:p>
-            <a:pPr marL="457200" lvl="1" indent="0" algn="l"/>
-            <a:endParaRPr lang="en-US"/>
-          </a:p>
-          <a:p>
-            <a:pPr marL="0" indent="0"/>
-            <a:endParaRPr lang="en-US"/>
-          </a:p>
-          <a:p>
-            <a:pPr marL="285750" lvl="0" indent="-285750" algn="l" rtl="0">
-              <a:spcBef>
-                <a:spcPts val="0"/>
-              </a:spcBef>
-              <a:spcAft>
-                <a:spcPts val="0"/>
-              </a:spcAft>
-              <a:buFont typeface="Arial" panose="020B0604020202020204" pitchFamily="34" charset="0"/>
-              <a:buChar char="•"/>
-            </a:pPr>
-            <a:endParaRPr lang="en-US"/>
-          </a:p>
-          <a:p>
-            <a:pPr marL="285750" lvl="0" indent="-285750" algn="l" rtl="0">
-              <a:spcBef>
-                <a:spcPts val="0"/>
-              </a:spcBef>
-              <a:spcAft>
-                <a:spcPts val="0"/>
-              </a:spcAft>
-              <a:buFont typeface="Arial" panose="020B0604020202020204" pitchFamily="34" charset="0"/>
-              <a:buChar char="•"/>
-            </a:pPr>
-            <a:endParaRPr lang="en-US"/>
-          </a:p>
-          <a:p>
-            <a:pPr marL="285750" lvl="0" indent="-285750" algn="l" rtl="0">
-              <a:spcBef>
-                <a:spcPts val="0"/>
-              </a:spcBef>
-              <a:spcAft>
-                <a:spcPts val="0"/>
-              </a:spcAft>
-              <a:buFont typeface="Arial" panose="020B0604020202020204" pitchFamily="34" charset="0"/>
-              <a:buChar char="•"/>
-            </a:pPr>
-            <a:endParaRPr lang="en-US"/>
-          </a:p>
-          <a:p>
-            <a:pPr marL="285750" lvl="0" indent="-285750" algn="l" rtl="0">
-              <a:spcBef>
-                <a:spcPts val="0"/>
-              </a:spcBef>
-              <a:spcAft>
-                <a:spcPts val="0"/>
-              </a:spcAft>
-              <a:buFont typeface="Arial" panose="020B0604020202020204" pitchFamily="34" charset="0"/>
-              <a:buChar char="•"/>
-            </a:pPr>
-            <a:endParaRPr lang="en-US"/>
-          </a:p>
-          <a:p>
-            <a:pPr marL="285750" lvl="0" indent="-285750" algn="l" rtl="0">
-              <a:spcBef>
-                <a:spcPts val="0"/>
-              </a:spcBef>
-              <a:spcAft>
-                <a:spcPts val="0"/>
-              </a:spcAft>
-              <a:buFont typeface="Arial" panose="020B0604020202020204" pitchFamily="34" charset="0"/>
-              <a:buChar char="•"/>
-            </a:pPr>
-            <a:endParaRPr lang="en-US"/>
-          </a:p>
-          <a:p>
-            <a:pPr marL="285750" lvl="0" indent="-285750" algn="l" rtl="0">
-              <a:spcBef>
-                <a:spcPts val="0"/>
-              </a:spcBef>
-              <a:spcAft>
-                <a:spcPts val="0"/>
-              </a:spcAft>
-              <a:buFont typeface="Arial" panose="020B0604020202020204" pitchFamily="34" charset="0"/>
-              <a:buChar char="•"/>
-            </a:pPr>
-            <a:endParaRPr lang="en-US"/>
-          </a:p>
-          <a:p>
-            <a:pPr marL="285750" lvl="0" indent="-285750" algn="l" rtl="0">
-              <a:lnSpc>
-                <a:spcPct val="150000"/>
-              </a:lnSpc>
-              <a:spcBef>
-                <a:spcPts val="0"/>
-              </a:spcBef>
-              <a:spcAft>
-                <a:spcPts val="0"/>
-              </a:spcAft>
-              <a:buFont typeface="Arial" panose="020B0604020202020204" pitchFamily="34" charset="0"/>
-              <a:buChar char="•"/>
-            </a:pPr>
-            <a:endParaRPr lang="en-CA" sz="1600"/>
-          </a:p>
-          <a:p>
-            <a:pPr marL="285750" lvl="0" indent="-285750" algn="l" rtl="0">
-              <a:lnSpc>
-                <a:spcPct val="150000"/>
-              </a:lnSpc>
-              <a:spcBef>
-                <a:spcPts val="0"/>
-              </a:spcBef>
-              <a:spcAft>
-                <a:spcPts val="0"/>
-              </a:spcAft>
-              <a:buFont typeface="Arial" panose="020B0604020202020204" pitchFamily="34" charset="0"/>
-              <a:buChar char="•"/>
-            </a:pPr>
-            <a:endParaRPr lang="en-CA" sz="1600"/>
-          </a:p>
-          <a:p>
-            <a:pPr marL="0" lvl="0" indent="0" algn="l" rtl="0">
-              <a:spcBef>
-                <a:spcPts val="0"/>
-              </a:spcBef>
-              <a:spcAft>
-                <a:spcPts val="0"/>
-              </a:spcAft>
-            </a:pPr>
-            <a:endParaRPr lang="en-CA" sz="1600"/>
-          </a:p>
-          <a:p>
-            <a:pPr marL="285750" lvl="0" indent="-285750" algn="l" rtl="0">
-              <a:spcBef>
-                <a:spcPts val="0"/>
-              </a:spcBef>
-              <a:spcAft>
-                <a:spcPts val="0"/>
-              </a:spcAft>
-              <a:buFont typeface="Arial" panose="020B0604020202020204" pitchFamily="34" charset="0"/>
-              <a:buChar char="•"/>
-            </a:pPr>
-            <a:endParaRPr lang="es"/>
-          </a:p>
-          <a:p>
-            <a:pPr marL="742950" lvl="1" indent="-285750" algn="l">
-              <a:buFont typeface="Arial" panose="020B0604020202020204" pitchFamily="34" charset="0"/>
-              <a:buChar char="•"/>
-            </a:pPr>
-            <a:endParaRPr lang="es"/>
-          </a:p>
-          <a:p>
-            <a:pPr marL="285750" lvl="0" indent="-285750" algn="l" rtl="0">
-              <a:spcBef>
-                <a:spcPts val="0"/>
-              </a:spcBef>
-              <a:spcAft>
-                <a:spcPts val="0"/>
-              </a:spcAft>
-              <a:buFont typeface="Arial" panose="020B0604020202020204" pitchFamily="34" charset="0"/>
-              <a:buChar char="•"/>
-            </a:pPr>
-            <a:endParaRPr/>
-          </a:p>
-          <a:p>
-            <a:pPr marL="0" lvl="0" indent="0" algn="l" rtl="0">
-              <a:spcBef>
-                <a:spcPts val="0"/>
-              </a:spcBef>
-              <a:spcAft>
-                <a:spcPts val="0"/>
-              </a:spcAft>
-              <a:buNone/>
-            </a:pPr>
-            <a:endParaRPr/>
-          </a:p>
-        </p:txBody>
-      </p:sp>
-      <p:cxnSp>
-        <p:nvCxnSpPr>
-          <p:cNvPr id="166" name="Google Shape;166;p30">
-            <a:extLst>
-              <a:ext uri="{FF2B5EF4-FFF2-40B4-BE49-F238E27FC236}">
-                <a16:creationId xmlns:a16="http://schemas.microsoft.com/office/drawing/2014/main" id="{B5AC6B6C-40EA-0F30-24B5-BABD3DDFC1BB}"/>
-              </a:ext>
-            </a:extLst>
-          </p:cNvPr>
-          <p:cNvCxnSpPr>
-            <a:cxnSpLocks/>
-          </p:cNvCxnSpPr>
-          <p:nvPr/>
-        </p:nvCxnSpPr>
-        <p:spPr>
-          <a:xfrm>
-            <a:off x="812499" y="1045726"/>
-            <a:ext cx="7290352" cy="0"/>
-          </a:xfrm>
-          <a:prstGeom prst="straightConnector1">
-            <a:avLst/>
-          </a:prstGeom>
-          <a:noFill/>
-          <a:ln w="19050" cap="flat" cmpd="sng">
-            <a:solidFill>
-              <a:schemeClr val="dk1"/>
-            </a:solidFill>
-            <a:prstDash val="solid"/>
-            <a:round/>
-            <a:headEnd type="none" w="med" len="med"/>
-            <a:tailEnd type="none" w="med" len="med"/>
-          </a:ln>
-        </p:spPr>
-      </p:cxnSp>
-    </p:spTree>
-    <p:extLst>
-      <p:ext uri="{BB962C8B-B14F-4D97-AF65-F5344CB8AC3E}">
-        <p14:creationId xmlns:p14="http://schemas.microsoft.com/office/powerpoint/2010/main" val="1291330564"/>
-      </p:ext>
-    </p:extLst>
-  </p:cSld>
-  <p:clrMapOvr>
-    <a:masterClrMapping/>
-  </p:clrMapOvr>
-</p:sld>
-</file>
-
-<file path=ppt/slides/slide31.xml><?xml version="1.0" encoding="utf-8"?>
-<p:sld xmlns:a="http://schemas.openxmlformats.org/drawingml/2006/main" xmlns:r="http://schemas.openxmlformats.org/officeDocument/2006/relationships" xmlns:p="http://schemas.openxmlformats.org/presentationml/2006/main">
-  <p:cSld>
-    <p:spTree>
-      <p:nvGrpSpPr>
-        <p:cNvPr id="1" name="Shape 157">
-          <a:extLst>
-            <a:ext uri="{FF2B5EF4-FFF2-40B4-BE49-F238E27FC236}">
-              <a16:creationId xmlns:a16="http://schemas.microsoft.com/office/drawing/2014/main" id="{18D891E7-8A74-5CAD-5865-EE8EDB78CE8D}"/>
-            </a:ext>
-          </a:extLst>
-        </p:cNvPr>
-        <p:cNvGrpSpPr/>
-        <p:nvPr/>
-      </p:nvGrpSpPr>
-      <p:grpSpPr>
-        <a:xfrm>
-          <a:off x="0" y="0"/>
-          <a:ext cx="0" cy="0"/>
-          <a:chOff x="0" y="0"/>
-          <a:chExt cx="0" cy="0"/>
-        </a:xfrm>
-      </p:grpSpPr>
-      <p:sp>
-        <p:nvSpPr>
-          <p:cNvPr id="158" name="Google Shape;158;p30">
-            <a:extLst>
-              <a:ext uri="{FF2B5EF4-FFF2-40B4-BE49-F238E27FC236}">
-                <a16:creationId xmlns:a16="http://schemas.microsoft.com/office/drawing/2014/main" id="{AFBFC63E-7343-6434-2E4A-5E2D94BBD28B}"/>
-              </a:ext>
-            </a:extLst>
-          </p:cNvPr>
-          <p:cNvSpPr txBox="1">
-            <a:spLocks noGrp="1"/>
-          </p:cNvSpPr>
-          <p:nvPr>
-            <p:ph type="title" idx="6"/>
-          </p:nvPr>
-        </p:nvSpPr>
-        <p:spPr>
-          <a:xfrm>
-            <a:off x="710749" y="387250"/>
-            <a:ext cx="8315555" cy="776400"/>
-          </a:xfrm>
-          <a:prstGeom prst="rect">
-            <a:avLst/>
-          </a:prstGeom>
-        </p:spPr>
-        <p:txBody>
-          <a:bodyPr spcFirstLastPara="1" wrap="square" lIns="91425" tIns="91425" rIns="91425" bIns="91425" anchor="t" anchorCtr="0">
-            <a:noAutofit/>
-          </a:bodyPr>
-          <a:lstStyle/>
-          <a:p>
-            <a:pPr marL="0" lvl="0" indent="0" algn="l" rtl="0">
-              <a:spcBef>
-                <a:spcPts val="0"/>
-              </a:spcBef>
-              <a:spcAft>
-                <a:spcPts val="0"/>
-              </a:spcAft>
-              <a:buNone/>
-            </a:pPr>
-            <a:r>
-              <a:rPr lang="es" sz="3200" b="0"/>
-              <a:t>Creative Commons (CC) Licenses</a:t>
-            </a:r>
-            <a:endParaRPr sz="3200" b="0"/>
-          </a:p>
-        </p:txBody>
-      </p:sp>
-      <p:sp>
-        <p:nvSpPr>
-          <p:cNvPr id="162" name="Google Shape;162;p30">
-            <a:extLst>
-              <a:ext uri="{FF2B5EF4-FFF2-40B4-BE49-F238E27FC236}">
-                <a16:creationId xmlns:a16="http://schemas.microsoft.com/office/drawing/2014/main" id="{875F325A-6396-ABA8-936C-DED8BBF0ACFF}"/>
-              </a:ext>
-            </a:extLst>
-          </p:cNvPr>
-          <p:cNvSpPr txBox="1">
-            <a:spLocks noGrp="1"/>
-          </p:cNvSpPr>
-          <p:nvPr>
-            <p:ph type="subTitle" idx="3"/>
-          </p:nvPr>
-        </p:nvSpPr>
-        <p:spPr>
-          <a:xfrm>
-            <a:off x="710750" y="1491096"/>
-            <a:ext cx="7853701" cy="2709712"/>
-          </a:xfrm>
-          <a:prstGeom prst="rect">
-            <a:avLst/>
-          </a:prstGeom>
-        </p:spPr>
-        <p:txBody>
-          <a:bodyPr spcFirstLastPara="1" wrap="square" lIns="91425" tIns="91425" rIns="91425" bIns="91425" anchor="t" anchorCtr="0">
-            <a:noAutofit/>
-          </a:bodyPr>
-          <a:lstStyle/>
-          <a:p>
-            <a:pPr marL="0" lvl="0" indent="0" algn="l" rtl="0">
-              <a:spcBef>
-                <a:spcPts val="0"/>
-              </a:spcBef>
-              <a:spcAft>
-                <a:spcPts val="0"/>
-              </a:spcAft>
-            </a:pPr>
-            <a:r>
-              <a:rPr lang="en-US" sz="1800"/>
-              <a:t>https://creativecommons.org/  </a:t>
-            </a:r>
-          </a:p>
-          <a:p>
-            <a:pPr marL="0" lvl="0" indent="0" algn="l" rtl="0">
-              <a:spcBef>
-                <a:spcPts val="0"/>
-              </a:spcBef>
-              <a:spcAft>
-                <a:spcPts val="0"/>
-              </a:spcAft>
-            </a:pPr>
-            <a:endParaRPr lang="en-US" sz="1800"/>
-          </a:p>
-          <a:p>
-            <a:pPr marL="285750" lvl="0" indent="-285750" algn="l" rtl="0">
-              <a:spcBef>
-                <a:spcPts val="0"/>
-              </a:spcBef>
-              <a:spcAft>
-                <a:spcPts val="0"/>
-              </a:spcAft>
-              <a:buFont typeface="Arial" panose="020B0604020202020204" pitchFamily="34" charset="0"/>
-              <a:buChar char="•"/>
-            </a:pPr>
-            <a:r>
-              <a:rPr lang="en-US" sz="1800"/>
-              <a:t>Tells a re-user what they can do with a copyrighted work</a:t>
-            </a:r>
-          </a:p>
-          <a:p>
-            <a:pPr marL="285750" lvl="0" indent="-285750" algn="l" rtl="0">
-              <a:spcBef>
-                <a:spcPts val="0"/>
-              </a:spcBef>
-              <a:spcAft>
-                <a:spcPts val="0"/>
-              </a:spcAft>
-              <a:buFont typeface="Arial" panose="020B0604020202020204" pitchFamily="34" charset="0"/>
-              <a:buChar char="•"/>
-            </a:pPr>
-            <a:r>
-              <a:rPr lang="en-US" sz="1800"/>
-              <a:t>Notes: </a:t>
-            </a:r>
-          </a:p>
-          <a:p>
-            <a:pPr marL="742950" lvl="1" indent="-285750" algn="l">
-              <a:buFont typeface="Arial" panose="020B0604020202020204" pitchFamily="34" charset="0"/>
-              <a:buChar char="•"/>
-            </a:pPr>
-            <a:r>
-              <a:rPr lang="en-US" sz="1800"/>
-              <a:t>You must be the copyright holder to assign one of these licenses</a:t>
-            </a:r>
-          </a:p>
-          <a:p>
-            <a:pPr marL="742950" lvl="1" indent="-285750" algn="l">
-              <a:buFont typeface="Arial" panose="020B0604020202020204" pitchFamily="34" charset="0"/>
-              <a:buChar char="•"/>
-            </a:pPr>
-            <a:r>
-              <a:rPr lang="en-US" sz="1800"/>
-              <a:t>Licenses can’t be revoked once assigned, so pick wisely! </a:t>
-            </a:r>
-          </a:p>
-          <a:p>
-            <a:pPr marL="1200150" lvl="2" indent="-285750" algn="l">
-              <a:buFont typeface="Arial" panose="020B0604020202020204" pitchFamily="34" charset="0"/>
-              <a:buChar char="•"/>
-            </a:pPr>
-            <a:r>
-              <a:rPr lang="en-US" sz="1800"/>
-              <a:t>(Ask for help if you need!)</a:t>
-            </a:r>
-          </a:p>
-          <a:p>
-            <a:pPr marL="742950" lvl="1" indent="-285750" algn="l">
-              <a:buFont typeface="Arial" panose="020B0604020202020204" pitchFamily="34" charset="0"/>
-              <a:buChar char="•"/>
-            </a:pPr>
-            <a:r>
-              <a:rPr lang="en-US" sz="1800"/>
-              <a:t>Very commonly used by data repositories (including Borealis)</a:t>
-            </a:r>
-          </a:p>
-          <a:p>
-            <a:pPr marL="285750" lvl="0" indent="-285750" algn="l" rtl="0">
-              <a:spcBef>
-                <a:spcPts val="0"/>
-              </a:spcBef>
-              <a:spcAft>
-                <a:spcPts val="0"/>
-              </a:spcAft>
-              <a:buFont typeface="Arial" panose="020B0604020202020204" pitchFamily="34" charset="0"/>
-              <a:buChar char="•"/>
-            </a:pPr>
-            <a:endParaRPr lang="en-US" sz="1600"/>
-          </a:p>
-          <a:p>
-            <a:pPr marL="742950" lvl="1" indent="-285750" algn="l">
-              <a:buFont typeface="Arial" panose="020B0604020202020204" pitchFamily="34" charset="0"/>
-              <a:buChar char="•"/>
-            </a:pPr>
-            <a:endParaRPr lang="en-US" sz="1600"/>
-          </a:p>
-          <a:p>
-            <a:pPr marL="285750" indent="-285750">
-              <a:buFont typeface="Arial" panose="020B0604020202020204" pitchFamily="34" charset="0"/>
-              <a:buChar char="•"/>
-            </a:pPr>
-            <a:endParaRPr lang="en-US"/>
-          </a:p>
-          <a:p>
-            <a:pPr marL="457200" lvl="1" indent="0" algn="l"/>
-            <a:endParaRPr lang="en-US"/>
-          </a:p>
-          <a:p>
-            <a:pPr marL="0" indent="0"/>
-            <a:endParaRPr lang="en-US"/>
-          </a:p>
-          <a:p>
-            <a:pPr marL="285750" lvl="0" indent="-285750" algn="l" rtl="0">
-              <a:spcBef>
-                <a:spcPts val="0"/>
-              </a:spcBef>
-              <a:spcAft>
-                <a:spcPts val="0"/>
-              </a:spcAft>
-              <a:buFont typeface="Arial" panose="020B0604020202020204" pitchFamily="34" charset="0"/>
-              <a:buChar char="•"/>
-            </a:pPr>
-            <a:endParaRPr lang="en-US"/>
-          </a:p>
-          <a:p>
-            <a:pPr marL="285750" lvl="0" indent="-285750" algn="l" rtl="0">
-              <a:spcBef>
-                <a:spcPts val="0"/>
-              </a:spcBef>
-              <a:spcAft>
-                <a:spcPts val="0"/>
-              </a:spcAft>
-              <a:buFont typeface="Arial" panose="020B0604020202020204" pitchFamily="34" charset="0"/>
-              <a:buChar char="•"/>
-            </a:pPr>
-            <a:endParaRPr lang="en-US"/>
-          </a:p>
-          <a:p>
-            <a:pPr marL="285750" lvl="0" indent="-285750" algn="l" rtl="0">
-              <a:spcBef>
-                <a:spcPts val="0"/>
-              </a:spcBef>
-              <a:spcAft>
-                <a:spcPts val="0"/>
-              </a:spcAft>
-              <a:buFont typeface="Arial" panose="020B0604020202020204" pitchFamily="34" charset="0"/>
-              <a:buChar char="•"/>
-            </a:pPr>
-            <a:endParaRPr lang="en-US"/>
-          </a:p>
-          <a:p>
-            <a:pPr marL="285750" lvl="0" indent="-285750" algn="l" rtl="0">
-              <a:spcBef>
-                <a:spcPts val="0"/>
-              </a:spcBef>
-              <a:spcAft>
-                <a:spcPts val="0"/>
-              </a:spcAft>
-              <a:buFont typeface="Arial" panose="020B0604020202020204" pitchFamily="34" charset="0"/>
-              <a:buChar char="•"/>
-            </a:pPr>
-            <a:endParaRPr lang="en-US"/>
-          </a:p>
-          <a:p>
-            <a:pPr marL="285750" lvl="0" indent="-285750" algn="l" rtl="0">
-              <a:spcBef>
-                <a:spcPts val="0"/>
-              </a:spcBef>
-              <a:spcAft>
-                <a:spcPts val="0"/>
-              </a:spcAft>
-              <a:buFont typeface="Arial" panose="020B0604020202020204" pitchFamily="34" charset="0"/>
-              <a:buChar char="•"/>
-            </a:pPr>
-            <a:endParaRPr lang="en-US"/>
-          </a:p>
-          <a:p>
-            <a:pPr marL="285750" lvl="0" indent="-285750" algn="l" rtl="0">
-              <a:spcBef>
-                <a:spcPts val="0"/>
-              </a:spcBef>
-              <a:spcAft>
-                <a:spcPts val="0"/>
-              </a:spcAft>
-              <a:buFont typeface="Arial" panose="020B0604020202020204" pitchFamily="34" charset="0"/>
-              <a:buChar char="•"/>
-            </a:pPr>
-            <a:endParaRPr lang="en-US"/>
-          </a:p>
-          <a:p>
-            <a:pPr marL="285750" lvl="0" indent="-285750" algn="l" rtl="0">
-              <a:lnSpc>
-                <a:spcPct val="150000"/>
-              </a:lnSpc>
-              <a:spcBef>
-                <a:spcPts val="0"/>
-              </a:spcBef>
-              <a:spcAft>
-                <a:spcPts val="0"/>
-              </a:spcAft>
-              <a:buFont typeface="Arial" panose="020B0604020202020204" pitchFamily="34" charset="0"/>
-              <a:buChar char="•"/>
-            </a:pPr>
-            <a:endParaRPr lang="en-CA" sz="1600"/>
-          </a:p>
-          <a:p>
-            <a:pPr marL="285750" lvl="0" indent="-285750" algn="l" rtl="0">
-              <a:lnSpc>
-                <a:spcPct val="150000"/>
-              </a:lnSpc>
-              <a:spcBef>
-                <a:spcPts val="0"/>
-              </a:spcBef>
-              <a:spcAft>
-                <a:spcPts val="0"/>
-              </a:spcAft>
-              <a:buFont typeface="Arial" panose="020B0604020202020204" pitchFamily="34" charset="0"/>
-              <a:buChar char="•"/>
-            </a:pPr>
-            <a:endParaRPr lang="en-CA" sz="1600"/>
-          </a:p>
-          <a:p>
-            <a:pPr marL="0" lvl="0" indent="0" algn="l" rtl="0">
-              <a:spcBef>
-                <a:spcPts val="0"/>
-              </a:spcBef>
-              <a:spcAft>
-                <a:spcPts val="0"/>
-              </a:spcAft>
-            </a:pPr>
-            <a:endParaRPr lang="en-CA" sz="1600"/>
-          </a:p>
-          <a:p>
-            <a:pPr marL="285750" lvl="0" indent="-285750" algn="l" rtl="0">
-              <a:spcBef>
-                <a:spcPts val="0"/>
-              </a:spcBef>
-              <a:spcAft>
-                <a:spcPts val="0"/>
-              </a:spcAft>
-              <a:buFont typeface="Arial" panose="020B0604020202020204" pitchFamily="34" charset="0"/>
-              <a:buChar char="•"/>
-            </a:pPr>
-            <a:endParaRPr lang="es"/>
-          </a:p>
-          <a:p>
-            <a:pPr marL="742950" lvl="1" indent="-285750" algn="l">
-              <a:buFont typeface="Arial" panose="020B0604020202020204" pitchFamily="34" charset="0"/>
-              <a:buChar char="•"/>
-            </a:pPr>
-            <a:endParaRPr lang="es"/>
-          </a:p>
-          <a:p>
-            <a:pPr marL="285750" lvl="0" indent="-285750" algn="l" rtl="0">
-              <a:spcBef>
-                <a:spcPts val="0"/>
-              </a:spcBef>
-              <a:spcAft>
-                <a:spcPts val="0"/>
-              </a:spcAft>
-              <a:buFont typeface="Arial" panose="020B0604020202020204" pitchFamily="34" charset="0"/>
-              <a:buChar char="•"/>
-            </a:pPr>
-            <a:endParaRPr/>
-          </a:p>
-          <a:p>
-            <a:pPr marL="0" lvl="0" indent="0" algn="l" rtl="0">
-              <a:spcBef>
-                <a:spcPts val="0"/>
-              </a:spcBef>
-              <a:spcAft>
-                <a:spcPts val="0"/>
-              </a:spcAft>
-              <a:buNone/>
-            </a:pPr>
-            <a:endParaRPr/>
-          </a:p>
-        </p:txBody>
-      </p:sp>
-      <p:cxnSp>
-        <p:nvCxnSpPr>
-          <p:cNvPr id="166" name="Google Shape;166;p30">
-            <a:extLst>
-              <a:ext uri="{FF2B5EF4-FFF2-40B4-BE49-F238E27FC236}">
-                <a16:creationId xmlns:a16="http://schemas.microsoft.com/office/drawing/2014/main" id="{79D70A08-CB0E-6C7A-812E-08BC95E3124D}"/>
-              </a:ext>
-            </a:extLst>
-          </p:cNvPr>
-          <p:cNvCxnSpPr>
-            <a:cxnSpLocks/>
-          </p:cNvCxnSpPr>
-          <p:nvPr/>
-        </p:nvCxnSpPr>
-        <p:spPr>
-          <a:xfrm>
-            <a:off x="812499" y="1045726"/>
-            <a:ext cx="7290352" cy="0"/>
-          </a:xfrm>
-          <a:prstGeom prst="straightConnector1">
-            <a:avLst/>
-          </a:prstGeom>
-          <a:noFill/>
-          <a:ln w="19050" cap="flat" cmpd="sng">
-            <a:solidFill>
-              <a:schemeClr val="dk1"/>
-            </a:solidFill>
-            <a:prstDash val="solid"/>
-            <a:round/>
-            <a:headEnd type="none" w="med" len="med"/>
-            <a:tailEnd type="none" w="med" len="med"/>
-          </a:ln>
-        </p:spPr>
-      </p:cxnSp>
-    </p:spTree>
-    <p:extLst>
-      <p:ext uri="{BB962C8B-B14F-4D97-AF65-F5344CB8AC3E}">
-        <p14:creationId xmlns:p14="http://schemas.microsoft.com/office/powerpoint/2010/main" val="2302531464"/>
-      </p:ext>
-    </p:extLst>
-  </p:cSld>
-  <p:clrMapOvr>
-    <a:masterClrMapping/>
-  </p:clrMapOvr>
-</p:sld>
-</file>
-
-<file path=ppt/slides/slide32.xml><?xml version="1.0" encoding="utf-8"?>
-<p:sld xmlns:a="http://schemas.openxmlformats.org/drawingml/2006/main" xmlns:r="http://schemas.openxmlformats.org/officeDocument/2006/relationships" xmlns:p="http://schemas.openxmlformats.org/presentationml/2006/main">
-  <p:cSld>
-    <p:spTree>
-      <p:nvGrpSpPr>
-        <p:cNvPr id="1" name="Shape 157">
-          <a:extLst>
-            <a:ext uri="{FF2B5EF4-FFF2-40B4-BE49-F238E27FC236}">
-              <a16:creationId xmlns:a16="http://schemas.microsoft.com/office/drawing/2014/main" id="{BCF5BD4C-7DFD-D2D8-2467-22418DA71161}"/>
-            </a:ext>
-          </a:extLst>
-        </p:cNvPr>
-        <p:cNvGrpSpPr/>
-        <p:nvPr/>
-      </p:nvGrpSpPr>
-      <p:grpSpPr>
-        <a:xfrm>
-          <a:off x="0" y="0"/>
-          <a:ext cx="0" cy="0"/>
-          <a:chOff x="0" y="0"/>
-          <a:chExt cx="0" cy="0"/>
-        </a:xfrm>
-      </p:grpSpPr>
-      <p:sp>
-        <p:nvSpPr>
-          <p:cNvPr id="158" name="Google Shape;158;p30">
-            <a:extLst>
-              <a:ext uri="{FF2B5EF4-FFF2-40B4-BE49-F238E27FC236}">
-                <a16:creationId xmlns:a16="http://schemas.microsoft.com/office/drawing/2014/main" id="{6FCDEA1E-F09E-B981-6F28-32EE8DDEDA09}"/>
-              </a:ext>
-            </a:extLst>
-          </p:cNvPr>
-          <p:cNvSpPr txBox="1">
-            <a:spLocks noGrp="1"/>
-          </p:cNvSpPr>
-          <p:nvPr>
-            <p:ph type="title" idx="6"/>
-          </p:nvPr>
-        </p:nvSpPr>
-        <p:spPr>
-          <a:xfrm>
-            <a:off x="710749" y="387250"/>
-            <a:ext cx="8315555" cy="776400"/>
-          </a:xfrm>
-          <a:prstGeom prst="rect">
-            <a:avLst/>
-          </a:prstGeom>
-        </p:spPr>
-        <p:txBody>
-          <a:bodyPr spcFirstLastPara="1" wrap="square" lIns="91425" tIns="91425" rIns="91425" bIns="91425" anchor="t" anchorCtr="0">
-            <a:noAutofit/>
-          </a:bodyPr>
-          <a:lstStyle/>
-          <a:p>
-            <a:pPr marL="0" lvl="0" indent="0" algn="l" rtl="0">
-              <a:spcBef>
-                <a:spcPts val="0"/>
-              </a:spcBef>
-              <a:spcAft>
-                <a:spcPts val="0"/>
-              </a:spcAft>
-              <a:buNone/>
-            </a:pPr>
-            <a:r>
-              <a:rPr lang="es" sz="3200" b="0"/>
-              <a:t>Creative Commons Licenses</a:t>
-            </a:r>
-            <a:endParaRPr sz="3200" b="0"/>
-          </a:p>
-        </p:txBody>
-      </p:sp>
-      <p:cxnSp>
-        <p:nvCxnSpPr>
-          <p:cNvPr id="166" name="Google Shape;166;p30">
-            <a:extLst>
-              <a:ext uri="{FF2B5EF4-FFF2-40B4-BE49-F238E27FC236}">
-                <a16:creationId xmlns:a16="http://schemas.microsoft.com/office/drawing/2014/main" id="{1B2A20C2-BB0C-6ED9-A04A-066F1AB80387}"/>
-              </a:ext>
-            </a:extLst>
-          </p:cNvPr>
-          <p:cNvCxnSpPr>
-            <a:cxnSpLocks/>
-          </p:cNvCxnSpPr>
-          <p:nvPr/>
-        </p:nvCxnSpPr>
-        <p:spPr>
-          <a:xfrm>
-            <a:off x="812499" y="1045726"/>
-            <a:ext cx="7290352" cy="0"/>
-          </a:xfrm>
-          <a:prstGeom prst="straightConnector1">
-            <a:avLst/>
-          </a:prstGeom>
-          <a:noFill/>
-          <a:ln w="19050" cap="flat" cmpd="sng">
-            <a:solidFill>
-              <a:schemeClr val="dk1"/>
-            </a:solidFill>
-            <a:prstDash val="solid"/>
-            <a:round/>
-            <a:headEnd type="none" w="med" len="med"/>
-            <a:tailEnd type="none" w="med" len="med"/>
-          </a:ln>
-        </p:spPr>
-      </p:cxnSp>
-      <p:pic>
-        <p:nvPicPr>
-          <p:cNvPr id="5" name="Picture 4">
-            <a:extLst>
-              <a:ext uri="{FF2B5EF4-FFF2-40B4-BE49-F238E27FC236}">
-                <a16:creationId xmlns:a16="http://schemas.microsoft.com/office/drawing/2014/main" id="{3B163FDA-53D8-92B8-A224-74889CF13F6B}"/>
-              </a:ext>
-            </a:extLst>
-          </p:cNvPr>
-          <p:cNvPicPr>
-            <a:picLocks noChangeAspect="1"/>
-          </p:cNvPicPr>
-          <p:nvPr/>
-        </p:nvPicPr>
-        <p:blipFill>
-          <a:blip r:embed="rId3"/>
-          <a:stretch>
-            <a:fillRect/>
-          </a:stretch>
-        </p:blipFill>
-        <p:spPr>
-          <a:xfrm>
-            <a:off x="710749" y="1229669"/>
-            <a:ext cx="7007382" cy="3601103"/>
-          </a:xfrm>
-          <a:prstGeom prst="rect">
-            <a:avLst/>
-          </a:prstGeom>
-        </p:spPr>
-      </p:pic>
-    </p:spTree>
-    <p:extLst>
-      <p:ext uri="{BB962C8B-B14F-4D97-AF65-F5344CB8AC3E}">
-        <p14:creationId xmlns:p14="http://schemas.microsoft.com/office/powerpoint/2010/main" val="3433236225"/>
-      </p:ext>
-    </p:extLst>
-  </p:cSld>
-  <p:clrMapOvr>
-    <a:masterClrMapping/>
-  </p:clrMapOvr>
-</p:sld>
-</file>
-
-<file path=ppt/slides/slide33.xml><?xml version="1.0" encoding="utf-8"?>
-<p:sld xmlns:a="http://schemas.openxmlformats.org/drawingml/2006/main" xmlns:r="http://schemas.openxmlformats.org/officeDocument/2006/relationships" xmlns:p="http://schemas.openxmlformats.org/presentationml/2006/main">
-  <p:cSld>
-    <p:spTree>
-      <p:nvGrpSpPr>
-        <p:cNvPr id="1" name="Shape 157">
-          <a:extLst>
-            <a:ext uri="{FF2B5EF4-FFF2-40B4-BE49-F238E27FC236}">
-              <a16:creationId xmlns:a16="http://schemas.microsoft.com/office/drawing/2014/main" id="{2BDBBF82-7BCB-E0C1-BE01-264121A3E719}"/>
-            </a:ext>
-          </a:extLst>
-        </p:cNvPr>
-        <p:cNvGrpSpPr/>
-        <p:nvPr/>
-      </p:nvGrpSpPr>
-      <p:grpSpPr>
-        <a:xfrm>
-          <a:off x="0" y="0"/>
-          <a:ext cx="0" cy="0"/>
-          <a:chOff x="0" y="0"/>
-          <a:chExt cx="0" cy="0"/>
-        </a:xfrm>
-      </p:grpSpPr>
-      <p:sp>
-        <p:nvSpPr>
-          <p:cNvPr id="158" name="Google Shape;158;p30">
-            <a:extLst>
-              <a:ext uri="{FF2B5EF4-FFF2-40B4-BE49-F238E27FC236}">
-                <a16:creationId xmlns:a16="http://schemas.microsoft.com/office/drawing/2014/main" id="{EA184303-6C0E-7AAF-F57E-28140FFE40A1}"/>
-              </a:ext>
-            </a:extLst>
-          </p:cNvPr>
-          <p:cNvSpPr txBox="1">
-            <a:spLocks noGrp="1"/>
-          </p:cNvSpPr>
-          <p:nvPr>
-            <p:ph type="title" idx="6"/>
-          </p:nvPr>
-        </p:nvSpPr>
-        <p:spPr>
-          <a:xfrm>
-            <a:off x="710750" y="387250"/>
-            <a:ext cx="6467290" cy="776400"/>
-          </a:xfrm>
-          <a:prstGeom prst="rect">
-            <a:avLst/>
-          </a:prstGeom>
-        </p:spPr>
-        <p:txBody>
-          <a:bodyPr spcFirstLastPara="1" wrap="square" lIns="91425" tIns="91425" rIns="91425" bIns="91425" anchor="t" anchorCtr="0">
-            <a:noAutofit/>
-          </a:bodyPr>
-          <a:lstStyle/>
-          <a:p>
-            <a:pPr marL="0" lvl="0" indent="0" algn="l" rtl="0">
-              <a:spcBef>
-                <a:spcPts val="0"/>
-              </a:spcBef>
-              <a:spcAft>
-                <a:spcPts val="0"/>
-              </a:spcAft>
-              <a:buNone/>
-            </a:pPr>
-            <a:r>
-              <a:rPr lang="es" b="0"/>
-              <a:t>Borealis Demo Deposit</a:t>
-            </a:r>
-            <a:endParaRPr b="0"/>
-          </a:p>
-        </p:txBody>
-      </p:sp>
-      <p:cxnSp>
-        <p:nvCxnSpPr>
-          <p:cNvPr id="166" name="Google Shape;166;p30">
-            <a:extLst>
-              <a:ext uri="{FF2B5EF4-FFF2-40B4-BE49-F238E27FC236}">
-                <a16:creationId xmlns:a16="http://schemas.microsoft.com/office/drawing/2014/main" id="{447BF006-9ED4-2456-0C01-A6E6D5B501C7}"/>
-              </a:ext>
-            </a:extLst>
-          </p:cNvPr>
-          <p:cNvCxnSpPr>
-            <a:cxnSpLocks/>
-          </p:cNvCxnSpPr>
-          <p:nvPr/>
-        </p:nvCxnSpPr>
-        <p:spPr>
-          <a:xfrm>
-            <a:off x="812499" y="1045726"/>
-            <a:ext cx="6365541" cy="0"/>
-          </a:xfrm>
-          <a:prstGeom prst="straightConnector1">
-            <a:avLst/>
-          </a:prstGeom>
-          <a:noFill/>
-          <a:ln w="19050" cap="flat" cmpd="sng">
-            <a:solidFill>
-              <a:schemeClr val="dk1"/>
-            </a:solidFill>
-            <a:prstDash val="solid"/>
-            <a:round/>
-            <a:headEnd type="none" w="med" len="med"/>
-            <a:tailEnd type="none" w="med" len="med"/>
-          </a:ln>
-        </p:spPr>
-      </p:cxnSp>
-      <p:pic>
-        <p:nvPicPr>
-          <p:cNvPr id="4098" name="Picture 2">
-            <a:extLst>
-              <a:ext uri="{FF2B5EF4-FFF2-40B4-BE49-F238E27FC236}">
-                <a16:creationId xmlns:a16="http://schemas.microsoft.com/office/drawing/2014/main" id="{DB937B1A-33DD-2865-5E45-DE37C0F51532}"/>
-              </a:ext>
-            </a:extLst>
-          </p:cNvPr>
-          <p:cNvPicPr>
-            <a:picLocks noChangeAspect="1" noChangeArrowheads="1"/>
-          </p:cNvPicPr>
-          <p:nvPr/>
-        </p:nvPicPr>
-        <p:blipFill>
-          <a:blip r:embed="rId3">
-            <a:extLst>
-              <a:ext uri="{28A0092B-C50C-407E-A947-70E740481C1C}">
-                <a14:useLocalDpi xmlns:a14="http://schemas.microsoft.com/office/drawing/2010/main" val="0"/>
-              </a:ext>
-            </a:extLst>
-          </a:blip>
-          <a:srcRect/>
-          <a:stretch>
-            <a:fillRect/>
-          </a:stretch>
-        </p:blipFill>
-        <p:spPr bwMode="auto">
-          <a:xfrm>
-            <a:off x="812499" y="1349531"/>
-            <a:ext cx="3485773" cy="3485773"/>
-          </a:xfrm>
-          <a:prstGeom prst="rect">
-            <a:avLst/>
-          </a:prstGeom>
-          <a:noFill/>
-          <a:extLst>
-            <a:ext uri="{909E8E84-426E-40DD-AFC4-6F175D3DCCD1}">
-              <a14:hiddenFill xmlns:a14="http://schemas.microsoft.com/office/drawing/2010/main">
-                <a:solidFill>
-                  <a:srgbClr val="FFFFFF"/>
-                </a:solidFill>
-              </a14:hiddenFill>
-            </a:ext>
-          </a:extLst>
-        </p:spPr>
-      </p:pic>
-      <p:sp>
-        <p:nvSpPr>
-          <p:cNvPr id="4" name="TextBox 3">
-            <a:extLst>
-              <a:ext uri="{FF2B5EF4-FFF2-40B4-BE49-F238E27FC236}">
-                <a16:creationId xmlns:a16="http://schemas.microsoft.com/office/drawing/2014/main" id="{87DC75B5-D905-6CCD-5CE0-5189FF6B4E3E}"/>
-              </a:ext>
-            </a:extLst>
-          </p:cNvPr>
-          <p:cNvSpPr txBox="1"/>
-          <p:nvPr/>
-        </p:nvSpPr>
-        <p:spPr>
-          <a:xfrm>
-            <a:off x="8157172" y="4619860"/>
-            <a:ext cx="768187" cy="215444"/>
-          </a:xfrm>
-          <a:prstGeom prst="rect">
-            <a:avLst/>
-          </a:prstGeom>
-          <a:noFill/>
-        </p:spPr>
-        <p:txBody>
-          <a:bodyPr wrap="square" rtlCol="0">
-            <a:spAutoFit/>
-          </a:bodyPr>
-          <a:lstStyle/>
-          <a:p>
-            <a:r>
-              <a:rPr lang="en-US" sz="800">
-                <a:hlinkClick r:id="rId4"/>
-              </a:rPr>
-              <a:t>source</a:t>
-            </a:r>
-            <a:endParaRPr lang="en-CA" sz="800"/>
-          </a:p>
-        </p:txBody>
-      </p:sp>
-    </p:spTree>
-    <p:extLst>
-      <p:ext uri="{BB962C8B-B14F-4D97-AF65-F5344CB8AC3E}">
-        <p14:creationId xmlns:p14="http://schemas.microsoft.com/office/powerpoint/2010/main" val="457037959"/>
-      </p:ext>
-    </p:extLst>
-  </p:cSld>
-  <p:clrMapOvr>
-    <a:masterClrMapping/>
-  </p:clrMapOvr>
-</p:sld>
-</file>
-
-<file path=ppt/slides/slide34.xml><?xml version="1.0" encoding="utf-8"?>
-<p:sld xmlns:a="http://schemas.openxmlformats.org/drawingml/2006/main" xmlns:r="http://schemas.openxmlformats.org/officeDocument/2006/relationships" xmlns:p="http://schemas.openxmlformats.org/presentationml/2006/main">
-  <p:cSld>
-    <p:spTree>
-      <p:nvGrpSpPr>
-        <p:cNvPr id="1" name="Shape 157">
-          <a:extLst>
-            <a:ext uri="{FF2B5EF4-FFF2-40B4-BE49-F238E27FC236}">
-              <a16:creationId xmlns:a16="http://schemas.microsoft.com/office/drawing/2014/main" id="{6D528E5D-CFBE-1858-61C2-5A69F328C850}"/>
-            </a:ext>
-          </a:extLst>
-        </p:cNvPr>
-        <p:cNvGrpSpPr/>
-        <p:nvPr/>
-      </p:nvGrpSpPr>
-      <p:grpSpPr>
-        <a:xfrm>
-          <a:off x="0" y="0"/>
-          <a:ext cx="0" cy="0"/>
-          <a:chOff x="0" y="0"/>
-          <a:chExt cx="0" cy="0"/>
-        </a:xfrm>
-      </p:grpSpPr>
-      <p:sp>
-        <p:nvSpPr>
-          <p:cNvPr id="158" name="Google Shape;158;p30">
-            <a:extLst>
-              <a:ext uri="{FF2B5EF4-FFF2-40B4-BE49-F238E27FC236}">
-                <a16:creationId xmlns:a16="http://schemas.microsoft.com/office/drawing/2014/main" id="{9AEFD1BE-3639-CA86-263E-578BD5DED925}"/>
-              </a:ext>
-            </a:extLst>
-          </p:cNvPr>
-          <p:cNvSpPr txBox="1">
-            <a:spLocks noGrp="1"/>
-          </p:cNvSpPr>
-          <p:nvPr>
-            <p:ph type="title" idx="6"/>
-          </p:nvPr>
-        </p:nvSpPr>
-        <p:spPr>
-          <a:xfrm>
-            <a:off x="710750" y="387250"/>
-            <a:ext cx="6467290" cy="776400"/>
-          </a:xfrm>
-          <a:prstGeom prst="rect">
-            <a:avLst/>
-          </a:prstGeom>
-        </p:spPr>
-        <p:txBody>
-          <a:bodyPr spcFirstLastPara="1" wrap="square" lIns="91425" tIns="91425" rIns="91425" bIns="91425" anchor="t" anchorCtr="0">
-            <a:noAutofit/>
-          </a:bodyPr>
-          <a:lstStyle/>
-          <a:p>
-            <a:pPr marL="0" lvl="0" indent="0" algn="l" rtl="0">
-              <a:spcBef>
-                <a:spcPts val="0"/>
-              </a:spcBef>
-              <a:spcAft>
-                <a:spcPts val="0"/>
-              </a:spcAft>
-              <a:buNone/>
-            </a:pPr>
-            <a:r>
-              <a:rPr lang="es" b="0" dirty="0"/>
-              <a:t>Questions?</a:t>
-            </a:r>
-            <a:endParaRPr b="0" dirty="0"/>
-          </a:p>
-        </p:txBody>
-      </p:sp>
-      <p:cxnSp>
-        <p:nvCxnSpPr>
-          <p:cNvPr id="166" name="Google Shape;166;p30">
-            <a:extLst>
-              <a:ext uri="{FF2B5EF4-FFF2-40B4-BE49-F238E27FC236}">
-                <a16:creationId xmlns:a16="http://schemas.microsoft.com/office/drawing/2014/main" id="{7B966F3C-9FB6-CCDA-376E-20016BB6E031}"/>
-              </a:ext>
-            </a:extLst>
-          </p:cNvPr>
-          <p:cNvCxnSpPr>
-            <a:cxnSpLocks/>
-          </p:cNvCxnSpPr>
-          <p:nvPr/>
-        </p:nvCxnSpPr>
-        <p:spPr>
-          <a:xfrm>
-            <a:off x="812499" y="1045726"/>
-            <a:ext cx="6365541" cy="0"/>
-          </a:xfrm>
-          <a:prstGeom prst="straightConnector1">
-            <a:avLst/>
-          </a:prstGeom>
-          <a:noFill/>
-          <a:ln w="19050" cap="flat" cmpd="sng">
-            <a:solidFill>
-              <a:schemeClr val="dk1"/>
-            </a:solidFill>
-            <a:prstDash val="solid"/>
-            <a:round/>
-            <a:headEnd type="none" w="med" len="med"/>
-            <a:tailEnd type="none" w="med" len="med"/>
-          </a:ln>
-        </p:spPr>
-      </p:cxnSp>
-      <p:sp>
-        <p:nvSpPr>
-          <p:cNvPr id="4" name="TextBox 3">
-            <a:extLst>
-              <a:ext uri="{FF2B5EF4-FFF2-40B4-BE49-F238E27FC236}">
-                <a16:creationId xmlns:a16="http://schemas.microsoft.com/office/drawing/2014/main" id="{73AACA90-D77A-429D-01DC-D21E75DCEF6E}"/>
-              </a:ext>
-            </a:extLst>
-          </p:cNvPr>
-          <p:cNvSpPr txBox="1"/>
-          <p:nvPr/>
-        </p:nvSpPr>
-        <p:spPr>
-          <a:xfrm>
-            <a:off x="8157172" y="4619860"/>
-            <a:ext cx="768187" cy="215444"/>
-          </a:xfrm>
-          <a:prstGeom prst="rect">
-            <a:avLst/>
-          </a:prstGeom>
-          <a:noFill/>
-        </p:spPr>
-        <p:txBody>
-          <a:bodyPr wrap="square" rtlCol="0">
-            <a:spAutoFit/>
-          </a:bodyPr>
-          <a:lstStyle/>
-          <a:p>
-            <a:r>
-              <a:rPr lang="en-US" sz="800">
-                <a:hlinkClick r:id="rId3"/>
-              </a:rPr>
-              <a:t>source</a:t>
-            </a:r>
-            <a:endParaRPr lang="en-CA" sz="800" dirty="0"/>
-          </a:p>
-        </p:txBody>
-      </p:sp>
-      <p:pic>
-        <p:nvPicPr>
-          <p:cNvPr id="1026" name="Picture 2" descr="Mark Wahlburg confused Meme Generator">
-            <a:extLst>
-              <a:ext uri="{FF2B5EF4-FFF2-40B4-BE49-F238E27FC236}">
-                <a16:creationId xmlns:a16="http://schemas.microsoft.com/office/drawing/2014/main" id="{D1FB5FD1-DFE9-C504-AF3F-A0A47102412D}"/>
-              </a:ext>
-            </a:extLst>
-          </p:cNvPr>
-          <p:cNvPicPr>
-            <a:picLocks noChangeAspect="1" noChangeArrowheads="1"/>
-          </p:cNvPicPr>
-          <p:nvPr/>
-        </p:nvPicPr>
-        <p:blipFill>
-          <a:blip r:embed="rId4">
-            <a:extLst>
-              <a:ext uri="{28A0092B-C50C-407E-A947-70E740481C1C}">
-                <a14:useLocalDpi xmlns:a14="http://schemas.microsoft.com/office/drawing/2010/main" val="0"/>
-              </a:ext>
-            </a:extLst>
-          </a:blip>
-          <a:srcRect/>
-          <a:stretch>
-            <a:fillRect/>
-          </a:stretch>
-        </p:blipFill>
-        <p:spPr bwMode="auto">
-          <a:xfrm>
-            <a:off x="812499" y="1538947"/>
-            <a:ext cx="4810125" cy="2619668"/>
-          </a:xfrm>
-          <a:prstGeom prst="rect">
-            <a:avLst/>
-          </a:prstGeom>
-          <a:noFill/>
-          <a:extLst>
-            <a:ext uri="{909E8E84-426E-40DD-AFC4-6F175D3DCCD1}">
-              <a14:hiddenFill xmlns:a14="http://schemas.microsoft.com/office/drawing/2010/main">
-                <a:solidFill>
-                  <a:srgbClr val="FFFFFF"/>
-                </a:solidFill>
-              </a14:hiddenFill>
-            </a:ext>
-          </a:extLst>
-        </p:spPr>
-      </p:pic>
-    </p:spTree>
-    <p:extLst>
-      <p:ext uri="{BB962C8B-B14F-4D97-AF65-F5344CB8AC3E}">
-        <p14:creationId xmlns:p14="http://schemas.microsoft.com/office/powerpoint/2010/main" val="2165019772"/>
-      </p:ext>
-    </p:extLst>
-  </p:cSld>
-  <p:clrMapOvr>
-    <a:masterClrMapping/>
-  </p:clrMapOvr>
-</p:sld>
-</file>
-
-<file path=ppt/slides/slide4.xml><?xml version="1.0" encoding="utf-8"?>
 <p:sld xmlns:a="http://schemas.openxmlformats.org/drawingml/2006/main" xmlns:r="http://schemas.openxmlformats.org/officeDocument/2006/relationships" xmlns:p="http://schemas.openxmlformats.org/presentationml/2006/main">
   <p:cSld>
     <p:spTree>
@@ -19133,7 +17262,1165 @@
 </p:sld>
 </file>
 
-<file path=ppt/slides/slide5.xml><?xml version="1.0" encoding="utf-8"?>
+<file path=ppt/slides/slide30.xml><?xml version="1.0" encoding="utf-8"?>
+<p:sld xmlns:a="http://schemas.openxmlformats.org/drawingml/2006/main" xmlns:r="http://schemas.openxmlformats.org/officeDocument/2006/relationships" xmlns:p="http://schemas.openxmlformats.org/presentationml/2006/main">
+  <p:cSld>
+    <p:spTree>
+      <p:nvGrpSpPr>
+        <p:cNvPr id="1" name="Shape 157">
+          <a:extLst>
+            <a:ext uri="{FF2B5EF4-FFF2-40B4-BE49-F238E27FC236}">
+              <a16:creationId xmlns:a16="http://schemas.microsoft.com/office/drawing/2014/main" id="{A14435A3-FF94-D5B4-B515-F3C3230C8CAC}"/>
+            </a:ext>
+          </a:extLst>
+        </p:cNvPr>
+        <p:cNvGrpSpPr/>
+        <p:nvPr/>
+      </p:nvGrpSpPr>
+      <p:grpSpPr>
+        <a:xfrm>
+          <a:off x="0" y="0"/>
+          <a:ext cx="0" cy="0"/>
+          <a:chOff x="0" y="0"/>
+          <a:chExt cx="0" cy="0"/>
+        </a:xfrm>
+      </p:grpSpPr>
+      <p:sp>
+        <p:nvSpPr>
+          <p:cNvPr id="158" name="Google Shape;158;p30">
+            <a:extLst>
+              <a:ext uri="{FF2B5EF4-FFF2-40B4-BE49-F238E27FC236}">
+                <a16:creationId xmlns:a16="http://schemas.microsoft.com/office/drawing/2014/main" id="{95B79DFB-E752-21C4-AED8-B86EE18F0EE5}"/>
+              </a:ext>
+            </a:extLst>
+          </p:cNvPr>
+          <p:cNvSpPr txBox="1">
+            <a:spLocks noGrp="1"/>
+          </p:cNvSpPr>
+          <p:nvPr>
+            <p:ph type="title" idx="6"/>
+          </p:nvPr>
+        </p:nvSpPr>
+        <p:spPr>
+          <a:xfrm>
+            <a:off x="710749" y="387250"/>
+            <a:ext cx="8315555" cy="776400"/>
+          </a:xfrm>
+          <a:prstGeom prst="rect">
+            <a:avLst/>
+          </a:prstGeom>
+        </p:spPr>
+        <p:txBody>
+          <a:bodyPr spcFirstLastPara="1" wrap="square" lIns="91425" tIns="91425" rIns="91425" bIns="91425" anchor="t" anchorCtr="0">
+            <a:noAutofit/>
+          </a:bodyPr>
+          <a:lstStyle/>
+          <a:p>
+            <a:pPr marL="0" lvl="0" indent="0" algn="l" rtl="0">
+              <a:spcBef>
+                <a:spcPts val="0"/>
+              </a:spcBef>
+              <a:spcAft>
+                <a:spcPts val="0"/>
+              </a:spcAft>
+              <a:buNone/>
+            </a:pPr>
+            <a:r>
+              <a:rPr lang="es" sz="3200" b="0"/>
+              <a:t>Other Data Repositories</a:t>
+            </a:r>
+            <a:endParaRPr sz="3200" b="0"/>
+          </a:p>
+        </p:txBody>
+      </p:sp>
+      <p:sp>
+        <p:nvSpPr>
+          <p:cNvPr id="162" name="Google Shape;162;p30">
+            <a:extLst>
+              <a:ext uri="{FF2B5EF4-FFF2-40B4-BE49-F238E27FC236}">
+                <a16:creationId xmlns:a16="http://schemas.microsoft.com/office/drawing/2014/main" id="{CD600100-ADD4-C39A-BAD1-94271A019A8F}"/>
+              </a:ext>
+            </a:extLst>
+          </p:cNvPr>
+          <p:cNvSpPr txBox="1">
+            <a:spLocks noGrp="1"/>
+          </p:cNvSpPr>
+          <p:nvPr>
+            <p:ph type="subTitle" idx="3"/>
+          </p:nvPr>
+        </p:nvSpPr>
+        <p:spPr>
+          <a:xfrm>
+            <a:off x="710750" y="1491096"/>
+            <a:ext cx="7853701" cy="2709712"/>
+          </a:xfrm>
+          <a:prstGeom prst="rect">
+            <a:avLst/>
+          </a:prstGeom>
+        </p:spPr>
+        <p:txBody>
+          <a:bodyPr spcFirstLastPara="1" wrap="square" lIns="91425" tIns="91425" rIns="91425" bIns="91425" anchor="t" anchorCtr="0">
+            <a:noAutofit/>
+          </a:bodyPr>
+          <a:lstStyle/>
+          <a:p>
+            <a:pPr marL="0" lvl="0" indent="0"/>
+            <a:r>
+              <a:rPr lang="en-US" sz="2800" dirty="0"/>
+              <a:t>https://www.re3data.org/</a:t>
+            </a:r>
+            <a:endParaRPr lang="en-US" sz="1600" dirty="0"/>
+          </a:p>
+          <a:p>
+            <a:pPr marL="285750" lvl="0" indent="-285750" algn="l" rtl="0">
+              <a:spcBef>
+                <a:spcPts val="0"/>
+              </a:spcBef>
+              <a:spcAft>
+                <a:spcPts val="0"/>
+              </a:spcAft>
+              <a:buFont typeface="Arial" panose="020B0604020202020204" pitchFamily="34" charset="0"/>
+              <a:buChar char="•"/>
+            </a:pPr>
+            <a:endParaRPr lang="en-US" sz="1600" dirty="0"/>
+          </a:p>
+          <a:p>
+            <a:pPr marL="742950" lvl="1" indent="-285750" algn="l">
+              <a:buFont typeface="Arial" panose="020B0604020202020204" pitchFamily="34" charset="0"/>
+              <a:buChar char="•"/>
+            </a:pPr>
+            <a:endParaRPr lang="en-US" sz="1600" dirty="0"/>
+          </a:p>
+          <a:p>
+            <a:pPr marL="285750" indent="-285750">
+              <a:buFont typeface="Arial" panose="020B0604020202020204" pitchFamily="34" charset="0"/>
+              <a:buChar char="•"/>
+            </a:pPr>
+            <a:endParaRPr lang="en-US" dirty="0"/>
+          </a:p>
+          <a:p>
+            <a:pPr marL="457200" lvl="1" indent="0" algn="l"/>
+            <a:endParaRPr lang="en-US" dirty="0"/>
+          </a:p>
+          <a:p>
+            <a:pPr marL="0" indent="0"/>
+            <a:endParaRPr lang="en-US" dirty="0"/>
+          </a:p>
+          <a:p>
+            <a:pPr marL="285750" lvl="0" indent="-285750" algn="l" rtl="0">
+              <a:spcBef>
+                <a:spcPts val="0"/>
+              </a:spcBef>
+              <a:spcAft>
+                <a:spcPts val="0"/>
+              </a:spcAft>
+              <a:buFont typeface="Arial" panose="020B0604020202020204" pitchFamily="34" charset="0"/>
+              <a:buChar char="•"/>
+            </a:pPr>
+            <a:endParaRPr lang="en-US" dirty="0"/>
+          </a:p>
+          <a:p>
+            <a:pPr marL="285750" lvl="0" indent="-285750" algn="l" rtl="0">
+              <a:spcBef>
+                <a:spcPts val="0"/>
+              </a:spcBef>
+              <a:spcAft>
+                <a:spcPts val="0"/>
+              </a:spcAft>
+              <a:buFont typeface="Arial" panose="020B0604020202020204" pitchFamily="34" charset="0"/>
+              <a:buChar char="•"/>
+            </a:pPr>
+            <a:endParaRPr lang="en-US" dirty="0"/>
+          </a:p>
+          <a:p>
+            <a:pPr marL="285750" lvl="0" indent="-285750" algn="l" rtl="0">
+              <a:spcBef>
+                <a:spcPts val="0"/>
+              </a:spcBef>
+              <a:spcAft>
+                <a:spcPts val="0"/>
+              </a:spcAft>
+              <a:buFont typeface="Arial" panose="020B0604020202020204" pitchFamily="34" charset="0"/>
+              <a:buChar char="•"/>
+            </a:pPr>
+            <a:endParaRPr lang="en-US" dirty="0"/>
+          </a:p>
+          <a:p>
+            <a:pPr marL="285750" lvl="0" indent="-285750" algn="l" rtl="0">
+              <a:spcBef>
+                <a:spcPts val="0"/>
+              </a:spcBef>
+              <a:spcAft>
+                <a:spcPts val="0"/>
+              </a:spcAft>
+              <a:buFont typeface="Arial" panose="020B0604020202020204" pitchFamily="34" charset="0"/>
+              <a:buChar char="•"/>
+            </a:pPr>
+            <a:endParaRPr lang="en-US" dirty="0"/>
+          </a:p>
+          <a:p>
+            <a:pPr marL="285750" lvl="0" indent="-285750" algn="l" rtl="0">
+              <a:spcBef>
+                <a:spcPts val="0"/>
+              </a:spcBef>
+              <a:spcAft>
+                <a:spcPts val="0"/>
+              </a:spcAft>
+              <a:buFont typeface="Arial" panose="020B0604020202020204" pitchFamily="34" charset="0"/>
+              <a:buChar char="•"/>
+            </a:pPr>
+            <a:endParaRPr lang="en-US" dirty="0"/>
+          </a:p>
+          <a:p>
+            <a:pPr marL="285750" lvl="0" indent="-285750" algn="l" rtl="0">
+              <a:spcBef>
+                <a:spcPts val="0"/>
+              </a:spcBef>
+              <a:spcAft>
+                <a:spcPts val="0"/>
+              </a:spcAft>
+              <a:buFont typeface="Arial" panose="020B0604020202020204" pitchFamily="34" charset="0"/>
+              <a:buChar char="•"/>
+            </a:pPr>
+            <a:endParaRPr lang="en-US" dirty="0"/>
+          </a:p>
+          <a:p>
+            <a:pPr marL="285750" lvl="0" indent="-285750" algn="l" rtl="0">
+              <a:lnSpc>
+                <a:spcPct val="150000"/>
+              </a:lnSpc>
+              <a:spcBef>
+                <a:spcPts val="0"/>
+              </a:spcBef>
+              <a:spcAft>
+                <a:spcPts val="0"/>
+              </a:spcAft>
+              <a:buFont typeface="Arial" panose="020B0604020202020204" pitchFamily="34" charset="0"/>
+              <a:buChar char="•"/>
+            </a:pPr>
+            <a:endParaRPr lang="en-CA" sz="1600" dirty="0"/>
+          </a:p>
+          <a:p>
+            <a:pPr marL="285750" lvl="0" indent="-285750" algn="l" rtl="0">
+              <a:lnSpc>
+                <a:spcPct val="150000"/>
+              </a:lnSpc>
+              <a:spcBef>
+                <a:spcPts val="0"/>
+              </a:spcBef>
+              <a:spcAft>
+                <a:spcPts val="0"/>
+              </a:spcAft>
+              <a:buFont typeface="Arial" panose="020B0604020202020204" pitchFamily="34" charset="0"/>
+              <a:buChar char="•"/>
+            </a:pPr>
+            <a:endParaRPr lang="en-CA" sz="1600" dirty="0"/>
+          </a:p>
+          <a:p>
+            <a:pPr marL="0" lvl="0" indent="0" algn="l" rtl="0">
+              <a:spcBef>
+                <a:spcPts val="0"/>
+              </a:spcBef>
+              <a:spcAft>
+                <a:spcPts val="0"/>
+              </a:spcAft>
+            </a:pPr>
+            <a:endParaRPr lang="en-CA" sz="1600" dirty="0"/>
+          </a:p>
+          <a:p>
+            <a:pPr marL="285750" lvl="0" indent="-285750" algn="l" rtl="0">
+              <a:spcBef>
+                <a:spcPts val="0"/>
+              </a:spcBef>
+              <a:spcAft>
+                <a:spcPts val="0"/>
+              </a:spcAft>
+              <a:buFont typeface="Arial" panose="020B0604020202020204" pitchFamily="34" charset="0"/>
+              <a:buChar char="•"/>
+            </a:pPr>
+            <a:endParaRPr lang="es" dirty="0"/>
+          </a:p>
+          <a:p>
+            <a:pPr marL="742950" lvl="1" indent="-285750" algn="l">
+              <a:buFont typeface="Arial" panose="020B0604020202020204" pitchFamily="34" charset="0"/>
+              <a:buChar char="•"/>
+            </a:pPr>
+            <a:endParaRPr lang="es" dirty="0"/>
+          </a:p>
+          <a:p>
+            <a:pPr marL="285750" lvl="0" indent="-285750" algn="l" rtl="0">
+              <a:spcBef>
+                <a:spcPts val="0"/>
+              </a:spcBef>
+              <a:spcAft>
+                <a:spcPts val="0"/>
+              </a:spcAft>
+              <a:buFont typeface="Arial" panose="020B0604020202020204" pitchFamily="34" charset="0"/>
+              <a:buChar char="•"/>
+            </a:pPr>
+            <a:endParaRPr dirty="0"/>
+          </a:p>
+          <a:p>
+            <a:pPr marL="0" lvl="0" indent="0" algn="l" rtl="0">
+              <a:spcBef>
+                <a:spcPts val="0"/>
+              </a:spcBef>
+              <a:spcAft>
+                <a:spcPts val="0"/>
+              </a:spcAft>
+              <a:buNone/>
+            </a:pPr>
+            <a:endParaRPr dirty="0"/>
+          </a:p>
+        </p:txBody>
+      </p:sp>
+      <p:cxnSp>
+        <p:nvCxnSpPr>
+          <p:cNvPr id="166" name="Google Shape;166;p30">
+            <a:extLst>
+              <a:ext uri="{FF2B5EF4-FFF2-40B4-BE49-F238E27FC236}">
+                <a16:creationId xmlns:a16="http://schemas.microsoft.com/office/drawing/2014/main" id="{B5AC6B6C-40EA-0F30-24B5-BABD3DDFC1BB}"/>
+              </a:ext>
+            </a:extLst>
+          </p:cNvPr>
+          <p:cNvCxnSpPr>
+            <a:cxnSpLocks/>
+          </p:cNvCxnSpPr>
+          <p:nvPr/>
+        </p:nvCxnSpPr>
+        <p:spPr>
+          <a:xfrm>
+            <a:off x="812499" y="1045726"/>
+            <a:ext cx="7290352" cy="0"/>
+          </a:xfrm>
+          <a:prstGeom prst="straightConnector1">
+            <a:avLst/>
+          </a:prstGeom>
+          <a:noFill/>
+          <a:ln w="19050" cap="flat" cmpd="sng">
+            <a:solidFill>
+              <a:schemeClr val="dk1"/>
+            </a:solidFill>
+            <a:prstDash val="solid"/>
+            <a:round/>
+            <a:headEnd type="none" w="med" len="med"/>
+            <a:tailEnd type="none" w="med" len="med"/>
+          </a:ln>
+        </p:spPr>
+      </p:cxnSp>
+    </p:spTree>
+    <p:extLst>
+      <p:ext uri="{BB962C8B-B14F-4D97-AF65-F5344CB8AC3E}">
+        <p14:creationId xmlns:p14="http://schemas.microsoft.com/office/powerpoint/2010/main" val="1291330564"/>
+      </p:ext>
+    </p:extLst>
+  </p:cSld>
+  <p:clrMapOvr>
+    <a:masterClrMapping/>
+  </p:clrMapOvr>
+</p:sld>
+</file>
+
+<file path=ppt/slides/slide31.xml><?xml version="1.0" encoding="utf-8"?>
+<p:sld xmlns:a="http://schemas.openxmlformats.org/drawingml/2006/main" xmlns:r="http://schemas.openxmlformats.org/officeDocument/2006/relationships" xmlns:p="http://schemas.openxmlformats.org/presentationml/2006/main">
+  <p:cSld>
+    <p:spTree>
+      <p:nvGrpSpPr>
+        <p:cNvPr id="1" name="Shape 157">
+          <a:extLst>
+            <a:ext uri="{FF2B5EF4-FFF2-40B4-BE49-F238E27FC236}">
+              <a16:creationId xmlns:a16="http://schemas.microsoft.com/office/drawing/2014/main" id="{18D891E7-8A74-5CAD-5865-EE8EDB78CE8D}"/>
+            </a:ext>
+          </a:extLst>
+        </p:cNvPr>
+        <p:cNvGrpSpPr/>
+        <p:nvPr/>
+      </p:nvGrpSpPr>
+      <p:grpSpPr>
+        <a:xfrm>
+          <a:off x="0" y="0"/>
+          <a:ext cx="0" cy="0"/>
+          <a:chOff x="0" y="0"/>
+          <a:chExt cx="0" cy="0"/>
+        </a:xfrm>
+      </p:grpSpPr>
+      <p:sp>
+        <p:nvSpPr>
+          <p:cNvPr id="158" name="Google Shape;158;p30">
+            <a:extLst>
+              <a:ext uri="{FF2B5EF4-FFF2-40B4-BE49-F238E27FC236}">
+                <a16:creationId xmlns:a16="http://schemas.microsoft.com/office/drawing/2014/main" id="{AFBFC63E-7343-6434-2E4A-5E2D94BBD28B}"/>
+              </a:ext>
+            </a:extLst>
+          </p:cNvPr>
+          <p:cNvSpPr txBox="1">
+            <a:spLocks noGrp="1"/>
+          </p:cNvSpPr>
+          <p:nvPr>
+            <p:ph type="title" idx="6"/>
+          </p:nvPr>
+        </p:nvSpPr>
+        <p:spPr>
+          <a:xfrm>
+            <a:off x="710749" y="387250"/>
+            <a:ext cx="8315555" cy="776400"/>
+          </a:xfrm>
+          <a:prstGeom prst="rect">
+            <a:avLst/>
+          </a:prstGeom>
+        </p:spPr>
+        <p:txBody>
+          <a:bodyPr spcFirstLastPara="1" wrap="square" lIns="91425" tIns="91425" rIns="91425" bIns="91425" anchor="t" anchorCtr="0">
+            <a:noAutofit/>
+          </a:bodyPr>
+          <a:lstStyle/>
+          <a:p>
+            <a:pPr marL="0" lvl="0" indent="0" algn="l" rtl="0">
+              <a:spcBef>
+                <a:spcPts val="0"/>
+              </a:spcBef>
+              <a:spcAft>
+                <a:spcPts val="0"/>
+              </a:spcAft>
+              <a:buNone/>
+            </a:pPr>
+            <a:r>
+              <a:rPr lang="es" sz="3200" b="0"/>
+              <a:t>Creative Commons (CC) Licenses</a:t>
+            </a:r>
+            <a:endParaRPr sz="3200" b="0"/>
+          </a:p>
+        </p:txBody>
+      </p:sp>
+      <p:sp>
+        <p:nvSpPr>
+          <p:cNvPr id="162" name="Google Shape;162;p30">
+            <a:extLst>
+              <a:ext uri="{FF2B5EF4-FFF2-40B4-BE49-F238E27FC236}">
+                <a16:creationId xmlns:a16="http://schemas.microsoft.com/office/drawing/2014/main" id="{875F325A-6396-ABA8-936C-DED8BBF0ACFF}"/>
+              </a:ext>
+            </a:extLst>
+          </p:cNvPr>
+          <p:cNvSpPr txBox="1">
+            <a:spLocks noGrp="1"/>
+          </p:cNvSpPr>
+          <p:nvPr>
+            <p:ph type="subTitle" idx="3"/>
+          </p:nvPr>
+        </p:nvSpPr>
+        <p:spPr>
+          <a:xfrm>
+            <a:off x="710750" y="1491096"/>
+            <a:ext cx="7853701" cy="2709712"/>
+          </a:xfrm>
+          <a:prstGeom prst="rect">
+            <a:avLst/>
+          </a:prstGeom>
+        </p:spPr>
+        <p:txBody>
+          <a:bodyPr spcFirstLastPara="1" wrap="square" lIns="91425" tIns="91425" rIns="91425" bIns="91425" anchor="t" anchorCtr="0">
+            <a:noAutofit/>
+          </a:bodyPr>
+          <a:lstStyle/>
+          <a:p>
+            <a:pPr marL="0" lvl="0" indent="0" algn="l" rtl="0">
+              <a:spcBef>
+                <a:spcPts val="0"/>
+              </a:spcBef>
+              <a:spcAft>
+                <a:spcPts val="0"/>
+              </a:spcAft>
+            </a:pPr>
+            <a:r>
+              <a:rPr lang="en-US" sz="1800"/>
+              <a:t>https://creativecommons.org/  </a:t>
+            </a:r>
+          </a:p>
+          <a:p>
+            <a:pPr marL="0" lvl="0" indent="0" algn="l" rtl="0">
+              <a:spcBef>
+                <a:spcPts val="0"/>
+              </a:spcBef>
+              <a:spcAft>
+                <a:spcPts val="0"/>
+              </a:spcAft>
+            </a:pPr>
+            <a:endParaRPr lang="en-US" sz="1800"/>
+          </a:p>
+          <a:p>
+            <a:pPr marL="285750" lvl="0" indent="-285750" algn="l" rtl="0">
+              <a:spcBef>
+                <a:spcPts val="0"/>
+              </a:spcBef>
+              <a:spcAft>
+                <a:spcPts val="0"/>
+              </a:spcAft>
+              <a:buFont typeface="Arial" panose="020B0604020202020204" pitchFamily="34" charset="0"/>
+              <a:buChar char="•"/>
+            </a:pPr>
+            <a:r>
+              <a:rPr lang="en-US" sz="1800"/>
+              <a:t>Tells a re-user what they can do with a copyrighted work</a:t>
+            </a:r>
+          </a:p>
+          <a:p>
+            <a:pPr marL="285750" lvl="0" indent="-285750" algn="l" rtl="0">
+              <a:spcBef>
+                <a:spcPts val="0"/>
+              </a:spcBef>
+              <a:spcAft>
+                <a:spcPts val="0"/>
+              </a:spcAft>
+              <a:buFont typeface="Arial" panose="020B0604020202020204" pitchFamily="34" charset="0"/>
+              <a:buChar char="•"/>
+            </a:pPr>
+            <a:r>
+              <a:rPr lang="en-US" sz="1800"/>
+              <a:t>Notes: </a:t>
+            </a:r>
+          </a:p>
+          <a:p>
+            <a:pPr marL="742950" lvl="1" indent="-285750" algn="l">
+              <a:buFont typeface="Arial" panose="020B0604020202020204" pitchFamily="34" charset="0"/>
+              <a:buChar char="•"/>
+            </a:pPr>
+            <a:r>
+              <a:rPr lang="en-US" sz="1800"/>
+              <a:t>You must be the copyright holder to assign one of these licenses</a:t>
+            </a:r>
+          </a:p>
+          <a:p>
+            <a:pPr marL="742950" lvl="1" indent="-285750" algn="l">
+              <a:buFont typeface="Arial" panose="020B0604020202020204" pitchFamily="34" charset="0"/>
+              <a:buChar char="•"/>
+            </a:pPr>
+            <a:r>
+              <a:rPr lang="en-US" sz="1800"/>
+              <a:t>Licenses can’t be revoked once assigned, so pick wisely! </a:t>
+            </a:r>
+          </a:p>
+          <a:p>
+            <a:pPr marL="1200150" lvl="2" indent="-285750" algn="l">
+              <a:buFont typeface="Arial" panose="020B0604020202020204" pitchFamily="34" charset="0"/>
+              <a:buChar char="•"/>
+            </a:pPr>
+            <a:r>
+              <a:rPr lang="en-US" sz="1800"/>
+              <a:t>(Ask for help if you need!)</a:t>
+            </a:r>
+          </a:p>
+          <a:p>
+            <a:pPr marL="742950" lvl="1" indent="-285750" algn="l">
+              <a:buFont typeface="Arial" panose="020B0604020202020204" pitchFamily="34" charset="0"/>
+              <a:buChar char="•"/>
+            </a:pPr>
+            <a:r>
+              <a:rPr lang="en-US" sz="1800"/>
+              <a:t>Very commonly used by data repositories (including Borealis)</a:t>
+            </a:r>
+          </a:p>
+          <a:p>
+            <a:pPr marL="285750" lvl="0" indent="-285750" algn="l" rtl="0">
+              <a:spcBef>
+                <a:spcPts val="0"/>
+              </a:spcBef>
+              <a:spcAft>
+                <a:spcPts val="0"/>
+              </a:spcAft>
+              <a:buFont typeface="Arial" panose="020B0604020202020204" pitchFamily="34" charset="0"/>
+              <a:buChar char="•"/>
+            </a:pPr>
+            <a:endParaRPr lang="en-US" sz="1600"/>
+          </a:p>
+          <a:p>
+            <a:pPr marL="742950" lvl="1" indent="-285750" algn="l">
+              <a:buFont typeface="Arial" panose="020B0604020202020204" pitchFamily="34" charset="0"/>
+              <a:buChar char="•"/>
+            </a:pPr>
+            <a:endParaRPr lang="en-US" sz="1600"/>
+          </a:p>
+          <a:p>
+            <a:pPr marL="285750" indent="-285750">
+              <a:buFont typeface="Arial" panose="020B0604020202020204" pitchFamily="34" charset="0"/>
+              <a:buChar char="•"/>
+            </a:pPr>
+            <a:endParaRPr lang="en-US"/>
+          </a:p>
+          <a:p>
+            <a:pPr marL="457200" lvl="1" indent="0" algn="l"/>
+            <a:endParaRPr lang="en-US"/>
+          </a:p>
+          <a:p>
+            <a:pPr marL="0" indent="0"/>
+            <a:endParaRPr lang="en-US"/>
+          </a:p>
+          <a:p>
+            <a:pPr marL="285750" lvl="0" indent="-285750" algn="l" rtl="0">
+              <a:spcBef>
+                <a:spcPts val="0"/>
+              </a:spcBef>
+              <a:spcAft>
+                <a:spcPts val="0"/>
+              </a:spcAft>
+              <a:buFont typeface="Arial" panose="020B0604020202020204" pitchFamily="34" charset="0"/>
+              <a:buChar char="•"/>
+            </a:pPr>
+            <a:endParaRPr lang="en-US"/>
+          </a:p>
+          <a:p>
+            <a:pPr marL="285750" lvl="0" indent="-285750" algn="l" rtl="0">
+              <a:spcBef>
+                <a:spcPts val="0"/>
+              </a:spcBef>
+              <a:spcAft>
+                <a:spcPts val="0"/>
+              </a:spcAft>
+              <a:buFont typeface="Arial" panose="020B0604020202020204" pitchFamily="34" charset="0"/>
+              <a:buChar char="•"/>
+            </a:pPr>
+            <a:endParaRPr lang="en-US"/>
+          </a:p>
+          <a:p>
+            <a:pPr marL="285750" lvl="0" indent="-285750" algn="l" rtl="0">
+              <a:spcBef>
+                <a:spcPts val="0"/>
+              </a:spcBef>
+              <a:spcAft>
+                <a:spcPts val="0"/>
+              </a:spcAft>
+              <a:buFont typeface="Arial" panose="020B0604020202020204" pitchFamily="34" charset="0"/>
+              <a:buChar char="•"/>
+            </a:pPr>
+            <a:endParaRPr lang="en-US"/>
+          </a:p>
+          <a:p>
+            <a:pPr marL="285750" lvl="0" indent="-285750" algn="l" rtl="0">
+              <a:spcBef>
+                <a:spcPts val="0"/>
+              </a:spcBef>
+              <a:spcAft>
+                <a:spcPts val="0"/>
+              </a:spcAft>
+              <a:buFont typeface="Arial" panose="020B0604020202020204" pitchFamily="34" charset="0"/>
+              <a:buChar char="•"/>
+            </a:pPr>
+            <a:endParaRPr lang="en-US"/>
+          </a:p>
+          <a:p>
+            <a:pPr marL="285750" lvl="0" indent="-285750" algn="l" rtl="0">
+              <a:spcBef>
+                <a:spcPts val="0"/>
+              </a:spcBef>
+              <a:spcAft>
+                <a:spcPts val="0"/>
+              </a:spcAft>
+              <a:buFont typeface="Arial" panose="020B0604020202020204" pitchFamily="34" charset="0"/>
+              <a:buChar char="•"/>
+            </a:pPr>
+            <a:endParaRPr lang="en-US"/>
+          </a:p>
+          <a:p>
+            <a:pPr marL="285750" lvl="0" indent="-285750" algn="l" rtl="0">
+              <a:spcBef>
+                <a:spcPts val="0"/>
+              </a:spcBef>
+              <a:spcAft>
+                <a:spcPts val="0"/>
+              </a:spcAft>
+              <a:buFont typeface="Arial" panose="020B0604020202020204" pitchFamily="34" charset="0"/>
+              <a:buChar char="•"/>
+            </a:pPr>
+            <a:endParaRPr lang="en-US"/>
+          </a:p>
+          <a:p>
+            <a:pPr marL="285750" lvl="0" indent="-285750" algn="l" rtl="0">
+              <a:lnSpc>
+                <a:spcPct val="150000"/>
+              </a:lnSpc>
+              <a:spcBef>
+                <a:spcPts val="0"/>
+              </a:spcBef>
+              <a:spcAft>
+                <a:spcPts val="0"/>
+              </a:spcAft>
+              <a:buFont typeface="Arial" panose="020B0604020202020204" pitchFamily="34" charset="0"/>
+              <a:buChar char="•"/>
+            </a:pPr>
+            <a:endParaRPr lang="en-CA" sz="1600"/>
+          </a:p>
+          <a:p>
+            <a:pPr marL="285750" lvl="0" indent="-285750" algn="l" rtl="0">
+              <a:lnSpc>
+                <a:spcPct val="150000"/>
+              </a:lnSpc>
+              <a:spcBef>
+                <a:spcPts val="0"/>
+              </a:spcBef>
+              <a:spcAft>
+                <a:spcPts val="0"/>
+              </a:spcAft>
+              <a:buFont typeface="Arial" panose="020B0604020202020204" pitchFamily="34" charset="0"/>
+              <a:buChar char="•"/>
+            </a:pPr>
+            <a:endParaRPr lang="en-CA" sz="1600"/>
+          </a:p>
+          <a:p>
+            <a:pPr marL="0" lvl="0" indent="0" algn="l" rtl="0">
+              <a:spcBef>
+                <a:spcPts val="0"/>
+              </a:spcBef>
+              <a:spcAft>
+                <a:spcPts val="0"/>
+              </a:spcAft>
+            </a:pPr>
+            <a:endParaRPr lang="en-CA" sz="1600"/>
+          </a:p>
+          <a:p>
+            <a:pPr marL="285750" lvl="0" indent="-285750" algn="l" rtl="0">
+              <a:spcBef>
+                <a:spcPts val="0"/>
+              </a:spcBef>
+              <a:spcAft>
+                <a:spcPts val="0"/>
+              </a:spcAft>
+              <a:buFont typeface="Arial" panose="020B0604020202020204" pitchFamily="34" charset="0"/>
+              <a:buChar char="•"/>
+            </a:pPr>
+            <a:endParaRPr lang="es"/>
+          </a:p>
+          <a:p>
+            <a:pPr marL="742950" lvl="1" indent="-285750" algn="l">
+              <a:buFont typeface="Arial" panose="020B0604020202020204" pitchFamily="34" charset="0"/>
+              <a:buChar char="•"/>
+            </a:pPr>
+            <a:endParaRPr lang="es"/>
+          </a:p>
+          <a:p>
+            <a:pPr marL="285750" lvl="0" indent="-285750" algn="l" rtl="0">
+              <a:spcBef>
+                <a:spcPts val="0"/>
+              </a:spcBef>
+              <a:spcAft>
+                <a:spcPts val="0"/>
+              </a:spcAft>
+              <a:buFont typeface="Arial" panose="020B0604020202020204" pitchFamily="34" charset="0"/>
+              <a:buChar char="•"/>
+            </a:pPr>
+            <a:endParaRPr/>
+          </a:p>
+          <a:p>
+            <a:pPr marL="0" lvl="0" indent="0" algn="l" rtl="0">
+              <a:spcBef>
+                <a:spcPts val="0"/>
+              </a:spcBef>
+              <a:spcAft>
+                <a:spcPts val="0"/>
+              </a:spcAft>
+              <a:buNone/>
+            </a:pPr>
+            <a:endParaRPr/>
+          </a:p>
+        </p:txBody>
+      </p:sp>
+      <p:cxnSp>
+        <p:nvCxnSpPr>
+          <p:cNvPr id="166" name="Google Shape;166;p30">
+            <a:extLst>
+              <a:ext uri="{FF2B5EF4-FFF2-40B4-BE49-F238E27FC236}">
+                <a16:creationId xmlns:a16="http://schemas.microsoft.com/office/drawing/2014/main" id="{79D70A08-CB0E-6C7A-812E-08BC95E3124D}"/>
+              </a:ext>
+            </a:extLst>
+          </p:cNvPr>
+          <p:cNvCxnSpPr>
+            <a:cxnSpLocks/>
+          </p:cNvCxnSpPr>
+          <p:nvPr/>
+        </p:nvCxnSpPr>
+        <p:spPr>
+          <a:xfrm>
+            <a:off x="812499" y="1045726"/>
+            <a:ext cx="7290352" cy="0"/>
+          </a:xfrm>
+          <a:prstGeom prst="straightConnector1">
+            <a:avLst/>
+          </a:prstGeom>
+          <a:noFill/>
+          <a:ln w="19050" cap="flat" cmpd="sng">
+            <a:solidFill>
+              <a:schemeClr val="dk1"/>
+            </a:solidFill>
+            <a:prstDash val="solid"/>
+            <a:round/>
+            <a:headEnd type="none" w="med" len="med"/>
+            <a:tailEnd type="none" w="med" len="med"/>
+          </a:ln>
+        </p:spPr>
+      </p:cxnSp>
+    </p:spTree>
+    <p:extLst>
+      <p:ext uri="{BB962C8B-B14F-4D97-AF65-F5344CB8AC3E}">
+        <p14:creationId xmlns:p14="http://schemas.microsoft.com/office/powerpoint/2010/main" val="2302531464"/>
+      </p:ext>
+    </p:extLst>
+  </p:cSld>
+  <p:clrMapOvr>
+    <a:masterClrMapping/>
+  </p:clrMapOvr>
+</p:sld>
+</file>
+
+<file path=ppt/slides/slide32.xml><?xml version="1.0" encoding="utf-8"?>
+<p:sld xmlns:a="http://schemas.openxmlformats.org/drawingml/2006/main" xmlns:r="http://schemas.openxmlformats.org/officeDocument/2006/relationships" xmlns:p="http://schemas.openxmlformats.org/presentationml/2006/main">
+  <p:cSld>
+    <p:spTree>
+      <p:nvGrpSpPr>
+        <p:cNvPr id="1" name="Shape 157">
+          <a:extLst>
+            <a:ext uri="{FF2B5EF4-FFF2-40B4-BE49-F238E27FC236}">
+              <a16:creationId xmlns:a16="http://schemas.microsoft.com/office/drawing/2014/main" id="{BCF5BD4C-7DFD-D2D8-2467-22418DA71161}"/>
+            </a:ext>
+          </a:extLst>
+        </p:cNvPr>
+        <p:cNvGrpSpPr/>
+        <p:nvPr/>
+      </p:nvGrpSpPr>
+      <p:grpSpPr>
+        <a:xfrm>
+          <a:off x="0" y="0"/>
+          <a:ext cx="0" cy="0"/>
+          <a:chOff x="0" y="0"/>
+          <a:chExt cx="0" cy="0"/>
+        </a:xfrm>
+      </p:grpSpPr>
+      <p:sp>
+        <p:nvSpPr>
+          <p:cNvPr id="158" name="Google Shape;158;p30">
+            <a:extLst>
+              <a:ext uri="{FF2B5EF4-FFF2-40B4-BE49-F238E27FC236}">
+                <a16:creationId xmlns:a16="http://schemas.microsoft.com/office/drawing/2014/main" id="{6FCDEA1E-F09E-B981-6F28-32EE8DDEDA09}"/>
+              </a:ext>
+            </a:extLst>
+          </p:cNvPr>
+          <p:cNvSpPr txBox="1">
+            <a:spLocks noGrp="1"/>
+          </p:cNvSpPr>
+          <p:nvPr>
+            <p:ph type="title" idx="6"/>
+          </p:nvPr>
+        </p:nvSpPr>
+        <p:spPr>
+          <a:xfrm>
+            <a:off x="710749" y="387250"/>
+            <a:ext cx="8315555" cy="776400"/>
+          </a:xfrm>
+          <a:prstGeom prst="rect">
+            <a:avLst/>
+          </a:prstGeom>
+        </p:spPr>
+        <p:txBody>
+          <a:bodyPr spcFirstLastPara="1" wrap="square" lIns="91425" tIns="91425" rIns="91425" bIns="91425" anchor="t" anchorCtr="0">
+            <a:noAutofit/>
+          </a:bodyPr>
+          <a:lstStyle/>
+          <a:p>
+            <a:pPr marL="0" lvl="0" indent="0" algn="l" rtl="0">
+              <a:spcBef>
+                <a:spcPts val="0"/>
+              </a:spcBef>
+              <a:spcAft>
+                <a:spcPts val="0"/>
+              </a:spcAft>
+              <a:buNone/>
+            </a:pPr>
+            <a:r>
+              <a:rPr lang="es" sz="3200" b="0"/>
+              <a:t>Creative Commons Licenses</a:t>
+            </a:r>
+            <a:endParaRPr sz="3200" b="0"/>
+          </a:p>
+        </p:txBody>
+      </p:sp>
+      <p:cxnSp>
+        <p:nvCxnSpPr>
+          <p:cNvPr id="166" name="Google Shape;166;p30">
+            <a:extLst>
+              <a:ext uri="{FF2B5EF4-FFF2-40B4-BE49-F238E27FC236}">
+                <a16:creationId xmlns:a16="http://schemas.microsoft.com/office/drawing/2014/main" id="{1B2A20C2-BB0C-6ED9-A04A-066F1AB80387}"/>
+              </a:ext>
+            </a:extLst>
+          </p:cNvPr>
+          <p:cNvCxnSpPr>
+            <a:cxnSpLocks/>
+          </p:cNvCxnSpPr>
+          <p:nvPr/>
+        </p:nvCxnSpPr>
+        <p:spPr>
+          <a:xfrm>
+            <a:off x="812499" y="1045726"/>
+            <a:ext cx="7290352" cy="0"/>
+          </a:xfrm>
+          <a:prstGeom prst="straightConnector1">
+            <a:avLst/>
+          </a:prstGeom>
+          <a:noFill/>
+          <a:ln w="19050" cap="flat" cmpd="sng">
+            <a:solidFill>
+              <a:schemeClr val="dk1"/>
+            </a:solidFill>
+            <a:prstDash val="solid"/>
+            <a:round/>
+            <a:headEnd type="none" w="med" len="med"/>
+            <a:tailEnd type="none" w="med" len="med"/>
+          </a:ln>
+        </p:spPr>
+      </p:cxnSp>
+      <p:pic>
+        <p:nvPicPr>
+          <p:cNvPr id="5" name="Picture 4">
+            <a:extLst>
+              <a:ext uri="{FF2B5EF4-FFF2-40B4-BE49-F238E27FC236}">
+                <a16:creationId xmlns:a16="http://schemas.microsoft.com/office/drawing/2014/main" id="{3B163FDA-53D8-92B8-A224-74889CF13F6B}"/>
+              </a:ext>
+            </a:extLst>
+          </p:cNvPr>
+          <p:cNvPicPr>
+            <a:picLocks noChangeAspect="1"/>
+          </p:cNvPicPr>
+          <p:nvPr/>
+        </p:nvPicPr>
+        <p:blipFill>
+          <a:blip r:embed="rId3"/>
+          <a:stretch>
+            <a:fillRect/>
+          </a:stretch>
+        </p:blipFill>
+        <p:spPr>
+          <a:xfrm>
+            <a:off x="710749" y="1229669"/>
+            <a:ext cx="7007382" cy="3601103"/>
+          </a:xfrm>
+          <a:prstGeom prst="rect">
+            <a:avLst/>
+          </a:prstGeom>
+        </p:spPr>
+      </p:pic>
+    </p:spTree>
+    <p:extLst>
+      <p:ext uri="{BB962C8B-B14F-4D97-AF65-F5344CB8AC3E}">
+        <p14:creationId xmlns:p14="http://schemas.microsoft.com/office/powerpoint/2010/main" val="3433236225"/>
+      </p:ext>
+    </p:extLst>
+  </p:cSld>
+  <p:clrMapOvr>
+    <a:masterClrMapping/>
+  </p:clrMapOvr>
+</p:sld>
+</file>
+
+<file path=ppt/slides/slide33.xml><?xml version="1.0" encoding="utf-8"?>
+<p:sld xmlns:a="http://schemas.openxmlformats.org/drawingml/2006/main" xmlns:r="http://schemas.openxmlformats.org/officeDocument/2006/relationships" xmlns:p="http://schemas.openxmlformats.org/presentationml/2006/main">
+  <p:cSld>
+    <p:spTree>
+      <p:nvGrpSpPr>
+        <p:cNvPr id="1" name="Shape 157">
+          <a:extLst>
+            <a:ext uri="{FF2B5EF4-FFF2-40B4-BE49-F238E27FC236}">
+              <a16:creationId xmlns:a16="http://schemas.microsoft.com/office/drawing/2014/main" id="{6D528E5D-CFBE-1858-61C2-5A69F328C850}"/>
+            </a:ext>
+          </a:extLst>
+        </p:cNvPr>
+        <p:cNvGrpSpPr/>
+        <p:nvPr/>
+      </p:nvGrpSpPr>
+      <p:grpSpPr>
+        <a:xfrm>
+          <a:off x="0" y="0"/>
+          <a:ext cx="0" cy="0"/>
+          <a:chOff x="0" y="0"/>
+          <a:chExt cx="0" cy="0"/>
+        </a:xfrm>
+      </p:grpSpPr>
+      <p:sp>
+        <p:nvSpPr>
+          <p:cNvPr id="158" name="Google Shape;158;p30">
+            <a:extLst>
+              <a:ext uri="{FF2B5EF4-FFF2-40B4-BE49-F238E27FC236}">
+                <a16:creationId xmlns:a16="http://schemas.microsoft.com/office/drawing/2014/main" id="{9AEFD1BE-3639-CA86-263E-578BD5DED925}"/>
+              </a:ext>
+            </a:extLst>
+          </p:cNvPr>
+          <p:cNvSpPr txBox="1">
+            <a:spLocks noGrp="1"/>
+          </p:cNvSpPr>
+          <p:nvPr>
+            <p:ph type="title" idx="6"/>
+          </p:nvPr>
+        </p:nvSpPr>
+        <p:spPr>
+          <a:xfrm>
+            <a:off x="710750" y="387250"/>
+            <a:ext cx="6467290" cy="776400"/>
+          </a:xfrm>
+          <a:prstGeom prst="rect">
+            <a:avLst/>
+          </a:prstGeom>
+        </p:spPr>
+        <p:txBody>
+          <a:bodyPr spcFirstLastPara="1" wrap="square" lIns="91425" tIns="91425" rIns="91425" bIns="91425" anchor="t" anchorCtr="0">
+            <a:noAutofit/>
+          </a:bodyPr>
+          <a:lstStyle/>
+          <a:p>
+            <a:pPr marL="0" lvl="0" indent="0" algn="l" rtl="0">
+              <a:spcBef>
+                <a:spcPts val="0"/>
+              </a:spcBef>
+              <a:spcAft>
+                <a:spcPts val="0"/>
+              </a:spcAft>
+              <a:buNone/>
+            </a:pPr>
+            <a:r>
+              <a:rPr lang="es" b="0" dirty="0"/>
+              <a:t>Questions?</a:t>
+            </a:r>
+            <a:endParaRPr b="0" dirty="0"/>
+          </a:p>
+        </p:txBody>
+      </p:sp>
+      <p:cxnSp>
+        <p:nvCxnSpPr>
+          <p:cNvPr id="166" name="Google Shape;166;p30">
+            <a:extLst>
+              <a:ext uri="{FF2B5EF4-FFF2-40B4-BE49-F238E27FC236}">
+                <a16:creationId xmlns:a16="http://schemas.microsoft.com/office/drawing/2014/main" id="{7B966F3C-9FB6-CCDA-376E-20016BB6E031}"/>
+              </a:ext>
+            </a:extLst>
+          </p:cNvPr>
+          <p:cNvCxnSpPr>
+            <a:cxnSpLocks/>
+          </p:cNvCxnSpPr>
+          <p:nvPr/>
+        </p:nvCxnSpPr>
+        <p:spPr>
+          <a:xfrm>
+            <a:off x="812499" y="1045726"/>
+            <a:ext cx="6365541" cy="0"/>
+          </a:xfrm>
+          <a:prstGeom prst="straightConnector1">
+            <a:avLst/>
+          </a:prstGeom>
+          <a:noFill/>
+          <a:ln w="19050" cap="flat" cmpd="sng">
+            <a:solidFill>
+              <a:schemeClr val="dk1"/>
+            </a:solidFill>
+            <a:prstDash val="solid"/>
+            <a:round/>
+            <a:headEnd type="none" w="med" len="med"/>
+            <a:tailEnd type="none" w="med" len="med"/>
+          </a:ln>
+        </p:spPr>
+      </p:cxnSp>
+      <p:sp>
+        <p:nvSpPr>
+          <p:cNvPr id="4" name="TextBox 3">
+            <a:extLst>
+              <a:ext uri="{FF2B5EF4-FFF2-40B4-BE49-F238E27FC236}">
+                <a16:creationId xmlns:a16="http://schemas.microsoft.com/office/drawing/2014/main" id="{73AACA90-D77A-429D-01DC-D21E75DCEF6E}"/>
+              </a:ext>
+            </a:extLst>
+          </p:cNvPr>
+          <p:cNvSpPr txBox="1"/>
+          <p:nvPr/>
+        </p:nvSpPr>
+        <p:spPr>
+          <a:xfrm>
+            <a:off x="8157172" y="4619860"/>
+            <a:ext cx="768187" cy="215444"/>
+          </a:xfrm>
+          <a:prstGeom prst="rect">
+            <a:avLst/>
+          </a:prstGeom>
+          <a:noFill/>
+        </p:spPr>
+        <p:txBody>
+          <a:bodyPr wrap="square" rtlCol="0">
+            <a:spAutoFit/>
+          </a:bodyPr>
+          <a:lstStyle/>
+          <a:p>
+            <a:r>
+              <a:rPr lang="en-US" sz="800">
+                <a:hlinkClick r:id="rId3"/>
+              </a:rPr>
+              <a:t>source</a:t>
+            </a:r>
+            <a:endParaRPr lang="en-CA" sz="800" dirty="0"/>
+          </a:p>
+        </p:txBody>
+      </p:sp>
+      <p:pic>
+        <p:nvPicPr>
+          <p:cNvPr id="1026" name="Picture 2" descr="Mark Wahlburg confused Meme Generator">
+            <a:extLst>
+              <a:ext uri="{FF2B5EF4-FFF2-40B4-BE49-F238E27FC236}">
+                <a16:creationId xmlns:a16="http://schemas.microsoft.com/office/drawing/2014/main" id="{D1FB5FD1-DFE9-C504-AF3F-A0A47102412D}"/>
+              </a:ext>
+            </a:extLst>
+          </p:cNvPr>
+          <p:cNvPicPr>
+            <a:picLocks noChangeAspect="1" noChangeArrowheads="1"/>
+          </p:cNvPicPr>
+          <p:nvPr/>
+        </p:nvPicPr>
+        <p:blipFill>
+          <a:blip r:embed="rId4">
+            <a:extLst>
+              <a:ext uri="{28A0092B-C50C-407E-A947-70E740481C1C}">
+                <a14:useLocalDpi xmlns:a14="http://schemas.microsoft.com/office/drawing/2010/main" val="0"/>
+              </a:ext>
+            </a:extLst>
+          </a:blip>
+          <a:srcRect/>
+          <a:stretch>
+            <a:fillRect/>
+          </a:stretch>
+        </p:blipFill>
+        <p:spPr bwMode="auto">
+          <a:xfrm>
+            <a:off x="812499" y="1538947"/>
+            <a:ext cx="4810125" cy="2619668"/>
+          </a:xfrm>
+          <a:prstGeom prst="rect">
+            <a:avLst/>
+          </a:prstGeom>
+          <a:noFill/>
+          <a:extLst>
+            <a:ext uri="{909E8E84-426E-40DD-AFC4-6F175D3DCCD1}">
+              <a14:hiddenFill xmlns:a14="http://schemas.microsoft.com/office/drawing/2010/main">
+                <a:solidFill>
+                  <a:srgbClr val="FFFFFF"/>
+                </a:solidFill>
+              </a14:hiddenFill>
+            </a:ext>
+          </a:extLst>
+        </p:spPr>
+      </p:pic>
+    </p:spTree>
+    <p:extLst>
+      <p:ext uri="{BB962C8B-B14F-4D97-AF65-F5344CB8AC3E}">
+        <p14:creationId xmlns:p14="http://schemas.microsoft.com/office/powerpoint/2010/main" val="2165019772"/>
+      </p:ext>
+    </p:extLst>
+  </p:cSld>
+  <p:clrMapOvr>
+    <a:masterClrMapping/>
+  </p:clrMapOvr>
+</p:sld>
+</file>
+
+<file path=ppt/slides/slide4.xml><?xml version="1.0" encoding="utf-8"?>
 <p:sld xmlns:a="http://schemas.openxmlformats.org/drawingml/2006/main" xmlns:r="http://schemas.openxmlformats.org/officeDocument/2006/relationships" xmlns:p="http://schemas.openxmlformats.org/presentationml/2006/main">
   <p:cSld>
     <p:spTree>
@@ -19326,7 +18613,7 @@
 </p:sld>
 </file>
 
-<file path=ppt/slides/slide6.xml><?xml version="1.0" encoding="utf-8"?>
+<file path=ppt/slides/slide5.xml><?xml version="1.0" encoding="utf-8"?>
 <p:sld xmlns:a="http://schemas.openxmlformats.org/drawingml/2006/main" xmlns:r="http://schemas.openxmlformats.org/officeDocument/2006/relationships" xmlns:p="http://schemas.openxmlformats.org/presentationml/2006/main">
   <p:cSld>
     <p:spTree>
@@ -19444,7 +18731,7 @@
 </p:sld>
 </file>
 
-<file path=ppt/slides/slide7.xml><?xml version="1.0" encoding="utf-8"?>
+<file path=ppt/slides/slide6.xml><?xml version="1.0" encoding="utf-8"?>
 <p:sld xmlns:a="http://schemas.openxmlformats.org/drawingml/2006/main" xmlns:r="http://schemas.openxmlformats.org/officeDocument/2006/relationships" xmlns:p="http://schemas.openxmlformats.org/presentationml/2006/main">
   <p:cSld>
     <p:spTree>
@@ -19776,7 +19063,7 @@
 </p:sld>
 </file>
 
-<file path=ppt/slides/slide8.xml><?xml version="1.0" encoding="utf-8"?>
+<file path=ppt/slides/slide7.xml><?xml version="1.0" encoding="utf-8"?>
 <p:sld xmlns:a="http://schemas.openxmlformats.org/drawingml/2006/main" xmlns:r="http://schemas.openxmlformats.org/officeDocument/2006/relationships" xmlns:p="http://schemas.openxmlformats.org/presentationml/2006/main">
   <p:cSld>
     <p:spTree>
@@ -20184,7 +19471,7 @@
 </p:sld>
 </file>
 
-<file path=ppt/slides/slide9.xml><?xml version="1.0" encoding="utf-8"?>
+<file path=ppt/slides/slide8.xml><?xml version="1.0" encoding="utf-8"?>
 <p:sld xmlns:a="http://schemas.openxmlformats.org/drawingml/2006/main" xmlns:r="http://schemas.openxmlformats.org/officeDocument/2006/relationships" xmlns:p="http://schemas.openxmlformats.org/presentationml/2006/main">
   <p:cSld>
     <p:spTree>
@@ -20386,6 +19673,393 @@
     <p:extLst>
       <p:ext uri="{BB962C8B-B14F-4D97-AF65-F5344CB8AC3E}">
         <p14:creationId xmlns:p14="http://schemas.microsoft.com/office/powerpoint/2010/main" val="3178320978"/>
+      </p:ext>
+    </p:extLst>
+  </p:cSld>
+  <p:clrMapOvr>
+    <a:masterClrMapping/>
+  </p:clrMapOvr>
+</p:sld>
+</file>
+
+<file path=ppt/slides/slide9.xml><?xml version="1.0" encoding="utf-8"?>
+<p:sld xmlns:a="http://schemas.openxmlformats.org/drawingml/2006/main" xmlns:r="http://schemas.openxmlformats.org/officeDocument/2006/relationships" xmlns:p="http://schemas.openxmlformats.org/presentationml/2006/main">
+  <p:cSld>
+    <p:spTree>
+      <p:nvGrpSpPr>
+        <p:cNvPr id="1" name="Shape 157">
+          <a:extLst>
+            <a:ext uri="{FF2B5EF4-FFF2-40B4-BE49-F238E27FC236}">
+              <a16:creationId xmlns:a16="http://schemas.microsoft.com/office/drawing/2014/main" id="{807926AB-1213-4495-38AF-0389D8036F75}"/>
+            </a:ext>
+          </a:extLst>
+        </p:cNvPr>
+        <p:cNvGrpSpPr/>
+        <p:nvPr/>
+      </p:nvGrpSpPr>
+      <p:grpSpPr>
+        <a:xfrm>
+          <a:off x="0" y="0"/>
+          <a:ext cx="0" cy="0"/>
+          <a:chOff x="0" y="0"/>
+          <a:chExt cx="0" cy="0"/>
+        </a:xfrm>
+      </p:grpSpPr>
+      <p:sp>
+        <p:nvSpPr>
+          <p:cNvPr id="158" name="Google Shape;158;p30">
+            <a:extLst>
+              <a:ext uri="{FF2B5EF4-FFF2-40B4-BE49-F238E27FC236}">
+                <a16:creationId xmlns:a16="http://schemas.microsoft.com/office/drawing/2014/main" id="{40E70D85-3177-4578-9182-EE4036901D23}"/>
+              </a:ext>
+            </a:extLst>
+          </p:cNvPr>
+          <p:cNvSpPr txBox="1">
+            <a:spLocks noGrp="1"/>
+          </p:cNvSpPr>
+          <p:nvPr>
+            <p:ph type="title" idx="6"/>
+          </p:nvPr>
+        </p:nvSpPr>
+        <p:spPr>
+          <a:xfrm>
+            <a:off x="710750" y="387250"/>
+            <a:ext cx="6467290" cy="776400"/>
+          </a:xfrm>
+          <a:prstGeom prst="rect">
+            <a:avLst/>
+          </a:prstGeom>
+        </p:spPr>
+        <p:txBody>
+          <a:bodyPr spcFirstLastPara="1" wrap="square" lIns="91425" tIns="91425" rIns="91425" bIns="91425" anchor="t" anchorCtr="0">
+            <a:noAutofit/>
+          </a:bodyPr>
+          <a:lstStyle/>
+          <a:p>
+            <a:pPr marL="0" lvl="0" indent="0" algn="l" rtl="0">
+              <a:spcBef>
+                <a:spcPts val="0"/>
+              </a:spcBef>
+              <a:spcAft>
+                <a:spcPts val="0"/>
+              </a:spcAft>
+              <a:buNone/>
+            </a:pPr>
+            <a:r>
+              <a:rPr lang="es" b="0"/>
+              <a:t>What should you share?</a:t>
+            </a:r>
+            <a:endParaRPr b="0"/>
+          </a:p>
+        </p:txBody>
+      </p:sp>
+      <p:sp>
+        <p:nvSpPr>
+          <p:cNvPr id="162" name="Google Shape;162;p30">
+            <a:extLst>
+              <a:ext uri="{FF2B5EF4-FFF2-40B4-BE49-F238E27FC236}">
+                <a16:creationId xmlns:a16="http://schemas.microsoft.com/office/drawing/2014/main" id="{60943A8E-F68A-86F8-B055-56915ED1BB35}"/>
+              </a:ext>
+            </a:extLst>
+          </p:cNvPr>
+          <p:cNvSpPr txBox="1">
+            <a:spLocks noGrp="1"/>
+          </p:cNvSpPr>
+          <p:nvPr>
+            <p:ph type="subTitle" idx="3"/>
+          </p:nvPr>
+        </p:nvSpPr>
+        <p:spPr>
+          <a:xfrm>
+            <a:off x="710750" y="1491096"/>
+            <a:ext cx="7853701" cy="2161308"/>
+          </a:xfrm>
+          <a:prstGeom prst="rect">
+            <a:avLst/>
+          </a:prstGeom>
+        </p:spPr>
+        <p:txBody>
+          <a:bodyPr spcFirstLastPara="1" wrap="square" lIns="91425" tIns="91425" rIns="91425" bIns="91425" anchor="t" anchorCtr="0">
+            <a:noAutofit/>
+          </a:bodyPr>
+          <a:lstStyle/>
+          <a:p>
+            <a:pPr marL="285750" lvl="0" indent="-285750" algn="l" rtl="0">
+              <a:spcBef>
+                <a:spcPts val="0"/>
+              </a:spcBef>
+              <a:spcAft>
+                <a:spcPts val="0"/>
+              </a:spcAft>
+              <a:buFont typeface="Arial" panose="020B0604020202020204" pitchFamily="34" charset="0"/>
+              <a:buChar char="•"/>
+            </a:pPr>
+            <a:r>
+              <a:rPr lang="en-US" sz="1600" b="1"/>
+              <a:t>**Data</a:t>
+            </a:r>
+          </a:p>
+          <a:p>
+            <a:pPr marL="742950" lvl="1" indent="-285750" algn="l">
+              <a:buFont typeface="Arial" panose="020B0604020202020204" pitchFamily="34" charset="0"/>
+              <a:buChar char="•"/>
+            </a:pPr>
+            <a:r>
+              <a:rPr lang="en-US" sz="1600"/>
+              <a:t>Raw data (directly obtained from instruction, simulation, survey, etc.)</a:t>
+            </a:r>
+          </a:p>
+          <a:p>
+            <a:pPr marL="742950" lvl="1" indent="-285750" algn="l">
+              <a:buFont typeface="Arial" panose="020B0604020202020204" pitchFamily="34" charset="0"/>
+              <a:buChar char="•"/>
+            </a:pPr>
+            <a:r>
+              <a:rPr lang="en-US" sz="1600"/>
+              <a:t>Processed data (cleaned or manipulated as a step prior to analysis)</a:t>
+            </a:r>
+          </a:p>
+          <a:p>
+            <a:pPr marL="742950" lvl="1" indent="-285750" algn="l">
+              <a:buFont typeface="Arial" panose="020B0604020202020204" pitchFamily="34" charset="0"/>
+              <a:buChar char="•"/>
+            </a:pPr>
+            <a:r>
+              <a:rPr lang="en-US" sz="1600"/>
+              <a:t>Analyzed or summary data (results of analysis of the processed data)</a:t>
+            </a:r>
+          </a:p>
+          <a:p>
+            <a:pPr marL="742950" lvl="1" indent="-285750" algn="l">
+              <a:buFont typeface="Arial" panose="020B0604020202020204" pitchFamily="34" charset="0"/>
+              <a:buChar char="•"/>
+            </a:pPr>
+            <a:r>
+              <a:rPr lang="en-US" sz="1600"/>
+              <a:t>Other?</a:t>
+            </a:r>
+          </a:p>
+          <a:p>
+            <a:pPr marL="285750" indent="-285750">
+              <a:buFont typeface="Arial" panose="020B0604020202020204" pitchFamily="34" charset="0"/>
+              <a:buChar char="•"/>
+            </a:pPr>
+            <a:endParaRPr lang="en-US"/>
+          </a:p>
+          <a:p>
+            <a:pPr marL="457200" lvl="1" indent="0" algn="l"/>
+            <a:endParaRPr lang="en-US"/>
+          </a:p>
+          <a:p>
+            <a:pPr marL="0" indent="0"/>
+            <a:endParaRPr lang="en-US"/>
+          </a:p>
+          <a:p>
+            <a:pPr marL="285750" lvl="0" indent="-285750" algn="l" rtl="0">
+              <a:spcBef>
+                <a:spcPts val="0"/>
+              </a:spcBef>
+              <a:spcAft>
+                <a:spcPts val="0"/>
+              </a:spcAft>
+              <a:buFont typeface="Arial" panose="020B0604020202020204" pitchFamily="34" charset="0"/>
+              <a:buChar char="•"/>
+            </a:pPr>
+            <a:endParaRPr lang="en-US"/>
+          </a:p>
+          <a:p>
+            <a:pPr marL="285750" lvl="0" indent="-285750" algn="l" rtl="0">
+              <a:spcBef>
+                <a:spcPts val="0"/>
+              </a:spcBef>
+              <a:spcAft>
+                <a:spcPts val="0"/>
+              </a:spcAft>
+              <a:buFont typeface="Arial" panose="020B0604020202020204" pitchFamily="34" charset="0"/>
+              <a:buChar char="•"/>
+            </a:pPr>
+            <a:endParaRPr lang="en-US"/>
+          </a:p>
+          <a:p>
+            <a:pPr marL="285750" lvl="0" indent="-285750" algn="l" rtl="0">
+              <a:spcBef>
+                <a:spcPts val="0"/>
+              </a:spcBef>
+              <a:spcAft>
+                <a:spcPts val="0"/>
+              </a:spcAft>
+              <a:buFont typeface="Arial" panose="020B0604020202020204" pitchFamily="34" charset="0"/>
+              <a:buChar char="•"/>
+            </a:pPr>
+            <a:endParaRPr lang="en-US"/>
+          </a:p>
+          <a:p>
+            <a:pPr marL="285750" lvl="0" indent="-285750" algn="l" rtl="0">
+              <a:spcBef>
+                <a:spcPts val="0"/>
+              </a:spcBef>
+              <a:spcAft>
+                <a:spcPts val="0"/>
+              </a:spcAft>
+              <a:buFont typeface="Arial" panose="020B0604020202020204" pitchFamily="34" charset="0"/>
+              <a:buChar char="•"/>
+            </a:pPr>
+            <a:endParaRPr lang="en-US"/>
+          </a:p>
+          <a:p>
+            <a:pPr marL="285750" lvl="0" indent="-285750" algn="l" rtl="0">
+              <a:spcBef>
+                <a:spcPts val="0"/>
+              </a:spcBef>
+              <a:spcAft>
+                <a:spcPts val="0"/>
+              </a:spcAft>
+              <a:buFont typeface="Arial" panose="020B0604020202020204" pitchFamily="34" charset="0"/>
+              <a:buChar char="•"/>
+            </a:pPr>
+            <a:endParaRPr lang="en-US"/>
+          </a:p>
+          <a:p>
+            <a:pPr marL="285750" lvl="0" indent="-285750" algn="l" rtl="0">
+              <a:spcBef>
+                <a:spcPts val="0"/>
+              </a:spcBef>
+              <a:spcAft>
+                <a:spcPts val="0"/>
+              </a:spcAft>
+              <a:buFont typeface="Arial" panose="020B0604020202020204" pitchFamily="34" charset="0"/>
+              <a:buChar char="•"/>
+            </a:pPr>
+            <a:endParaRPr lang="en-US"/>
+          </a:p>
+          <a:p>
+            <a:pPr marL="285750" lvl="0" indent="-285750" algn="l" rtl="0">
+              <a:lnSpc>
+                <a:spcPct val="150000"/>
+              </a:lnSpc>
+              <a:spcBef>
+                <a:spcPts val="0"/>
+              </a:spcBef>
+              <a:spcAft>
+                <a:spcPts val="0"/>
+              </a:spcAft>
+              <a:buFont typeface="Arial" panose="020B0604020202020204" pitchFamily="34" charset="0"/>
+              <a:buChar char="•"/>
+            </a:pPr>
+            <a:endParaRPr lang="en-CA" sz="1600"/>
+          </a:p>
+          <a:p>
+            <a:pPr marL="285750" lvl="0" indent="-285750" algn="l" rtl="0">
+              <a:lnSpc>
+                <a:spcPct val="150000"/>
+              </a:lnSpc>
+              <a:spcBef>
+                <a:spcPts val="0"/>
+              </a:spcBef>
+              <a:spcAft>
+                <a:spcPts val="0"/>
+              </a:spcAft>
+              <a:buFont typeface="Arial" panose="020B0604020202020204" pitchFamily="34" charset="0"/>
+              <a:buChar char="•"/>
+            </a:pPr>
+            <a:endParaRPr lang="en-CA" sz="1600"/>
+          </a:p>
+          <a:p>
+            <a:pPr marL="0" lvl="0" indent="0" algn="l" rtl="0">
+              <a:spcBef>
+                <a:spcPts val="0"/>
+              </a:spcBef>
+              <a:spcAft>
+                <a:spcPts val="0"/>
+              </a:spcAft>
+            </a:pPr>
+            <a:endParaRPr lang="en-CA" sz="1600"/>
+          </a:p>
+          <a:p>
+            <a:pPr marL="285750" lvl="0" indent="-285750" algn="l" rtl="0">
+              <a:spcBef>
+                <a:spcPts val="0"/>
+              </a:spcBef>
+              <a:spcAft>
+                <a:spcPts val="0"/>
+              </a:spcAft>
+              <a:buFont typeface="Arial" panose="020B0604020202020204" pitchFamily="34" charset="0"/>
+              <a:buChar char="•"/>
+            </a:pPr>
+            <a:endParaRPr lang="es"/>
+          </a:p>
+          <a:p>
+            <a:pPr marL="742950" lvl="1" indent="-285750" algn="l">
+              <a:buFont typeface="Arial" panose="020B0604020202020204" pitchFamily="34" charset="0"/>
+              <a:buChar char="•"/>
+            </a:pPr>
+            <a:endParaRPr lang="es"/>
+          </a:p>
+          <a:p>
+            <a:pPr marL="285750" lvl="0" indent="-285750" algn="l" rtl="0">
+              <a:spcBef>
+                <a:spcPts val="0"/>
+              </a:spcBef>
+              <a:spcAft>
+                <a:spcPts val="0"/>
+              </a:spcAft>
+              <a:buFont typeface="Arial" panose="020B0604020202020204" pitchFamily="34" charset="0"/>
+              <a:buChar char="•"/>
+            </a:pPr>
+            <a:endParaRPr/>
+          </a:p>
+          <a:p>
+            <a:pPr marL="0" lvl="0" indent="0" algn="l" rtl="0">
+              <a:spcBef>
+                <a:spcPts val="0"/>
+              </a:spcBef>
+              <a:spcAft>
+                <a:spcPts val="0"/>
+              </a:spcAft>
+              <a:buNone/>
+            </a:pPr>
+            <a:endParaRPr/>
+          </a:p>
+        </p:txBody>
+      </p:sp>
+      <p:cxnSp>
+        <p:nvCxnSpPr>
+          <p:cNvPr id="166" name="Google Shape;166;p30">
+            <a:extLst>
+              <a:ext uri="{FF2B5EF4-FFF2-40B4-BE49-F238E27FC236}">
+                <a16:creationId xmlns:a16="http://schemas.microsoft.com/office/drawing/2014/main" id="{6F25F2EE-1589-EF3A-3253-AAC3159D003C}"/>
+              </a:ext>
+            </a:extLst>
+          </p:cNvPr>
+          <p:cNvCxnSpPr>
+            <a:cxnSpLocks/>
+          </p:cNvCxnSpPr>
+          <p:nvPr/>
+        </p:nvCxnSpPr>
+        <p:spPr>
+          <a:xfrm>
+            <a:off x="812499" y="1045726"/>
+            <a:ext cx="6365541" cy="0"/>
+          </a:xfrm>
+          <a:prstGeom prst="straightConnector1">
+            <a:avLst/>
+          </a:prstGeom>
+          <a:noFill/>
+          <a:ln w="19050" cap="flat" cmpd="sng">
+            <a:solidFill>
+              <a:schemeClr val="dk1"/>
+            </a:solidFill>
+            <a:prstDash val="solid"/>
+            <a:round/>
+            <a:headEnd type="none" w="med" len="med"/>
+            <a:tailEnd type="none" w="med" len="med"/>
+          </a:ln>
+        </p:spPr>
+      </p:cxnSp>
+    </p:spTree>
+    <p:extLst>
+      <p:ext uri="{BB962C8B-B14F-4D97-AF65-F5344CB8AC3E}">
+        <p14:creationId xmlns:p14="http://schemas.microsoft.com/office/powerpoint/2010/main" val="3766412717"/>
       </p:ext>
     </p:extLst>
   </p:cSld>
